--- a/HRRfWMCE.pptx
+++ b/HRRfWMCE.pptx
@@ -6,12 +6,13 @@
   </p:sldMasterIdLst>
   <p:sldIdLst>
     <p:sldId id="256" r:id="rId2"/>
-    <p:sldId id="257" r:id="rId3"/>
-    <p:sldId id="258" r:id="rId4"/>
-    <p:sldId id="260" r:id="rId5"/>
-    <p:sldId id="259" r:id="rId6"/>
-    <p:sldId id="261" r:id="rId7"/>
-    <p:sldId id="262" r:id="rId8"/>
+    <p:sldId id="258" r:id="rId3"/>
+    <p:sldId id="260" r:id="rId4"/>
+    <p:sldId id="259" r:id="rId5"/>
+    <p:sldId id="261" r:id="rId6"/>
+    <p:sldId id="262" r:id="rId7"/>
+    <p:sldId id="263" r:id="rId8"/>
+    <p:sldId id="264" r:id="rId9"/>
   </p:sldIdLst>
   <p:sldSz cx="12192000" cy="6858000"/>
   <p:notesSz cx="6858000" cy="9144000"/>
@@ -110,6 +111,11 @@
       </a:defRPr>
     </a:lvl9pPr>
   </p:defaultTextStyle>
+  <p:extLst>
+    <p:ext uri="{EFAFB233-063F-42B5-8137-9DF3F51BA10A}">
+      <p15:sldGuideLst xmlns:p15="http://schemas.microsoft.com/office/powerpoint/2012/main"/>
+    </p:ext>
+  </p:extLst>
 </p:presentation>
 </file>
 
@@ -316,7 +322,7 @@
             <a:fld id="{B61BEF0D-F0BB-DE4B-95CE-6DB70DBA9567}" type="datetimeFigureOut">
               <a:rPr lang="en-US" dirty="0"/>
               <a:pPr/>
-              <a:t>11/4/2016</a:t>
+              <a:t>11/6/2016</a:t>
             </a:fld>
             <a:endParaRPr lang="en-US" dirty="0"/>
           </a:p>
@@ -604,7 +610,7 @@
             <a:fld id="{B61BEF0D-F0BB-DE4B-95CE-6DB70DBA9567}" type="datetimeFigureOut">
               <a:rPr lang="en-US" dirty="0"/>
               <a:pPr/>
-              <a:t>11/4/2016</a:t>
+              <a:t>11/6/2016</a:t>
             </a:fld>
             <a:endParaRPr lang="en-US" dirty="0"/>
           </a:p>
@@ -849,7 +855,7 @@
             <a:fld id="{B61BEF0D-F0BB-DE4B-95CE-6DB70DBA9567}" type="datetimeFigureOut">
               <a:rPr lang="en-US" dirty="0"/>
               <a:pPr/>
-              <a:t>11/4/2016</a:t>
+              <a:t>11/6/2016</a:t>
             </a:fld>
             <a:endParaRPr lang="en-US" dirty="0"/>
           </a:p>
@@ -1382,7 +1388,7 @@
             <a:fld id="{B61BEF0D-F0BB-DE4B-95CE-6DB70DBA9567}" type="datetimeFigureOut">
               <a:rPr lang="en-US" dirty="0"/>
               <a:pPr/>
-              <a:t>11/4/2016</a:t>
+              <a:t>11/6/2016</a:t>
             </a:fld>
             <a:endParaRPr lang="en-US" dirty="0"/>
           </a:p>
@@ -1627,7 +1633,7 @@
             <a:fld id="{B61BEF0D-F0BB-DE4B-95CE-6DB70DBA9567}" type="datetimeFigureOut">
               <a:rPr lang="en-US" dirty="0"/>
               <a:pPr/>
-              <a:t>11/4/2016</a:t>
+              <a:t>11/6/2016</a:t>
             </a:fld>
             <a:endParaRPr lang="en-US" dirty="0"/>
           </a:p>
@@ -2167,7 +2173,7 @@
             <a:fld id="{B61BEF0D-F0BB-DE4B-95CE-6DB70DBA9567}" type="datetimeFigureOut">
               <a:rPr lang="en-US" dirty="0"/>
               <a:pPr/>
-              <a:t>11/4/2016</a:t>
+              <a:t>11/6/2016</a:t>
             </a:fld>
             <a:endParaRPr lang="en-US" dirty="0"/>
           </a:p>
@@ -2474,7 +2480,7 @@
             <a:fld id="{B61BEF0D-F0BB-DE4B-95CE-6DB70DBA9567}" type="datetimeFigureOut">
               <a:rPr lang="en-US" dirty="0"/>
               <a:pPr/>
-              <a:t>11/4/2016</a:t>
+              <a:t>11/6/2016</a:t>
             </a:fld>
             <a:endParaRPr lang="en-US" dirty="0"/>
           </a:p>
@@ -2646,7 +2652,7 @@
             <a:fld id="{B61BEF0D-F0BB-DE4B-95CE-6DB70DBA9567}" type="datetimeFigureOut">
               <a:rPr lang="en-US" dirty="0"/>
               <a:pPr/>
-              <a:t>11/4/2016</a:t>
+              <a:t>11/6/2016</a:t>
             </a:fld>
             <a:endParaRPr lang="en-US" dirty="0"/>
           </a:p>
@@ -2823,7 +2829,7 @@
             <a:fld id="{B61BEF0D-F0BB-DE4B-95CE-6DB70DBA9567}" type="datetimeFigureOut">
               <a:rPr lang="en-US" dirty="0"/>
               <a:pPr/>
-              <a:t>11/4/2016</a:t>
+              <a:t>11/6/2016</a:t>
             </a:fld>
             <a:endParaRPr lang="en-US" dirty="0"/>
           </a:p>
@@ -2990,7 +2996,7 @@
             <a:fld id="{B61BEF0D-F0BB-DE4B-95CE-6DB70DBA9567}" type="datetimeFigureOut">
               <a:rPr lang="en-US" dirty="0"/>
               <a:pPr/>
-              <a:t>11/4/2016</a:t>
+              <a:t>11/6/2016</a:t>
             </a:fld>
             <a:endParaRPr lang="en-US" dirty="0"/>
           </a:p>
@@ -3233,7 +3239,7 @@
             <a:fld id="{B61BEF0D-F0BB-DE4B-95CE-6DB70DBA9567}" type="datetimeFigureOut">
               <a:rPr lang="en-US" dirty="0"/>
               <a:pPr/>
-              <a:t>11/4/2016</a:t>
+              <a:t>11/6/2016</a:t>
             </a:fld>
             <a:endParaRPr lang="en-US" dirty="0"/>
           </a:p>
@@ -3522,7 +3528,7 @@
             <a:fld id="{B61BEF0D-F0BB-DE4B-95CE-6DB70DBA9567}" type="datetimeFigureOut">
               <a:rPr lang="en-US" dirty="0"/>
               <a:pPr/>
-              <a:t>11/4/2016</a:t>
+              <a:t>11/6/2016</a:t>
             </a:fld>
             <a:endParaRPr lang="en-US" dirty="0"/>
           </a:p>
@@ -3949,7 +3955,7 @@
             <a:fld id="{B61BEF0D-F0BB-DE4B-95CE-6DB70DBA9567}" type="datetimeFigureOut">
               <a:rPr lang="en-US" dirty="0"/>
               <a:pPr/>
-              <a:t>11/4/2016</a:t>
+              <a:t>11/6/2016</a:t>
             </a:fld>
             <a:endParaRPr lang="en-US" dirty="0"/>
           </a:p>
@@ -4069,7 +4075,7 @@
             <a:fld id="{B61BEF0D-F0BB-DE4B-95CE-6DB70DBA9567}" type="datetimeFigureOut">
               <a:rPr lang="en-US" dirty="0"/>
               <a:pPr/>
-              <a:t>11/4/2016</a:t>
+              <a:t>11/6/2016</a:t>
             </a:fld>
             <a:endParaRPr lang="en-US" dirty="0"/>
           </a:p>
@@ -4161,7 +4167,7 @@
             <a:fld id="{B61BEF0D-F0BB-DE4B-95CE-6DB70DBA9567}" type="datetimeFigureOut">
               <a:rPr lang="en-US" dirty="0"/>
               <a:pPr/>
-              <a:t>11/4/2016</a:t>
+              <a:t>11/6/2016</a:t>
             </a:fld>
             <a:endParaRPr lang="en-US" dirty="0"/>
           </a:p>
@@ -4441,7 +4447,7 @@
             <a:fld id="{B61BEF0D-F0BB-DE4B-95CE-6DB70DBA9567}" type="datetimeFigureOut">
               <a:rPr lang="en-US" dirty="0"/>
               <a:pPr/>
-              <a:t>11/4/2016</a:t>
+              <a:t>11/6/2016</a:t>
             </a:fld>
             <a:endParaRPr lang="en-US" dirty="0"/>
           </a:p>
@@ -4729,7 +4735,7 @@
             <a:fld id="{B61BEF0D-F0BB-DE4B-95CE-6DB70DBA9567}" type="datetimeFigureOut">
               <a:rPr lang="en-US" dirty="0"/>
               <a:pPr/>
-              <a:t>11/4/2016</a:t>
+              <a:t>11/6/2016</a:t>
             </a:fld>
             <a:endParaRPr lang="en-US" dirty="0"/>
           </a:p>
@@ -4957,7 +4963,7 @@
             <a:fld id="{B61BEF0D-F0BB-DE4B-95CE-6DB70DBA9567}" type="datetimeFigureOut">
               <a:rPr lang="en-US" dirty="0"/>
               <a:pPr/>
-              <a:t>11/4/2016</a:t>
+              <a:t>11/6/2016</a:t>
             </a:fld>
             <a:endParaRPr lang="en-US" dirty="0"/>
           </a:p>
@@ -5746,138 +5752,6 @@
           <a:chExt cx="0" cy="0"/>
         </a:xfrm>
       </p:grpSpPr>
-      <p:sp>
-        <p:nvSpPr>
-          <p:cNvPr id="2" name="Title 1"/>
-          <p:cNvSpPr>
-            <a:spLocks noGrp="1"/>
-          </p:cNvSpPr>
-          <p:nvPr>
-            <p:ph type="title"/>
-          </p:nvPr>
-        </p:nvSpPr>
-        <p:spPr>
-          <a:xfrm>
-            <a:off x="734096" y="609601"/>
-            <a:ext cx="10313315" cy="897228"/>
-          </a:xfrm>
-        </p:spPr>
-        <p:txBody>
-          <a:bodyPr>
-            <a:normAutofit/>
-          </a:bodyPr>
-          <a:lstStyle/>
-          <a:p>
-            <a:r>
-              <a:rPr lang="en-US" sz="4000" dirty="0" smtClean="0"/>
-              <a:t>Overview</a:t>
-            </a:r>
-            <a:endParaRPr lang="en-US" sz="4000" dirty="0"/>
-          </a:p>
-        </p:txBody>
-      </p:sp>
-      <p:sp>
-        <p:nvSpPr>
-          <p:cNvPr id="3" name="Content Placeholder 2"/>
-          <p:cNvSpPr>
-            <a:spLocks noGrp="1"/>
-          </p:cNvSpPr>
-          <p:nvPr>
-            <p:ph idx="1"/>
-          </p:nvPr>
-        </p:nvSpPr>
-        <p:spPr>
-          <a:xfrm>
-            <a:off x="1141413" y="2021983"/>
-            <a:ext cx="9905998" cy="3769217"/>
-          </a:xfrm>
-        </p:spPr>
-        <p:txBody>
-          <a:bodyPr>
-            <a:normAutofit/>
-          </a:bodyPr>
-          <a:lstStyle/>
-          <a:p>
-            <a:r>
-              <a:rPr lang="en-US" sz="2400" dirty="0" smtClean="0"/>
-              <a:t>Cognitive Models that “Think Humanly”</a:t>
-            </a:r>
-          </a:p>
-          <a:p>
-            <a:r>
-              <a:rPr lang="en-US" sz="2400" dirty="0" smtClean="0"/>
-              <a:t>The Working Memory Toolkit</a:t>
-            </a:r>
-          </a:p>
-          <a:p>
-            <a:r>
-              <a:rPr lang="en-US" sz="2400" dirty="0" smtClean="0"/>
-              <a:t>Representing Concepts Digitally</a:t>
-            </a:r>
-          </a:p>
-          <a:p>
-            <a:r>
-              <a:rPr lang="en-US" sz="2400" dirty="0" smtClean="0"/>
-              <a:t>Holographic Reduced Representations</a:t>
-            </a:r>
-          </a:p>
-          <a:p>
-            <a:r>
-              <a:rPr lang="en-US" sz="2400" dirty="0" smtClean="0"/>
-              <a:t>Building an HRR Engine and Adding It To the Toolkit</a:t>
-            </a:r>
-          </a:p>
-          <a:p>
-            <a:r>
-              <a:rPr lang="en-US" sz="2400" dirty="0" smtClean="0"/>
-              <a:t>Testing the Toolkit</a:t>
-            </a:r>
-          </a:p>
-          <a:p>
-            <a:r>
-              <a:rPr lang="en-US" sz="2400" dirty="0" smtClean="0"/>
-              <a:t>Future Impact</a:t>
-            </a:r>
-          </a:p>
-        </p:txBody>
-      </p:sp>
-    </p:spTree>
-    <p:extLst>
-      <p:ext uri="{BB962C8B-B14F-4D97-AF65-F5344CB8AC3E}">
-        <p14:creationId xmlns:p14="http://schemas.microsoft.com/office/powerpoint/2010/main" val="3178619134"/>
-      </p:ext>
-    </p:extLst>
-  </p:cSld>
-  <p:clrMapOvr>
-    <a:masterClrMapping/>
-  </p:clrMapOvr>
-  <p:timing>
-    <p:tnLst>
-      <p:par>
-        <p:cTn id="1" dur="indefinite" restart="never" nodeType="tmRoot"/>
-      </p:par>
-    </p:tnLst>
-  </p:timing>
-</p:sld>
-</file>
-
-<file path=ppt/slides/slide3.xml><?xml version="1.0" encoding="utf-8"?>
-<p:sld xmlns:a="http://schemas.openxmlformats.org/drawingml/2006/main" xmlns:r="http://schemas.openxmlformats.org/officeDocument/2006/relationships" xmlns:p="http://schemas.openxmlformats.org/presentationml/2006/main">
-  <p:cSld>
-    <p:spTree>
-      <p:nvGrpSpPr>
-        <p:cNvPr id="1" name=""/>
-        <p:cNvGrpSpPr/>
-        <p:nvPr/>
-      </p:nvGrpSpPr>
-      <p:grpSpPr>
-        <a:xfrm>
-          <a:off x="0" y="0"/>
-          <a:ext cx="0" cy="0"/>
-          <a:chOff x="0" y="0"/>
-          <a:chExt cx="0" cy="0"/>
-        </a:xfrm>
-      </p:grpSpPr>
       <p:graphicFrame>
         <p:nvGraphicFramePr>
           <p:cNvPr id="4" name="Content Placeholder 3"/>
@@ -5888,13 +5762,13 @@
             <p:ph idx="1"/>
             <p:extLst>
               <p:ext uri="{D42A27DB-BD31-4B8C-83A1-F6EECF244321}">
-                <p14:modId xmlns:p14="http://schemas.microsoft.com/office/powerpoint/2010/main" val="894744245"/>
+                <p14:modId xmlns:p14="http://schemas.microsoft.com/office/powerpoint/2010/main" val="2076342115"/>
               </p:ext>
             </p:extLst>
           </p:nvPr>
         </p:nvGraphicFramePr>
         <p:xfrm>
-          <a:off x="3627035" y="1983346"/>
+          <a:off x="484188" y="1746501"/>
           <a:ext cx="5182114" cy="1171978"/>
         </p:xfrm>
         <a:graphic>
@@ -5987,8 +5861,8 @@
         </p:nvSpPr>
         <p:spPr>
           <a:xfrm>
-            <a:off x="6004260" y="2266681"/>
-            <a:ext cx="3065172" cy="1249251"/>
+            <a:off x="2772462" y="2175097"/>
+            <a:ext cx="3065172" cy="817807"/>
           </a:xfrm>
           <a:prstGeom prst="ellipse">
             <a:avLst/>
@@ -6035,7 +5909,7 @@
         </p:nvSpPr>
         <p:spPr>
           <a:xfrm>
-            <a:off x="734096" y="609601"/>
+            <a:off x="734096" y="98734"/>
             <a:ext cx="10313315" cy="897228"/>
           </a:xfrm>
           <a:prstGeom prst="rect">
@@ -6154,8 +6028,8 @@
         </p:nvSpPr>
         <p:spPr>
           <a:xfrm>
-            <a:off x="1265093" y="3168202"/>
-            <a:ext cx="9905998" cy="3769217"/>
+            <a:off x="484188" y="2774434"/>
+            <a:ext cx="9905998" cy="3477297"/>
           </a:xfrm>
           <a:prstGeom prst="rect">
             <a:avLst/>
@@ -6524,17 +6398,185 @@
             </a:pPr>
             <a:r>
               <a:rPr lang="en-US" sz="2400" dirty="0"/>
-              <a:t>Helps to solve engineering problems…</a:t>
-            </a:r>
-          </a:p>
-          <a:p>
-            <a:pPr marL="0" indent="0">
-              <a:buNone/>
-            </a:pPr>
+              <a:t>Helps to solve engineering </a:t>
+            </a:r>
+            <a:r>
+              <a:rPr lang="en-US" sz="2400" dirty="0" smtClean="0"/>
+              <a:t>problems</a:t>
+            </a:r>
             <a:endParaRPr lang="en-US" sz="2400" dirty="0" smtClean="0"/>
           </a:p>
         </p:txBody>
       </p:sp>
+      <p:sp>
+        <p:nvSpPr>
+          <p:cNvPr id="2" name="TextBox 1"/>
+          <p:cNvSpPr txBox="1"/>
+          <p:nvPr/>
+        </p:nvSpPr>
+        <p:spPr>
+          <a:xfrm>
+            <a:off x="484188" y="1302744"/>
+            <a:ext cx="5182113" cy="369332"/>
+          </a:xfrm>
+          <a:prstGeom prst="rect">
+            <a:avLst/>
+          </a:prstGeom>
+          <a:noFill/>
+        </p:spPr>
+        <p:txBody>
+          <a:bodyPr wrap="square" rtlCol="0">
+            <a:spAutoFit/>
+          </a:bodyPr>
+          <a:lstStyle/>
+          <a:p>
+            <a:r>
+              <a:rPr lang="en-US" dirty="0" smtClean="0"/>
+              <a:t>Four corners of AI*</a:t>
+            </a:r>
+            <a:endParaRPr lang="en-US" dirty="0"/>
+          </a:p>
+        </p:txBody>
+      </p:sp>
+      <p:sp>
+        <p:nvSpPr>
+          <p:cNvPr id="9" name="TextBox 8"/>
+          <p:cNvSpPr txBox="1"/>
+          <p:nvPr/>
+        </p:nvSpPr>
+        <p:spPr>
+          <a:xfrm>
+            <a:off x="4619223" y="6291641"/>
+            <a:ext cx="7572777" cy="369332"/>
+          </a:xfrm>
+          <a:prstGeom prst="rect">
+            <a:avLst/>
+          </a:prstGeom>
+          <a:noFill/>
+        </p:spPr>
+        <p:txBody>
+          <a:bodyPr wrap="square" rtlCol="0">
+            <a:spAutoFit/>
+          </a:bodyPr>
+          <a:lstStyle/>
+          <a:p>
+            <a:r>
+              <a:rPr lang="en-US" dirty="0" smtClean="0"/>
+              <a:t>*</a:t>
+            </a:r>
+            <a:r>
+              <a:rPr lang="en-US" sz="1400" dirty="0" smtClean="0"/>
+              <a:t> </a:t>
+            </a:r>
+            <a:r>
+              <a:rPr lang="en-US" sz="1400" i="1" dirty="0" smtClean="0"/>
+              <a:t>Introduction to Artificial Intelligence: A Modern Approach, </a:t>
+            </a:r>
+            <a:r>
+              <a:rPr lang="en-US" sz="1400" dirty="0" smtClean="0"/>
+              <a:t>Russel and </a:t>
+            </a:r>
+            <a:r>
+              <a:rPr lang="en-US" sz="1400" dirty="0" err="1" smtClean="0"/>
+              <a:t>Norvig</a:t>
+            </a:r>
+            <a:r>
+              <a:rPr lang="en-US" sz="1400" dirty="0" smtClean="0"/>
+              <a:t>, 1995.</a:t>
+            </a:r>
+            <a:endParaRPr lang="en-US" sz="1400" dirty="0"/>
+          </a:p>
+        </p:txBody>
+      </p:sp>
+      <p:pic>
+        <p:nvPicPr>
+          <p:cNvPr id="3" name="Picture 2"/>
+          <p:cNvPicPr>
+            <a:picLocks noChangeAspect="1"/>
+          </p:cNvPicPr>
+          <p:nvPr/>
+        </p:nvPicPr>
+        <p:blipFill>
+          <a:blip r:embed="rId2">
+            <a:extLst>
+              <a:ext uri="{28A0092B-C50C-407E-A947-70E740481C1C}">
+                <a14:useLocalDpi xmlns:a14="http://schemas.microsoft.com/office/drawing/2010/main" val="0"/>
+              </a:ext>
+            </a:extLst>
+          </a:blip>
+          <a:stretch>
+            <a:fillRect/>
+          </a:stretch>
+        </p:blipFill>
+        <p:spPr>
+          <a:xfrm>
+            <a:off x="9732961" y="1165950"/>
+            <a:ext cx="1314450" cy="2219325"/>
+          </a:xfrm>
+          <a:prstGeom prst="rect">
+            <a:avLst/>
+          </a:prstGeom>
+        </p:spPr>
+      </p:pic>
+      <p:pic>
+        <p:nvPicPr>
+          <p:cNvPr id="5" name="Picture 4"/>
+          <p:cNvPicPr>
+            <a:picLocks noChangeAspect="1"/>
+          </p:cNvPicPr>
+          <p:nvPr/>
+        </p:nvPicPr>
+        <p:blipFill>
+          <a:blip r:embed="rId3">
+            <a:extLst>
+              <a:ext uri="{28A0092B-C50C-407E-A947-70E740481C1C}">
+                <a14:useLocalDpi xmlns:a14="http://schemas.microsoft.com/office/drawing/2010/main" val="0"/>
+              </a:ext>
+            </a:extLst>
+          </a:blip>
+          <a:stretch>
+            <a:fillRect/>
+          </a:stretch>
+        </p:blipFill>
+        <p:spPr>
+          <a:xfrm>
+            <a:off x="7270527" y="1252611"/>
+            <a:ext cx="1308947" cy="1738110"/>
+          </a:xfrm>
+          <a:prstGeom prst="rect">
+            <a:avLst/>
+          </a:prstGeom>
+        </p:spPr>
+      </p:pic>
+      <p:pic>
+        <p:nvPicPr>
+          <p:cNvPr id="6" name="Picture 5"/>
+          <p:cNvPicPr>
+            <a:picLocks noChangeAspect="1"/>
+          </p:cNvPicPr>
+          <p:nvPr/>
+        </p:nvPicPr>
+        <p:blipFill rotWithShape="1">
+          <a:blip r:embed="rId4">
+            <a:extLst>
+              <a:ext uri="{28A0092B-C50C-407E-A947-70E740481C1C}">
+                <a14:useLocalDpi xmlns:a14="http://schemas.microsoft.com/office/drawing/2010/main" val="0"/>
+              </a:ext>
+            </a:extLst>
+          </a:blip>
+          <a:srcRect t="6136" r="2371"/>
+          <a:stretch/>
+        </p:blipFill>
+        <p:spPr>
+          <a:xfrm>
+            <a:off x="8085021" y="3981825"/>
+            <a:ext cx="2633778" cy="2000514"/>
+          </a:xfrm>
+          <a:prstGeom prst="rect">
+            <a:avLst/>
+          </a:prstGeom>
+        </p:spPr>
+      </p:pic>
     </p:spTree>
     <p:extLst>
       <p:ext uri="{BB962C8B-B14F-4D97-AF65-F5344CB8AC3E}">
@@ -6634,7 +6676,7 @@
 </p:sld>
 </file>
 
-<file path=ppt/slides/slide4.xml><?xml version="1.0" encoding="utf-8"?>
+<file path=ppt/slides/slide3.xml><?xml version="1.0" encoding="utf-8"?>
 <p:sld xmlns:a="http://schemas.openxmlformats.org/drawingml/2006/main" xmlns:r="http://schemas.openxmlformats.org/officeDocument/2006/relationships" xmlns:p="http://schemas.openxmlformats.org/presentationml/2006/main">
   <p:cSld>
     <p:spTree>
@@ -6661,7 +6703,7 @@
         </p:nvSpPr>
         <p:spPr>
           <a:xfrm>
-            <a:off x="734096" y="609601"/>
+            <a:off x="734096" y="120204"/>
             <a:ext cx="10313315" cy="897228"/>
           </a:xfrm>
           <a:prstGeom prst="rect">
@@ -6782,86 +6824,70 @@
         </p:nvSpPr>
         <p:spPr>
           <a:xfrm>
-            <a:off x="476518" y="2021983"/>
-            <a:ext cx="10570893" cy="4675031"/>
+            <a:off x="104662" y="875765"/>
+            <a:ext cx="7055992" cy="3168201"/>
           </a:xfrm>
         </p:spPr>
         <p:txBody>
           <a:bodyPr>
-            <a:normAutofit lnSpcReduction="10000"/>
+            <a:normAutofit/>
           </a:bodyPr>
           <a:lstStyle/>
           <a:p>
             <a:r>
               <a:rPr lang="en-US" sz="2400" dirty="0" smtClean="0"/>
-              <a:t>Working Memory is a small temporary storage mechanism</a:t>
-            </a:r>
-          </a:p>
-          <a:p>
+              <a:t>A Neural Network to mimic </a:t>
+            </a:r>
             <a:r>
               <a:rPr lang="en-US" sz="2400" dirty="0" smtClean="0"/>
-              <a:t>Retains some task-relevant info, then discards it</a:t>
-            </a:r>
-          </a:p>
-          <a:p>
+              <a:t>human </a:t>
+            </a:r>
             <a:r>
               <a:rPr lang="en-US" sz="2400" dirty="0" smtClean="0"/>
-              <a:t>Toolkit design to mimic human and animal Working Memory</a:t>
-            </a:r>
+              <a:t>working memory</a:t>
+            </a:r>
+            <a:endParaRPr lang="en-US" sz="2400" dirty="0" smtClean="0"/>
           </a:p>
           <a:p>
             <a:pPr lvl="1"/>
             <a:r>
               <a:rPr lang="en-US" sz="2200" dirty="0" smtClean="0"/>
-              <a:t>Stores small amount of info from percepts that “looks promising”</a:t>
+              <a:t>Stores </a:t>
+            </a:r>
+            <a:r>
+              <a:rPr lang="en-US" sz="2200" dirty="0" smtClean="0"/>
+              <a:t>info </a:t>
+            </a:r>
+            <a:r>
+              <a:rPr lang="en-US" sz="2200" dirty="0" smtClean="0"/>
+              <a:t>from percepts that “looks promising”</a:t>
             </a:r>
           </a:p>
           <a:p>
             <a:pPr lvl="1"/>
             <a:r>
               <a:rPr lang="en-US" sz="2200" dirty="0" smtClean="0"/>
-              <a:t>Remembers types of info that leads to actions yielding reward</a:t>
-            </a:r>
+              <a:t>Classifies “useful” information</a:t>
+            </a:r>
+            <a:endParaRPr lang="en-US" sz="2200" dirty="0" smtClean="0"/>
           </a:p>
           <a:p>
             <a:pPr lvl="1"/>
             <a:r>
               <a:rPr lang="en-US" sz="2200" dirty="0" smtClean="0"/>
-              <a:t>Discards all useless info after a short time</a:t>
-            </a:r>
-          </a:p>
-          <a:p>
-            <a:pPr lvl="1"/>
-            <a:endParaRPr lang="en-US" sz="2200" dirty="0" smtClean="0"/>
-          </a:p>
-          <a:p>
+              <a:t>Discards </a:t>
+            </a:r>
             <a:r>
               <a:rPr lang="en-US" sz="2200" dirty="0" smtClean="0"/>
-              <a:t>Example Working Memory tasks:</a:t>
-            </a:r>
-          </a:p>
-          <a:p>
-            <a:pPr lvl="1"/>
-            <a:r>
-              <a:rPr lang="en-US" dirty="0" smtClean="0"/>
-              <a:t>Delayed Saccade</a:t>
-            </a:r>
-          </a:p>
-          <a:p>
-            <a:pPr lvl="1"/>
-            <a:r>
-              <a:rPr lang="en-US" dirty="0" smtClean="0"/>
-              <a:t>Wisconsin Card Sort</a:t>
-            </a:r>
-          </a:p>
-          <a:p>
+              <a:t>info when no longer in use</a:t>
+            </a:r>
             <a:endParaRPr lang="en-US" sz="2400" dirty="0" smtClean="0"/>
           </a:p>
         </p:txBody>
       </p:sp>
       <p:pic>
         <p:nvPicPr>
-          <p:cNvPr id="7" name="Picture 6"/>
+          <p:cNvPr id="2" name="Picture 1"/>
           <p:cNvPicPr>
             <a:picLocks noChangeAspect="1"/>
           </p:cNvPicPr>
@@ -6881,8 +6907,8 @@
         </p:blipFill>
         <p:spPr>
           <a:xfrm>
-            <a:off x="7630933" y="5062537"/>
-            <a:ext cx="4219575" cy="1457325"/>
+            <a:off x="734096" y="4438245"/>
+            <a:ext cx="3178934" cy="1589467"/>
           </a:xfrm>
           <a:prstGeom prst="rect">
             <a:avLst/>
@@ -6891,7 +6917,7 @@
       </p:pic>
       <p:pic>
         <p:nvPicPr>
-          <p:cNvPr id="12" name="Picture 11"/>
+          <p:cNvPr id="4" name="Picture 3"/>
           <p:cNvPicPr>
             <a:picLocks noChangeAspect="1"/>
           </p:cNvPicPr>
@@ -6911,8 +6937,114 @@
         </p:blipFill>
         <p:spPr>
           <a:xfrm>
-            <a:off x="9493406" y="435266"/>
-            <a:ext cx="2143125" cy="2143125"/>
+            <a:off x="8975008" y="352913"/>
+            <a:ext cx="2817433" cy="1746343"/>
+          </a:xfrm>
+          <a:prstGeom prst="rect">
+            <a:avLst/>
+          </a:prstGeom>
+        </p:spPr>
+      </p:pic>
+      <p:sp>
+        <p:nvSpPr>
+          <p:cNvPr id="6" name="TextBox 5"/>
+          <p:cNvSpPr txBox="1"/>
+          <p:nvPr/>
+        </p:nvSpPr>
+        <p:spPr>
+          <a:xfrm>
+            <a:off x="4314423" y="5806135"/>
+            <a:ext cx="7877577" cy="1169551"/>
+          </a:xfrm>
+          <a:prstGeom prst="rect">
+            <a:avLst/>
+          </a:prstGeom>
+          <a:noFill/>
+        </p:spPr>
+        <p:txBody>
+          <a:bodyPr wrap="square" rtlCol="0">
+            <a:spAutoFit/>
+          </a:bodyPr>
+          <a:lstStyle/>
+          <a:p>
+            <a:r>
+              <a:rPr lang="en-US" sz="1400" dirty="0"/>
+              <a:t>“Working Memory, Reading, and Dyslexia”, Baddeley, 1986</a:t>
+            </a:r>
+            <a:r>
+              <a:rPr lang="en-US" sz="1400" dirty="0" smtClean="0"/>
+              <a:t>.</a:t>
+            </a:r>
+          </a:p>
+          <a:p>
+            <a:r>
+              <a:rPr lang="en-US" sz="1400" dirty="0"/>
+              <a:t>“A Biologically Inspired Working Memory Framework for Robots”, Phillips and Noelle, 2005</a:t>
+            </a:r>
+            <a:r>
+              <a:rPr lang="en-US" sz="1400" dirty="0" smtClean="0"/>
+              <a:t>.</a:t>
+            </a:r>
+            <a:endParaRPr lang="en-US" sz="1400" dirty="0"/>
+          </a:p>
+          <a:p>
+            <a:r>
+              <a:rPr lang="en-US" sz="1400" dirty="0" smtClean="0"/>
+              <a:t>“</a:t>
+            </a:r>
+            <a:r>
+              <a:rPr lang="en-US" sz="1400" dirty="0"/>
+              <a:t>Primary Memory”, Norman and Waugh, 1965</a:t>
+            </a:r>
+            <a:r>
+              <a:rPr lang="en-US" sz="1400" dirty="0" smtClean="0"/>
+              <a:t>.</a:t>
+            </a:r>
+            <a:endParaRPr lang="en-US" sz="1400" dirty="0"/>
+          </a:p>
+          <a:p>
+            <a:r>
+              <a:rPr lang="en-US" sz="1400" dirty="0" smtClean="0"/>
+              <a:t>“Prefrontal Cortex and Dynamic Categorization of Tasks…”, </a:t>
+            </a:r>
+            <a:r>
+              <a:rPr lang="en-US" sz="1400" dirty="0" err="1" smtClean="0"/>
+              <a:t>O’rielly</a:t>
+            </a:r>
+            <a:r>
+              <a:rPr lang="en-US" sz="1400" dirty="0" smtClean="0"/>
+              <a:t> et al., 2002.</a:t>
+            </a:r>
+          </a:p>
+          <a:p>
+            <a:endParaRPr lang="en-US" sz="1400" dirty="0" smtClean="0"/>
+          </a:p>
+        </p:txBody>
+      </p:sp>
+      <p:pic>
+        <p:nvPicPr>
+          <p:cNvPr id="8" name="Picture 7"/>
+          <p:cNvPicPr>
+            <a:picLocks noChangeAspect="1"/>
+          </p:cNvPicPr>
+          <p:nvPr/>
+        </p:nvPicPr>
+        <p:blipFill>
+          <a:blip r:embed="rId4">
+            <a:extLst>
+              <a:ext uri="{28A0092B-C50C-407E-A947-70E740481C1C}">
+                <a14:useLocalDpi xmlns:a14="http://schemas.microsoft.com/office/drawing/2010/main" val="0"/>
+              </a:ext>
+            </a:extLst>
+          </a:blip>
+          <a:stretch>
+            <a:fillRect/>
+          </a:stretch>
+        </p:blipFill>
+        <p:spPr>
+          <a:xfrm>
+            <a:off x="7160654" y="2382847"/>
+            <a:ext cx="4631787" cy="3410010"/>
           </a:xfrm>
           <a:prstGeom prst="rect">
             <a:avLst/>
@@ -6923,6 +7055,989 @@
     <p:extLst>
       <p:ext uri="{BB962C8B-B14F-4D97-AF65-F5344CB8AC3E}">
         <p14:creationId xmlns:p14="http://schemas.microsoft.com/office/powerpoint/2010/main" val="1973602066"/>
+      </p:ext>
+    </p:extLst>
+  </p:cSld>
+  <p:clrMapOvr>
+    <a:masterClrMapping/>
+  </p:clrMapOvr>
+  <p:timing>
+    <p:tnLst>
+      <p:par>
+        <p:cTn id="1" dur="indefinite" restart="never" nodeType="tmRoot"/>
+      </p:par>
+    </p:tnLst>
+  </p:timing>
+</p:sld>
+</file>
+
+<file path=ppt/slides/slide4.xml><?xml version="1.0" encoding="utf-8"?>
+<p:sld xmlns:a="http://schemas.openxmlformats.org/drawingml/2006/main" xmlns:r="http://schemas.openxmlformats.org/officeDocument/2006/relationships" xmlns:p="http://schemas.openxmlformats.org/presentationml/2006/main">
+  <p:cSld>
+    <p:spTree>
+      <p:nvGrpSpPr>
+        <p:cNvPr id="1" name=""/>
+        <p:cNvGrpSpPr/>
+        <p:nvPr/>
+      </p:nvGrpSpPr>
+      <p:grpSpPr>
+        <a:xfrm>
+          <a:off x="0" y="0"/>
+          <a:ext cx="0" cy="0"/>
+          <a:chOff x="0" y="0"/>
+          <a:chExt cx="0" cy="0"/>
+        </a:xfrm>
+      </p:grpSpPr>
+      <p:sp>
+        <p:nvSpPr>
+          <p:cNvPr id="5" name="Title 1"/>
+          <p:cNvSpPr txBox="1">
+            <a:spLocks/>
+          </p:cNvSpPr>
+          <p:nvPr/>
+        </p:nvSpPr>
+        <p:spPr>
+          <a:xfrm>
+            <a:off x="656822" y="118592"/>
+            <a:ext cx="10313315" cy="897228"/>
+          </a:xfrm>
+          <a:prstGeom prst="rect">
+            <a:avLst/>
+          </a:prstGeom>
+        </p:spPr>
+        <p:txBody>
+          <a:bodyPr vert="horz" lIns="91440" tIns="45720" rIns="91440" bIns="45720" rtlCol="0" anchor="ctr">
+            <a:normAutofit/>
+          </a:bodyPr>
+          <a:lstStyle>
+            <a:lvl1pPr algn="l" defTabSz="457200" rtl="0" eaLnBrk="1" latinLnBrk="0" hangingPunct="1">
+              <a:spcBef>
+                <a:spcPct val="0"/>
+              </a:spcBef>
+              <a:buNone/>
+              <a:defRPr sz="3200" kern="1200" cap="all">
+                <a:ln w="3175" cmpd="sng">
+                  <a:noFill/>
+                </a:ln>
+                <a:solidFill>
+                  <a:schemeClr val="accent1"/>
+                </a:solidFill>
+                <a:effectLst>
+                  <a:glow rad="38100">
+                    <a:schemeClr val="bg1">
+                      <a:lumMod val="65000"/>
+                      <a:lumOff val="35000"/>
+                      <a:alpha val="40000"/>
+                    </a:schemeClr>
+                  </a:glow>
+                  <a:outerShdw blurRad="28575" dist="38100" dir="14040000" algn="tl" rotWithShape="0">
+                    <a:srgbClr val="000000">
+                      <a:alpha val="25000"/>
+                    </a:srgbClr>
+                  </a:outerShdw>
+                </a:effectLst>
+                <a:latin typeface="+mj-lt"/>
+                <a:ea typeface="+mj-ea"/>
+                <a:cs typeface="+mj-cs"/>
+              </a:defRPr>
+            </a:lvl1pPr>
+            <a:lvl2pPr eaLnBrk="1" hangingPunct="1">
+              <a:defRPr>
+                <a:solidFill>
+                  <a:schemeClr val="tx2"/>
+                </a:solidFill>
+              </a:defRPr>
+            </a:lvl2pPr>
+            <a:lvl3pPr eaLnBrk="1" hangingPunct="1">
+              <a:defRPr>
+                <a:solidFill>
+                  <a:schemeClr val="tx2"/>
+                </a:solidFill>
+              </a:defRPr>
+            </a:lvl3pPr>
+            <a:lvl4pPr eaLnBrk="1" hangingPunct="1">
+              <a:defRPr>
+                <a:solidFill>
+                  <a:schemeClr val="tx2"/>
+                </a:solidFill>
+              </a:defRPr>
+            </a:lvl4pPr>
+            <a:lvl5pPr eaLnBrk="1" hangingPunct="1">
+              <a:defRPr>
+                <a:solidFill>
+                  <a:schemeClr val="tx2"/>
+                </a:solidFill>
+              </a:defRPr>
+            </a:lvl5pPr>
+            <a:lvl6pPr eaLnBrk="1" hangingPunct="1">
+              <a:defRPr>
+                <a:solidFill>
+                  <a:schemeClr val="tx2"/>
+                </a:solidFill>
+              </a:defRPr>
+            </a:lvl6pPr>
+            <a:lvl7pPr eaLnBrk="1" hangingPunct="1">
+              <a:defRPr>
+                <a:solidFill>
+                  <a:schemeClr val="tx2"/>
+                </a:solidFill>
+              </a:defRPr>
+            </a:lvl7pPr>
+            <a:lvl8pPr eaLnBrk="1" hangingPunct="1">
+              <a:defRPr>
+                <a:solidFill>
+                  <a:schemeClr val="tx2"/>
+                </a:solidFill>
+              </a:defRPr>
+            </a:lvl8pPr>
+            <a:lvl9pPr eaLnBrk="1" hangingPunct="1">
+              <a:defRPr>
+                <a:solidFill>
+                  <a:schemeClr val="tx2"/>
+                </a:solidFill>
+              </a:defRPr>
+            </a:lvl9pPr>
+          </a:lstStyle>
+          <a:p>
+            <a:r>
+              <a:rPr lang="en-US" sz="4000" dirty="0" smtClean="0"/>
+              <a:t>Representing </a:t>
+            </a:r>
+            <a:r>
+              <a:rPr lang="en-US" sz="4000" dirty="0" err="1" smtClean="0"/>
+              <a:t>ConCepts</a:t>
+            </a:r>
+            <a:r>
+              <a:rPr lang="en-US" sz="4000" dirty="0" smtClean="0"/>
+              <a:t> Digitally</a:t>
+            </a:r>
+            <a:endParaRPr lang="en-US" sz="4000" dirty="0"/>
+          </a:p>
+        </p:txBody>
+      </p:sp>
+      <p:sp>
+        <p:nvSpPr>
+          <p:cNvPr id="9" name="Content Placeholder 2"/>
+          <p:cNvSpPr txBox="1">
+            <a:spLocks/>
+          </p:cNvSpPr>
+          <p:nvPr/>
+        </p:nvSpPr>
+        <p:spPr>
+          <a:xfrm>
+            <a:off x="515155" y="1086437"/>
+            <a:ext cx="6130345" cy="1862608"/>
+          </a:xfrm>
+          <a:prstGeom prst="rect">
+            <a:avLst/>
+          </a:prstGeom>
+        </p:spPr>
+        <p:txBody>
+          <a:bodyPr vert="horz" lIns="91440" tIns="45720" rIns="91440" bIns="45720" rtlCol="0" anchor="ctr">
+            <a:normAutofit/>
+          </a:bodyPr>
+          <a:lstStyle>
+            <a:lvl1pPr marL="285750" indent="-285750" algn="l" defTabSz="457200" rtl="0" eaLnBrk="1" latinLnBrk="0" hangingPunct="1">
+              <a:spcBef>
+                <a:spcPct val="20000"/>
+              </a:spcBef>
+              <a:spcAft>
+                <a:spcPts val="600"/>
+              </a:spcAft>
+              <a:buClr>
+                <a:schemeClr val="accent1"/>
+              </a:buClr>
+              <a:buSzPct val="100000"/>
+              <a:buFont typeface="Arial"/>
+              <a:buChar char="•"/>
+              <a:defRPr sz="2000" kern="1200" cap="small">
+                <a:solidFill>
+                  <a:schemeClr val="tx1"/>
+                </a:solidFill>
+                <a:effectLst>
+                  <a:glow rad="38100">
+                    <a:schemeClr val="bg1">
+                      <a:lumMod val="50000"/>
+                      <a:lumOff val="50000"/>
+                      <a:alpha val="20000"/>
+                    </a:schemeClr>
+                  </a:glow>
+                  <a:outerShdw blurRad="44450" dist="12700" dir="13860000" algn="tl" rotWithShape="0">
+                    <a:srgbClr val="000000">
+                      <a:alpha val="20000"/>
+                    </a:srgbClr>
+                  </a:outerShdw>
+                </a:effectLst>
+                <a:latin typeface="+mn-lt"/>
+                <a:ea typeface="+mn-ea"/>
+                <a:cs typeface="+mn-cs"/>
+              </a:defRPr>
+            </a:lvl1pPr>
+            <a:lvl2pPr marL="742950" indent="-285750" algn="l" defTabSz="457200" rtl="0" eaLnBrk="1" latinLnBrk="0" hangingPunct="1">
+              <a:spcBef>
+                <a:spcPct val="20000"/>
+              </a:spcBef>
+              <a:spcAft>
+                <a:spcPts val="600"/>
+              </a:spcAft>
+              <a:buClr>
+                <a:schemeClr val="accent1"/>
+              </a:buClr>
+              <a:buSzPct val="100000"/>
+              <a:buFont typeface="Arial"/>
+              <a:buChar char="•"/>
+              <a:defRPr sz="1800" kern="1200" cap="small">
+                <a:solidFill>
+                  <a:schemeClr val="tx1"/>
+                </a:solidFill>
+                <a:effectLst>
+                  <a:glow rad="38100">
+                    <a:schemeClr val="bg1">
+                      <a:lumMod val="50000"/>
+                      <a:lumOff val="50000"/>
+                      <a:alpha val="20000"/>
+                    </a:schemeClr>
+                  </a:glow>
+                  <a:outerShdw blurRad="44450" dist="12700" dir="13860000" algn="tl" rotWithShape="0">
+                    <a:srgbClr val="000000">
+                      <a:alpha val="20000"/>
+                    </a:srgbClr>
+                  </a:outerShdw>
+                </a:effectLst>
+                <a:latin typeface="+mn-lt"/>
+                <a:ea typeface="+mn-ea"/>
+                <a:cs typeface="+mn-cs"/>
+              </a:defRPr>
+            </a:lvl2pPr>
+            <a:lvl3pPr marL="1200150" indent="-285750" algn="l" defTabSz="457200" rtl="0" eaLnBrk="1" latinLnBrk="0" hangingPunct="1">
+              <a:spcBef>
+                <a:spcPct val="20000"/>
+              </a:spcBef>
+              <a:spcAft>
+                <a:spcPts val="600"/>
+              </a:spcAft>
+              <a:buClr>
+                <a:schemeClr val="accent1"/>
+              </a:buClr>
+              <a:buSzPct val="100000"/>
+              <a:buFont typeface="Arial"/>
+              <a:buChar char="•"/>
+              <a:defRPr sz="1600" kern="1200" cap="small">
+                <a:solidFill>
+                  <a:schemeClr val="tx1"/>
+                </a:solidFill>
+                <a:effectLst>
+                  <a:glow rad="38100">
+                    <a:schemeClr val="bg1">
+                      <a:lumMod val="50000"/>
+                      <a:lumOff val="50000"/>
+                      <a:alpha val="20000"/>
+                    </a:schemeClr>
+                  </a:glow>
+                  <a:outerShdw blurRad="44450" dist="12700" dir="13860000" algn="tl" rotWithShape="0">
+                    <a:srgbClr val="000000">
+                      <a:alpha val="20000"/>
+                    </a:srgbClr>
+                  </a:outerShdw>
+                </a:effectLst>
+                <a:latin typeface="+mn-lt"/>
+                <a:ea typeface="+mn-ea"/>
+                <a:cs typeface="+mn-cs"/>
+              </a:defRPr>
+            </a:lvl3pPr>
+            <a:lvl4pPr marL="1543050" indent="-171450" algn="l" defTabSz="457200" rtl="0" eaLnBrk="1" latinLnBrk="0" hangingPunct="1">
+              <a:spcBef>
+                <a:spcPct val="20000"/>
+              </a:spcBef>
+              <a:spcAft>
+                <a:spcPts val="600"/>
+              </a:spcAft>
+              <a:buClr>
+                <a:schemeClr val="accent1"/>
+              </a:buClr>
+              <a:buSzPct val="100000"/>
+              <a:buFont typeface="Arial"/>
+              <a:buChar char="•"/>
+              <a:defRPr sz="1400" kern="1200" cap="small">
+                <a:solidFill>
+                  <a:schemeClr val="tx1"/>
+                </a:solidFill>
+                <a:effectLst>
+                  <a:glow rad="38100">
+                    <a:schemeClr val="bg1">
+                      <a:lumMod val="50000"/>
+                      <a:lumOff val="50000"/>
+                      <a:alpha val="20000"/>
+                    </a:schemeClr>
+                  </a:glow>
+                  <a:outerShdw blurRad="44450" dist="12700" dir="13860000" algn="tl" rotWithShape="0">
+                    <a:srgbClr val="000000">
+                      <a:alpha val="20000"/>
+                    </a:srgbClr>
+                  </a:outerShdw>
+                </a:effectLst>
+                <a:latin typeface="+mn-lt"/>
+                <a:ea typeface="+mn-ea"/>
+                <a:cs typeface="+mn-cs"/>
+              </a:defRPr>
+            </a:lvl4pPr>
+            <a:lvl5pPr marL="2000250" indent="-171450" algn="l" defTabSz="457200" rtl="0" eaLnBrk="1" latinLnBrk="0" hangingPunct="1">
+              <a:spcBef>
+                <a:spcPct val="20000"/>
+              </a:spcBef>
+              <a:spcAft>
+                <a:spcPts val="600"/>
+              </a:spcAft>
+              <a:buClr>
+                <a:schemeClr val="accent1"/>
+              </a:buClr>
+              <a:buSzPct val="100000"/>
+              <a:buFont typeface="Arial"/>
+              <a:buChar char="•"/>
+              <a:defRPr sz="1400" kern="1200" cap="small">
+                <a:solidFill>
+                  <a:schemeClr val="tx1"/>
+                </a:solidFill>
+                <a:effectLst>
+                  <a:glow rad="38100">
+                    <a:schemeClr val="bg1">
+                      <a:lumMod val="50000"/>
+                      <a:lumOff val="50000"/>
+                      <a:alpha val="20000"/>
+                    </a:schemeClr>
+                  </a:glow>
+                  <a:outerShdw blurRad="44450" dist="12700" dir="13860000" algn="tl" rotWithShape="0">
+                    <a:srgbClr val="000000">
+                      <a:alpha val="20000"/>
+                    </a:srgbClr>
+                  </a:outerShdw>
+                </a:effectLst>
+                <a:latin typeface="+mn-lt"/>
+                <a:ea typeface="+mn-ea"/>
+                <a:cs typeface="+mn-cs"/>
+              </a:defRPr>
+            </a:lvl5pPr>
+            <a:lvl6pPr marL="2514600" indent="-228600" algn="l" defTabSz="457200" rtl="0" eaLnBrk="1" latinLnBrk="0" hangingPunct="1">
+              <a:spcBef>
+                <a:spcPct val="20000"/>
+              </a:spcBef>
+              <a:spcAft>
+                <a:spcPts val="600"/>
+              </a:spcAft>
+              <a:buClr>
+                <a:schemeClr val="accent1"/>
+              </a:buClr>
+              <a:buSzPct val="100000"/>
+              <a:buFont typeface="Arial"/>
+              <a:buChar char="•"/>
+              <a:defRPr sz="1200" kern="1200" cap="small">
+                <a:solidFill>
+                  <a:schemeClr val="tx1"/>
+                </a:solidFill>
+                <a:effectLst>
+                  <a:glow rad="38100">
+                    <a:schemeClr val="bg1">
+                      <a:lumMod val="50000"/>
+                      <a:lumOff val="50000"/>
+                      <a:alpha val="20000"/>
+                    </a:schemeClr>
+                  </a:glow>
+                  <a:outerShdw blurRad="44450" dist="12700" dir="13860000" algn="tl" rotWithShape="0">
+                    <a:srgbClr val="000000">
+                      <a:alpha val="20000"/>
+                    </a:srgbClr>
+                  </a:outerShdw>
+                </a:effectLst>
+                <a:latin typeface="+mn-lt"/>
+                <a:ea typeface="+mn-ea"/>
+                <a:cs typeface="+mn-cs"/>
+              </a:defRPr>
+            </a:lvl6pPr>
+            <a:lvl7pPr marL="2971800" indent="-228600" algn="l" defTabSz="457200" rtl="0" eaLnBrk="1" latinLnBrk="0" hangingPunct="1">
+              <a:spcBef>
+                <a:spcPct val="20000"/>
+              </a:spcBef>
+              <a:spcAft>
+                <a:spcPts val="600"/>
+              </a:spcAft>
+              <a:buClr>
+                <a:schemeClr val="accent1"/>
+              </a:buClr>
+              <a:buSzPct val="100000"/>
+              <a:buFont typeface="Arial"/>
+              <a:buChar char="•"/>
+              <a:defRPr sz="1200" kern="1200" cap="small">
+                <a:solidFill>
+                  <a:schemeClr val="tx1"/>
+                </a:solidFill>
+                <a:effectLst>
+                  <a:glow rad="38100">
+                    <a:schemeClr val="bg1">
+                      <a:lumMod val="50000"/>
+                      <a:lumOff val="50000"/>
+                      <a:alpha val="20000"/>
+                    </a:schemeClr>
+                  </a:glow>
+                  <a:outerShdw blurRad="44450" dist="12700" dir="13860000" algn="tl" rotWithShape="0">
+                    <a:srgbClr val="000000">
+                      <a:alpha val="20000"/>
+                    </a:srgbClr>
+                  </a:outerShdw>
+                </a:effectLst>
+                <a:latin typeface="+mn-lt"/>
+                <a:ea typeface="+mn-ea"/>
+                <a:cs typeface="+mn-cs"/>
+              </a:defRPr>
+            </a:lvl7pPr>
+            <a:lvl8pPr marL="3429000" indent="-228600" algn="l" defTabSz="457200" rtl="0" eaLnBrk="1" latinLnBrk="0" hangingPunct="1">
+              <a:spcBef>
+                <a:spcPct val="20000"/>
+              </a:spcBef>
+              <a:spcAft>
+                <a:spcPts val="600"/>
+              </a:spcAft>
+              <a:buClr>
+                <a:schemeClr val="accent1"/>
+              </a:buClr>
+              <a:buSzPct val="100000"/>
+              <a:buFont typeface="Arial"/>
+              <a:buChar char="•"/>
+              <a:defRPr sz="1200" kern="1200" cap="small">
+                <a:solidFill>
+                  <a:schemeClr val="tx1"/>
+                </a:solidFill>
+                <a:effectLst>
+                  <a:glow rad="38100">
+                    <a:schemeClr val="bg1">
+                      <a:lumMod val="50000"/>
+                      <a:lumOff val="50000"/>
+                      <a:alpha val="20000"/>
+                    </a:schemeClr>
+                  </a:glow>
+                  <a:outerShdw blurRad="44450" dist="12700" dir="13860000" algn="tl" rotWithShape="0">
+                    <a:srgbClr val="000000">
+                      <a:alpha val="20000"/>
+                    </a:srgbClr>
+                  </a:outerShdw>
+                </a:effectLst>
+                <a:latin typeface="+mn-lt"/>
+                <a:ea typeface="+mn-ea"/>
+                <a:cs typeface="+mn-cs"/>
+              </a:defRPr>
+            </a:lvl8pPr>
+            <a:lvl9pPr marL="3886200" indent="-228600" algn="l" defTabSz="457200" rtl="0" eaLnBrk="1" latinLnBrk="0" hangingPunct="1">
+              <a:spcBef>
+                <a:spcPct val="20000"/>
+              </a:spcBef>
+              <a:spcAft>
+                <a:spcPts val="600"/>
+              </a:spcAft>
+              <a:buClr>
+                <a:schemeClr val="accent1"/>
+              </a:buClr>
+              <a:buSzPct val="100000"/>
+              <a:buFont typeface="Arial"/>
+              <a:buChar char="•"/>
+              <a:defRPr sz="1200" kern="1200" cap="small">
+                <a:solidFill>
+                  <a:schemeClr val="tx1"/>
+                </a:solidFill>
+                <a:effectLst>
+                  <a:glow rad="38100">
+                    <a:schemeClr val="bg1">
+                      <a:lumMod val="50000"/>
+                      <a:lumOff val="50000"/>
+                      <a:alpha val="20000"/>
+                    </a:schemeClr>
+                  </a:glow>
+                  <a:outerShdw blurRad="44450" dist="12700" dir="13860000" algn="tl" rotWithShape="0">
+                    <a:srgbClr val="000000">
+                      <a:alpha val="20000"/>
+                    </a:srgbClr>
+                  </a:outerShdw>
+                </a:effectLst>
+                <a:latin typeface="+mn-lt"/>
+                <a:ea typeface="+mn-ea"/>
+                <a:cs typeface="+mn-cs"/>
+              </a:defRPr>
+            </a:lvl9pPr>
+          </a:lstStyle>
+          <a:p>
+            <a:r>
+              <a:rPr lang="en-US" sz="2200" dirty="0" smtClean="0"/>
+              <a:t>Humans </a:t>
+            </a:r>
+            <a:r>
+              <a:rPr lang="en-US" sz="2200" dirty="0" smtClean="0"/>
+              <a:t>consciously think </a:t>
+            </a:r>
+            <a:r>
+              <a:rPr lang="en-US" sz="2200" dirty="0" smtClean="0"/>
+              <a:t>of concepts symbolically</a:t>
+            </a:r>
+          </a:p>
+          <a:p>
+            <a:r>
+              <a:rPr lang="en-US" sz="2200" dirty="0" smtClean="0"/>
+              <a:t>Computers have no concept of… </a:t>
+            </a:r>
+            <a:r>
+              <a:rPr lang="en-US" sz="2200" dirty="0" smtClean="0"/>
+              <a:t>concepts</a:t>
+            </a:r>
+            <a:endParaRPr lang="en-US" sz="2200" dirty="0"/>
+          </a:p>
+        </p:txBody>
+      </p:sp>
+      <p:pic>
+        <p:nvPicPr>
+          <p:cNvPr id="12" name="Picture 11"/>
+          <p:cNvPicPr>
+            <a:picLocks noChangeAspect="1"/>
+          </p:cNvPicPr>
+          <p:nvPr/>
+        </p:nvPicPr>
+        <p:blipFill>
+          <a:blip r:embed="rId2">
+            <a:extLst>
+              <a:ext uri="{28A0092B-C50C-407E-A947-70E740481C1C}">
+                <a14:useLocalDpi xmlns:a14="http://schemas.microsoft.com/office/drawing/2010/main" val="0"/>
+              </a:ext>
+            </a:extLst>
+          </a:blip>
+          <a:stretch>
+            <a:fillRect/>
+          </a:stretch>
+        </p:blipFill>
+        <p:spPr>
+          <a:xfrm>
+            <a:off x="6645500" y="1506829"/>
+            <a:ext cx="5258908" cy="4725142"/>
+          </a:xfrm>
+          <a:prstGeom prst="rect">
+            <a:avLst/>
+          </a:prstGeom>
+        </p:spPr>
+      </p:pic>
+      <p:sp>
+        <p:nvSpPr>
+          <p:cNvPr id="13" name="Rectangle 12"/>
+          <p:cNvSpPr/>
+          <p:nvPr/>
+        </p:nvSpPr>
+        <p:spPr>
+          <a:xfrm>
+            <a:off x="515155" y="2940711"/>
+            <a:ext cx="5885645" cy="646331"/>
+          </a:xfrm>
+          <a:prstGeom prst="rect">
+            <a:avLst/>
+          </a:prstGeom>
+          <a:noFill/>
+        </p:spPr>
+        <p:txBody>
+          <a:bodyPr wrap="square" lIns="91440" tIns="45720" rIns="91440" bIns="45720">
+            <a:spAutoFit/>
+          </a:bodyPr>
+          <a:lstStyle/>
+          <a:p>
+            <a:pPr algn="ctr"/>
+            <a:r>
+              <a:rPr lang="en-US" sz="3600" b="0" cap="none" spc="0" dirty="0" smtClean="0">
+                <a:ln w="0"/>
+                <a:solidFill>
+                  <a:schemeClr val="accent1"/>
+                </a:solidFill>
+                <a:effectLst>
+                  <a:outerShdw blurRad="38100" dist="25400" dir="5400000" algn="ctr" rotWithShape="0">
+                    <a:srgbClr val="6E747A">
+                      <a:alpha val="43000"/>
+                    </a:srgbClr>
+                  </a:outerShdw>
+                </a:effectLst>
+              </a:rPr>
+              <a:t>[ 0, 0, 1, 0, 0, 1, 0, 0, 0, 0 ]</a:t>
+            </a:r>
+            <a:endParaRPr lang="en-US" sz="3600" b="0" cap="none" spc="0" dirty="0">
+              <a:ln w="0"/>
+              <a:solidFill>
+                <a:schemeClr val="accent1"/>
+              </a:solidFill>
+              <a:effectLst>
+                <a:outerShdw blurRad="38100" dist="25400" dir="5400000" algn="ctr" rotWithShape="0">
+                  <a:srgbClr val="6E747A">
+                    <a:alpha val="43000"/>
+                  </a:srgbClr>
+                </a:outerShdw>
+              </a:effectLst>
+            </a:endParaRPr>
+          </a:p>
+        </p:txBody>
+      </p:sp>
+      <p:sp>
+        <p:nvSpPr>
+          <p:cNvPr id="14" name="Content Placeholder 2"/>
+          <p:cNvSpPr txBox="1">
+            <a:spLocks/>
+          </p:cNvSpPr>
+          <p:nvPr/>
+        </p:nvSpPr>
+        <p:spPr>
+          <a:xfrm>
+            <a:off x="515154" y="4947509"/>
+            <a:ext cx="6130345" cy="1284462"/>
+          </a:xfrm>
+          <a:prstGeom prst="rect">
+            <a:avLst/>
+          </a:prstGeom>
+        </p:spPr>
+        <p:txBody>
+          <a:bodyPr vert="horz" lIns="91440" tIns="45720" rIns="91440" bIns="45720" rtlCol="0" anchor="ctr">
+            <a:noAutofit/>
+          </a:bodyPr>
+          <a:lstStyle>
+            <a:lvl1pPr marL="285750" indent="-285750" algn="l" defTabSz="457200" rtl="0" eaLnBrk="1" latinLnBrk="0" hangingPunct="1">
+              <a:spcBef>
+                <a:spcPct val="20000"/>
+              </a:spcBef>
+              <a:spcAft>
+                <a:spcPts val="600"/>
+              </a:spcAft>
+              <a:buClr>
+                <a:schemeClr val="accent1"/>
+              </a:buClr>
+              <a:buSzPct val="100000"/>
+              <a:buFont typeface="Arial"/>
+              <a:buChar char="•"/>
+              <a:defRPr sz="2000" kern="1200" cap="small">
+                <a:solidFill>
+                  <a:schemeClr val="tx1"/>
+                </a:solidFill>
+                <a:effectLst>
+                  <a:glow rad="38100">
+                    <a:schemeClr val="bg1">
+                      <a:lumMod val="50000"/>
+                      <a:lumOff val="50000"/>
+                      <a:alpha val="20000"/>
+                    </a:schemeClr>
+                  </a:glow>
+                  <a:outerShdw blurRad="44450" dist="12700" dir="13860000" algn="tl" rotWithShape="0">
+                    <a:srgbClr val="000000">
+                      <a:alpha val="20000"/>
+                    </a:srgbClr>
+                  </a:outerShdw>
+                </a:effectLst>
+                <a:latin typeface="+mn-lt"/>
+                <a:ea typeface="+mn-ea"/>
+                <a:cs typeface="+mn-cs"/>
+              </a:defRPr>
+            </a:lvl1pPr>
+            <a:lvl2pPr marL="742950" indent="-285750" algn="l" defTabSz="457200" rtl="0" eaLnBrk="1" latinLnBrk="0" hangingPunct="1">
+              <a:spcBef>
+                <a:spcPct val="20000"/>
+              </a:spcBef>
+              <a:spcAft>
+                <a:spcPts val="600"/>
+              </a:spcAft>
+              <a:buClr>
+                <a:schemeClr val="accent1"/>
+              </a:buClr>
+              <a:buSzPct val="100000"/>
+              <a:buFont typeface="Arial"/>
+              <a:buChar char="•"/>
+              <a:defRPr sz="1800" kern="1200" cap="small">
+                <a:solidFill>
+                  <a:schemeClr val="tx1"/>
+                </a:solidFill>
+                <a:effectLst>
+                  <a:glow rad="38100">
+                    <a:schemeClr val="bg1">
+                      <a:lumMod val="50000"/>
+                      <a:lumOff val="50000"/>
+                      <a:alpha val="20000"/>
+                    </a:schemeClr>
+                  </a:glow>
+                  <a:outerShdw blurRad="44450" dist="12700" dir="13860000" algn="tl" rotWithShape="0">
+                    <a:srgbClr val="000000">
+                      <a:alpha val="20000"/>
+                    </a:srgbClr>
+                  </a:outerShdw>
+                </a:effectLst>
+                <a:latin typeface="+mn-lt"/>
+                <a:ea typeface="+mn-ea"/>
+                <a:cs typeface="+mn-cs"/>
+              </a:defRPr>
+            </a:lvl2pPr>
+            <a:lvl3pPr marL="1200150" indent="-285750" algn="l" defTabSz="457200" rtl="0" eaLnBrk="1" latinLnBrk="0" hangingPunct="1">
+              <a:spcBef>
+                <a:spcPct val="20000"/>
+              </a:spcBef>
+              <a:spcAft>
+                <a:spcPts val="600"/>
+              </a:spcAft>
+              <a:buClr>
+                <a:schemeClr val="accent1"/>
+              </a:buClr>
+              <a:buSzPct val="100000"/>
+              <a:buFont typeface="Arial"/>
+              <a:buChar char="•"/>
+              <a:defRPr sz="1600" kern="1200" cap="small">
+                <a:solidFill>
+                  <a:schemeClr val="tx1"/>
+                </a:solidFill>
+                <a:effectLst>
+                  <a:glow rad="38100">
+                    <a:schemeClr val="bg1">
+                      <a:lumMod val="50000"/>
+                      <a:lumOff val="50000"/>
+                      <a:alpha val="20000"/>
+                    </a:schemeClr>
+                  </a:glow>
+                  <a:outerShdw blurRad="44450" dist="12700" dir="13860000" algn="tl" rotWithShape="0">
+                    <a:srgbClr val="000000">
+                      <a:alpha val="20000"/>
+                    </a:srgbClr>
+                  </a:outerShdw>
+                </a:effectLst>
+                <a:latin typeface="+mn-lt"/>
+                <a:ea typeface="+mn-ea"/>
+                <a:cs typeface="+mn-cs"/>
+              </a:defRPr>
+            </a:lvl3pPr>
+            <a:lvl4pPr marL="1543050" indent="-171450" algn="l" defTabSz="457200" rtl="0" eaLnBrk="1" latinLnBrk="0" hangingPunct="1">
+              <a:spcBef>
+                <a:spcPct val="20000"/>
+              </a:spcBef>
+              <a:spcAft>
+                <a:spcPts val="600"/>
+              </a:spcAft>
+              <a:buClr>
+                <a:schemeClr val="accent1"/>
+              </a:buClr>
+              <a:buSzPct val="100000"/>
+              <a:buFont typeface="Arial"/>
+              <a:buChar char="•"/>
+              <a:defRPr sz="1400" kern="1200" cap="small">
+                <a:solidFill>
+                  <a:schemeClr val="tx1"/>
+                </a:solidFill>
+                <a:effectLst>
+                  <a:glow rad="38100">
+                    <a:schemeClr val="bg1">
+                      <a:lumMod val="50000"/>
+                      <a:lumOff val="50000"/>
+                      <a:alpha val="20000"/>
+                    </a:schemeClr>
+                  </a:glow>
+                  <a:outerShdw blurRad="44450" dist="12700" dir="13860000" algn="tl" rotWithShape="0">
+                    <a:srgbClr val="000000">
+                      <a:alpha val="20000"/>
+                    </a:srgbClr>
+                  </a:outerShdw>
+                </a:effectLst>
+                <a:latin typeface="+mn-lt"/>
+                <a:ea typeface="+mn-ea"/>
+                <a:cs typeface="+mn-cs"/>
+              </a:defRPr>
+            </a:lvl4pPr>
+            <a:lvl5pPr marL="2000250" indent="-171450" algn="l" defTabSz="457200" rtl="0" eaLnBrk="1" latinLnBrk="0" hangingPunct="1">
+              <a:spcBef>
+                <a:spcPct val="20000"/>
+              </a:spcBef>
+              <a:spcAft>
+                <a:spcPts val="600"/>
+              </a:spcAft>
+              <a:buClr>
+                <a:schemeClr val="accent1"/>
+              </a:buClr>
+              <a:buSzPct val="100000"/>
+              <a:buFont typeface="Arial"/>
+              <a:buChar char="•"/>
+              <a:defRPr sz="1400" kern="1200" cap="small">
+                <a:solidFill>
+                  <a:schemeClr val="tx1"/>
+                </a:solidFill>
+                <a:effectLst>
+                  <a:glow rad="38100">
+                    <a:schemeClr val="bg1">
+                      <a:lumMod val="50000"/>
+                      <a:lumOff val="50000"/>
+                      <a:alpha val="20000"/>
+                    </a:schemeClr>
+                  </a:glow>
+                  <a:outerShdw blurRad="44450" dist="12700" dir="13860000" algn="tl" rotWithShape="0">
+                    <a:srgbClr val="000000">
+                      <a:alpha val="20000"/>
+                    </a:srgbClr>
+                  </a:outerShdw>
+                </a:effectLst>
+                <a:latin typeface="+mn-lt"/>
+                <a:ea typeface="+mn-ea"/>
+                <a:cs typeface="+mn-cs"/>
+              </a:defRPr>
+            </a:lvl5pPr>
+            <a:lvl6pPr marL="2514600" indent="-228600" algn="l" defTabSz="457200" rtl="0" eaLnBrk="1" latinLnBrk="0" hangingPunct="1">
+              <a:spcBef>
+                <a:spcPct val="20000"/>
+              </a:spcBef>
+              <a:spcAft>
+                <a:spcPts val="600"/>
+              </a:spcAft>
+              <a:buClr>
+                <a:schemeClr val="accent1"/>
+              </a:buClr>
+              <a:buSzPct val="100000"/>
+              <a:buFont typeface="Arial"/>
+              <a:buChar char="•"/>
+              <a:defRPr sz="1200" kern="1200" cap="small">
+                <a:solidFill>
+                  <a:schemeClr val="tx1"/>
+                </a:solidFill>
+                <a:effectLst>
+                  <a:glow rad="38100">
+                    <a:schemeClr val="bg1">
+                      <a:lumMod val="50000"/>
+                      <a:lumOff val="50000"/>
+                      <a:alpha val="20000"/>
+                    </a:schemeClr>
+                  </a:glow>
+                  <a:outerShdw blurRad="44450" dist="12700" dir="13860000" algn="tl" rotWithShape="0">
+                    <a:srgbClr val="000000">
+                      <a:alpha val="20000"/>
+                    </a:srgbClr>
+                  </a:outerShdw>
+                </a:effectLst>
+                <a:latin typeface="+mn-lt"/>
+                <a:ea typeface="+mn-ea"/>
+                <a:cs typeface="+mn-cs"/>
+              </a:defRPr>
+            </a:lvl6pPr>
+            <a:lvl7pPr marL="2971800" indent="-228600" algn="l" defTabSz="457200" rtl="0" eaLnBrk="1" latinLnBrk="0" hangingPunct="1">
+              <a:spcBef>
+                <a:spcPct val="20000"/>
+              </a:spcBef>
+              <a:spcAft>
+                <a:spcPts val="600"/>
+              </a:spcAft>
+              <a:buClr>
+                <a:schemeClr val="accent1"/>
+              </a:buClr>
+              <a:buSzPct val="100000"/>
+              <a:buFont typeface="Arial"/>
+              <a:buChar char="•"/>
+              <a:defRPr sz="1200" kern="1200" cap="small">
+                <a:solidFill>
+                  <a:schemeClr val="tx1"/>
+                </a:solidFill>
+                <a:effectLst>
+                  <a:glow rad="38100">
+                    <a:schemeClr val="bg1">
+                      <a:lumMod val="50000"/>
+                      <a:lumOff val="50000"/>
+                      <a:alpha val="20000"/>
+                    </a:schemeClr>
+                  </a:glow>
+                  <a:outerShdw blurRad="44450" dist="12700" dir="13860000" algn="tl" rotWithShape="0">
+                    <a:srgbClr val="000000">
+                      <a:alpha val="20000"/>
+                    </a:srgbClr>
+                  </a:outerShdw>
+                </a:effectLst>
+                <a:latin typeface="+mn-lt"/>
+                <a:ea typeface="+mn-ea"/>
+                <a:cs typeface="+mn-cs"/>
+              </a:defRPr>
+            </a:lvl7pPr>
+            <a:lvl8pPr marL="3429000" indent="-228600" algn="l" defTabSz="457200" rtl="0" eaLnBrk="1" latinLnBrk="0" hangingPunct="1">
+              <a:spcBef>
+                <a:spcPct val="20000"/>
+              </a:spcBef>
+              <a:spcAft>
+                <a:spcPts val="600"/>
+              </a:spcAft>
+              <a:buClr>
+                <a:schemeClr val="accent1"/>
+              </a:buClr>
+              <a:buSzPct val="100000"/>
+              <a:buFont typeface="Arial"/>
+              <a:buChar char="•"/>
+              <a:defRPr sz="1200" kern="1200" cap="small">
+                <a:solidFill>
+                  <a:schemeClr val="tx1"/>
+                </a:solidFill>
+                <a:effectLst>
+                  <a:glow rad="38100">
+                    <a:schemeClr val="bg1">
+                      <a:lumMod val="50000"/>
+                      <a:lumOff val="50000"/>
+                      <a:alpha val="20000"/>
+                    </a:schemeClr>
+                  </a:glow>
+                  <a:outerShdw blurRad="44450" dist="12700" dir="13860000" algn="tl" rotWithShape="0">
+                    <a:srgbClr val="000000">
+                      <a:alpha val="20000"/>
+                    </a:srgbClr>
+                  </a:outerShdw>
+                </a:effectLst>
+                <a:latin typeface="+mn-lt"/>
+                <a:ea typeface="+mn-ea"/>
+                <a:cs typeface="+mn-cs"/>
+              </a:defRPr>
+            </a:lvl8pPr>
+            <a:lvl9pPr marL="3886200" indent="-228600" algn="l" defTabSz="457200" rtl="0" eaLnBrk="1" latinLnBrk="0" hangingPunct="1">
+              <a:spcBef>
+                <a:spcPct val="20000"/>
+              </a:spcBef>
+              <a:spcAft>
+                <a:spcPts val="600"/>
+              </a:spcAft>
+              <a:buClr>
+                <a:schemeClr val="accent1"/>
+              </a:buClr>
+              <a:buSzPct val="100000"/>
+              <a:buFont typeface="Arial"/>
+              <a:buChar char="•"/>
+              <a:defRPr sz="1200" kern="1200" cap="small">
+                <a:solidFill>
+                  <a:schemeClr val="tx1"/>
+                </a:solidFill>
+                <a:effectLst>
+                  <a:glow rad="38100">
+                    <a:schemeClr val="bg1">
+                      <a:lumMod val="50000"/>
+                      <a:lumOff val="50000"/>
+                      <a:alpha val="20000"/>
+                    </a:schemeClr>
+                  </a:glow>
+                  <a:outerShdw blurRad="44450" dist="12700" dir="13860000" algn="tl" rotWithShape="0">
+                    <a:srgbClr val="000000">
+                      <a:alpha val="20000"/>
+                    </a:srgbClr>
+                  </a:outerShdw>
+                </a:effectLst>
+                <a:latin typeface="+mn-lt"/>
+                <a:ea typeface="+mn-ea"/>
+                <a:cs typeface="+mn-cs"/>
+              </a:defRPr>
+            </a:lvl9pPr>
+          </a:lstStyle>
+          <a:p>
+            <a:r>
+              <a:rPr lang="en-US" sz="2800" dirty="0" smtClean="0"/>
+              <a:t>Problem: representations have to be hand written by the researcher for every </a:t>
+            </a:r>
+            <a:r>
+              <a:rPr lang="en-US" sz="2800" dirty="0" smtClean="0"/>
+              <a:t>task</a:t>
+            </a:r>
+            <a:endParaRPr lang="en-US" sz="2800" dirty="0" smtClean="0"/>
+          </a:p>
+        </p:txBody>
+      </p:sp>
+    </p:spTree>
+    <p:extLst>
+      <p:ext uri="{BB962C8B-B14F-4D97-AF65-F5344CB8AC3E}">
+        <p14:creationId xmlns:p14="http://schemas.microsoft.com/office/powerpoint/2010/main" val="905528479"/>
       </p:ext>
     </p:extLst>
   </p:cSld>
@@ -6958,502 +8073,93 @@
       </p:grpSpPr>
       <p:sp>
         <p:nvSpPr>
-          <p:cNvPr id="5" name="Title 1"/>
-          <p:cNvSpPr txBox="1">
-            <a:spLocks/>
-          </p:cNvSpPr>
-          <p:nvPr/>
+          <p:cNvPr id="2" name="Title 1"/>
+          <p:cNvSpPr>
+            <a:spLocks noGrp="1"/>
+          </p:cNvSpPr>
+          <p:nvPr>
+            <p:ph type="title"/>
+          </p:nvPr>
         </p:nvSpPr>
         <p:spPr>
           <a:xfrm>
-            <a:off x="734096" y="609601"/>
+            <a:off x="734096" y="170837"/>
             <a:ext cx="10313315" cy="897228"/>
           </a:xfrm>
-          <a:prstGeom prst="rect">
-            <a:avLst/>
-          </a:prstGeom>
         </p:spPr>
         <p:txBody>
-          <a:bodyPr vert="horz" lIns="91440" tIns="45720" rIns="91440" bIns="45720" rtlCol="0" anchor="ctr">
+          <a:bodyPr>
+            <a:normAutofit fontScale="90000"/>
+          </a:bodyPr>
+          <a:lstStyle/>
+          <a:p>
+            <a:r>
+              <a:rPr lang="en-US" sz="4000" dirty="0" smtClean="0"/>
+              <a:t>Holographic Reduced Representations</a:t>
+            </a:r>
+            <a:endParaRPr lang="en-US" sz="4000" dirty="0"/>
+          </a:p>
+        </p:txBody>
+      </p:sp>
+      <p:sp>
+        <p:nvSpPr>
+          <p:cNvPr id="3" name="Content Placeholder 2"/>
+          <p:cNvSpPr>
+            <a:spLocks noGrp="1"/>
+          </p:cNvSpPr>
+          <p:nvPr>
+            <p:ph idx="1"/>
+          </p:nvPr>
+        </p:nvSpPr>
+        <p:spPr>
+          <a:xfrm>
+            <a:off x="458833" y="1068065"/>
+            <a:ext cx="9905998" cy="2679687"/>
+          </a:xfrm>
+        </p:spPr>
+        <p:txBody>
+          <a:bodyPr>
             <a:normAutofit/>
           </a:bodyPr>
-          <a:lstStyle>
-            <a:lvl1pPr algn="l" defTabSz="457200" rtl="0" eaLnBrk="1" latinLnBrk="0" hangingPunct="1">
-              <a:spcBef>
-                <a:spcPct val="0"/>
-              </a:spcBef>
-              <a:buNone/>
-              <a:defRPr sz="3200" kern="1200" cap="all">
-                <a:ln w="3175" cmpd="sng">
-                  <a:noFill/>
-                </a:ln>
-                <a:solidFill>
-                  <a:schemeClr val="accent1"/>
-                </a:solidFill>
-                <a:effectLst>
-                  <a:glow rad="38100">
-                    <a:schemeClr val="bg1">
-                      <a:lumMod val="65000"/>
-                      <a:lumOff val="35000"/>
-                      <a:alpha val="40000"/>
-                    </a:schemeClr>
-                  </a:glow>
-                  <a:outerShdw blurRad="28575" dist="38100" dir="14040000" algn="tl" rotWithShape="0">
-                    <a:srgbClr val="000000">
-                      <a:alpha val="25000"/>
-                    </a:srgbClr>
-                  </a:outerShdw>
-                </a:effectLst>
-                <a:latin typeface="+mj-lt"/>
-                <a:ea typeface="+mj-ea"/>
-                <a:cs typeface="+mj-cs"/>
-              </a:defRPr>
-            </a:lvl1pPr>
-            <a:lvl2pPr eaLnBrk="1" hangingPunct="1">
-              <a:defRPr>
-                <a:solidFill>
-                  <a:schemeClr val="tx2"/>
-                </a:solidFill>
-              </a:defRPr>
-            </a:lvl2pPr>
-            <a:lvl3pPr eaLnBrk="1" hangingPunct="1">
-              <a:defRPr>
-                <a:solidFill>
-                  <a:schemeClr val="tx2"/>
-                </a:solidFill>
-              </a:defRPr>
-            </a:lvl3pPr>
-            <a:lvl4pPr eaLnBrk="1" hangingPunct="1">
-              <a:defRPr>
-                <a:solidFill>
-                  <a:schemeClr val="tx2"/>
-                </a:solidFill>
-              </a:defRPr>
-            </a:lvl4pPr>
-            <a:lvl5pPr eaLnBrk="1" hangingPunct="1">
-              <a:defRPr>
-                <a:solidFill>
-                  <a:schemeClr val="tx2"/>
-                </a:solidFill>
-              </a:defRPr>
-            </a:lvl5pPr>
-            <a:lvl6pPr eaLnBrk="1" hangingPunct="1">
-              <a:defRPr>
-                <a:solidFill>
-                  <a:schemeClr val="tx2"/>
-                </a:solidFill>
-              </a:defRPr>
-            </a:lvl6pPr>
-            <a:lvl7pPr eaLnBrk="1" hangingPunct="1">
-              <a:defRPr>
-                <a:solidFill>
-                  <a:schemeClr val="tx2"/>
-                </a:solidFill>
-              </a:defRPr>
-            </a:lvl7pPr>
-            <a:lvl8pPr eaLnBrk="1" hangingPunct="1">
-              <a:defRPr>
-                <a:solidFill>
-                  <a:schemeClr val="tx2"/>
-                </a:solidFill>
-              </a:defRPr>
-            </a:lvl8pPr>
-            <a:lvl9pPr eaLnBrk="1" hangingPunct="1">
-              <a:defRPr>
-                <a:solidFill>
-                  <a:schemeClr val="tx2"/>
-                </a:solidFill>
-              </a:defRPr>
-            </a:lvl9pPr>
-          </a:lstStyle>
-          <a:p>
-            <a:r>
-              <a:rPr lang="en-US" sz="4000" dirty="0" smtClean="0"/>
-              <a:t>Representing </a:t>
-            </a:r>
-            <a:r>
-              <a:rPr lang="en-US" sz="4000" dirty="0" err="1" smtClean="0"/>
-              <a:t>ConCepts</a:t>
-            </a:r>
-            <a:r>
-              <a:rPr lang="en-US" sz="4000" dirty="0" smtClean="0"/>
-              <a:t> Digitally</a:t>
-            </a:r>
-            <a:endParaRPr lang="en-US" sz="4000" dirty="0"/>
-          </a:p>
-        </p:txBody>
-      </p:sp>
-      <p:sp>
-        <p:nvSpPr>
-          <p:cNvPr id="9" name="Content Placeholder 2"/>
-          <p:cNvSpPr txBox="1">
-            <a:spLocks/>
-          </p:cNvSpPr>
-          <p:nvPr/>
-        </p:nvSpPr>
-        <p:spPr>
-          <a:xfrm>
-            <a:off x="515155" y="2091207"/>
-            <a:ext cx="6568225" cy="1862608"/>
-          </a:xfrm>
-          <a:prstGeom prst="rect">
-            <a:avLst/>
-          </a:prstGeom>
-        </p:spPr>
-        <p:txBody>
-          <a:bodyPr vert="horz" lIns="91440" tIns="45720" rIns="91440" bIns="45720" rtlCol="0" anchor="ctr">
-            <a:normAutofit/>
-          </a:bodyPr>
-          <a:lstStyle>
-            <a:lvl1pPr marL="285750" indent="-285750" algn="l" defTabSz="457200" rtl="0" eaLnBrk="1" latinLnBrk="0" hangingPunct="1">
-              <a:spcBef>
-                <a:spcPct val="20000"/>
-              </a:spcBef>
-              <a:spcAft>
-                <a:spcPts val="600"/>
-              </a:spcAft>
-              <a:buClr>
-                <a:schemeClr val="accent1"/>
-              </a:buClr>
-              <a:buSzPct val="100000"/>
-              <a:buFont typeface="Arial"/>
-              <a:buChar char="•"/>
-              <a:defRPr sz="2000" kern="1200" cap="small">
-                <a:solidFill>
-                  <a:schemeClr val="tx1"/>
-                </a:solidFill>
-                <a:effectLst>
-                  <a:glow rad="38100">
-                    <a:schemeClr val="bg1">
-                      <a:lumMod val="50000"/>
-                      <a:lumOff val="50000"/>
-                      <a:alpha val="20000"/>
-                    </a:schemeClr>
-                  </a:glow>
-                  <a:outerShdw blurRad="44450" dist="12700" dir="13860000" algn="tl" rotWithShape="0">
-                    <a:srgbClr val="000000">
-                      <a:alpha val="20000"/>
-                    </a:srgbClr>
-                  </a:outerShdw>
-                </a:effectLst>
-                <a:latin typeface="+mn-lt"/>
-                <a:ea typeface="+mn-ea"/>
-                <a:cs typeface="+mn-cs"/>
-              </a:defRPr>
-            </a:lvl1pPr>
-            <a:lvl2pPr marL="742950" indent="-285750" algn="l" defTabSz="457200" rtl="0" eaLnBrk="1" latinLnBrk="0" hangingPunct="1">
-              <a:spcBef>
-                <a:spcPct val="20000"/>
-              </a:spcBef>
-              <a:spcAft>
-                <a:spcPts val="600"/>
-              </a:spcAft>
-              <a:buClr>
-                <a:schemeClr val="accent1"/>
-              </a:buClr>
-              <a:buSzPct val="100000"/>
-              <a:buFont typeface="Arial"/>
-              <a:buChar char="•"/>
-              <a:defRPr sz="1800" kern="1200" cap="small">
-                <a:solidFill>
-                  <a:schemeClr val="tx1"/>
-                </a:solidFill>
-                <a:effectLst>
-                  <a:glow rad="38100">
-                    <a:schemeClr val="bg1">
-                      <a:lumMod val="50000"/>
-                      <a:lumOff val="50000"/>
-                      <a:alpha val="20000"/>
-                    </a:schemeClr>
-                  </a:glow>
-                  <a:outerShdw blurRad="44450" dist="12700" dir="13860000" algn="tl" rotWithShape="0">
-                    <a:srgbClr val="000000">
-                      <a:alpha val="20000"/>
-                    </a:srgbClr>
-                  </a:outerShdw>
-                </a:effectLst>
-                <a:latin typeface="+mn-lt"/>
-                <a:ea typeface="+mn-ea"/>
-                <a:cs typeface="+mn-cs"/>
-              </a:defRPr>
-            </a:lvl2pPr>
-            <a:lvl3pPr marL="1200150" indent="-285750" algn="l" defTabSz="457200" rtl="0" eaLnBrk="1" latinLnBrk="0" hangingPunct="1">
-              <a:spcBef>
-                <a:spcPct val="20000"/>
-              </a:spcBef>
-              <a:spcAft>
-                <a:spcPts val="600"/>
-              </a:spcAft>
-              <a:buClr>
-                <a:schemeClr val="accent1"/>
-              </a:buClr>
-              <a:buSzPct val="100000"/>
-              <a:buFont typeface="Arial"/>
-              <a:buChar char="•"/>
-              <a:defRPr sz="1600" kern="1200" cap="small">
-                <a:solidFill>
-                  <a:schemeClr val="tx1"/>
-                </a:solidFill>
-                <a:effectLst>
-                  <a:glow rad="38100">
-                    <a:schemeClr val="bg1">
-                      <a:lumMod val="50000"/>
-                      <a:lumOff val="50000"/>
-                      <a:alpha val="20000"/>
-                    </a:schemeClr>
-                  </a:glow>
-                  <a:outerShdw blurRad="44450" dist="12700" dir="13860000" algn="tl" rotWithShape="0">
-                    <a:srgbClr val="000000">
-                      <a:alpha val="20000"/>
-                    </a:srgbClr>
-                  </a:outerShdw>
-                </a:effectLst>
-                <a:latin typeface="+mn-lt"/>
-                <a:ea typeface="+mn-ea"/>
-                <a:cs typeface="+mn-cs"/>
-              </a:defRPr>
-            </a:lvl3pPr>
-            <a:lvl4pPr marL="1543050" indent="-171450" algn="l" defTabSz="457200" rtl="0" eaLnBrk="1" latinLnBrk="0" hangingPunct="1">
-              <a:spcBef>
-                <a:spcPct val="20000"/>
-              </a:spcBef>
-              <a:spcAft>
-                <a:spcPts val="600"/>
-              </a:spcAft>
-              <a:buClr>
-                <a:schemeClr val="accent1"/>
-              </a:buClr>
-              <a:buSzPct val="100000"/>
-              <a:buFont typeface="Arial"/>
-              <a:buChar char="•"/>
-              <a:defRPr sz="1400" kern="1200" cap="small">
-                <a:solidFill>
-                  <a:schemeClr val="tx1"/>
-                </a:solidFill>
-                <a:effectLst>
-                  <a:glow rad="38100">
-                    <a:schemeClr val="bg1">
-                      <a:lumMod val="50000"/>
-                      <a:lumOff val="50000"/>
-                      <a:alpha val="20000"/>
-                    </a:schemeClr>
-                  </a:glow>
-                  <a:outerShdw blurRad="44450" dist="12700" dir="13860000" algn="tl" rotWithShape="0">
-                    <a:srgbClr val="000000">
-                      <a:alpha val="20000"/>
-                    </a:srgbClr>
-                  </a:outerShdw>
-                </a:effectLst>
-                <a:latin typeface="+mn-lt"/>
-                <a:ea typeface="+mn-ea"/>
-                <a:cs typeface="+mn-cs"/>
-              </a:defRPr>
-            </a:lvl4pPr>
-            <a:lvl5pPr marL="2000250" indent="-171450" algn="l" defTabSz="457200" rtl="0" eaLnBrk="1" latinLnBrk="0" hangingPunct="1">
-              <a:spcBef>
-                <a:spcPct val="20000"/>
-              </a:spcBef>
-              <a:spcAft>
-                <a:spcPts val="600"/>
-              </a:spcAft>
-              <a:buClr>
-                <a:schemeClr val="accent1"/>
-              </a:buClr>
-              <a:buSzPct val="100000"/>
-              <a:buFont typeface="Arial"/>
-              <a:buChar char="•"/>
-              <a:defRPr sz="1400" kern="1200" cap="small">
-                <a:solidFill>
-                  <a:schemeClr val="tx1"/>
-                </a:solidFill>
-                <a:effectLst>
-                  <a:glow rad="38100">
-                    <a:schemeClr val="bg1">
-                      <a:lumMod val="50000"/>
-                      <a:lumOff val="50000"/>
-                      <a:alpha val="20000"/>
-                    </a:schemeClr>
-                  </a:glow>
-                  <a:outerShdw blurRad="44450" dist="12700" dir="13860000" algn="tl" rotWithShape="0">
-                    <a:srgbClr val="000000">
-                      <a:alpha val="20000"/>
-                    </a:srgbClr>
-                  </a:outerShdw>
-                </a:effectLst>
-                <a:latin typeface="+mn-lt"/>
-                <a:ea typeface="+mn-ea"/>
-                <a:cs typeface="+mn-cs"/>
-              </a:defRPr>
-            </a:lvl5pPr>
-            <a:lvl6pPr marL="2514600" indent="-228600" algn="l" defTabSz="457200" rtl="0" eaLnBrk="1" latinLnBrk="0" hangingPunct="1">
-              <a:spcBef>
-                <a:spcPct val="20000"/>
-              </a:spcBef>
-              <a:spcAft>
-                <a:spcPts val="600"/>
-              </a:spcAft>
-              <a:buClr>
-                <a:schemeClr val="accent1"/>
-              </a:buClr>
-              <a:buSzPct val="100000"/>
-              <a:buFont typeface="Arial"/>
-              <a:buChar char="•"/>
-              <a:defRPr sz="1200" kern="1200" cap="small">
-                <a:solidFill>
-                  <a:schemeClr val="tx1"/>
-                </a:solidFill>
-                <a:effectLst>
-                  <a:glow rad="38100">
-                    <a:schemeClr val="bg1">
-                      <a:lumMod val="50000"/>
-                      <a:lumOff val="50000"/>
-                      <a:alpha val="20000"/>
-                    </a:schemeClr>
-                  </a:glow>
-                  <a:outerShdw blurRad="44450" dist="12700" dir="13860000" algn="tl" rotWithShape="0">
-                    <a:srgbClr val="000000">
-                      <a:alpha val="20000"/>
-                    </a:srgbClr>
-                  </a:outerShdw>
-                </a:effectLst>
-                <a:latin typeface="+mn-lt"/>
-                <a:ea typeface="+mn-ea"/>
-                <a:cs typeface="+mn-cs"/>
-              </a:defRPr>
-            </a:lvl6pPr>
-            <a:lvl7pPr marL="2971800" indent="-228600" algn="l" defTabSz="457200" rtl="0" eaLnBrk="1" latinLnBrk="0" hangingPunct="1">
-              <a:spcBef>
-                <a:spcPct val="20000"/>
-              </a:spcBef>
-              <a:spcAft>
-                <a:spcPts val="600"/>
-              </a:spcAft>
-              <a:buClr>
-                <a:schemeClr val="accent1"/>
-              </a:buClr>
-              <a:buSzPct val="100000"/>
-              <a:buFont typeface="Arial"/>
-              <a:buChar char="•"/>
-              <a:defRPr sz="1200" kern="1200" cap="small">
-                <a:solidFill>
-                  <a:schemeClr val="tx1"/>
-                </a:solidFill>
-                <a:effectLst>
-                  <a:glow rad="38100">
-                    <a:schemeClr val="bg1">
-                      <a:lumMod val="50000"/>
-                      <a:lumOff val="50000"/>
-                      <a:alpha val="20000"/>
-                    </a:schemeClr>
-                  </a:glow>
-                  <a:outerShdw blurRad="44450" dist="12700" dir="13860000" algn="tl" rotWithShape="0">
-                    <a:srgbClr val="000000">
-                      <a:alpha val="20000"/>
-                    </a:srgbClr>
-                  </a:outerShdw>
-                </a:effectLst>
-                <a:latin typeface="+mn-lt"/>
-                <a:ea typeface="+mn-ea"/>
-                <a:cs typeface="+mn-cs"/>
-              </a:defRPr>
-            </a:lvl7pPr>
-            <a:lvl8pPr marL="3429000" indent="-228600" algn="l" defTabSz="457200" rtl="0" eaLnBrk="1" latinLnBrk="0" hangingPunct="1">
-              <a:spcBef>
-                <a:spcPct val="20000"/>
-              </a:spcBef>
-              <a:spcAft>
-                <a:spcPts val="600"/>
-              </a:spcAft>
-              <a:buClr>
-                <a:schemeClr val="accent1"/>
-              </a:buClr>
-              <a:buSzPct val="100000"/>
-              <a:buFont typeface="Arial"/>
-              <a:buChar char="•"/>
-              <a:defRPr sz="1200" kern="1200" cap="small">
-                <a:solidFill>
-                  <a:schemeClr val="tx1"/>
-                </a:solidFill>
-                <a:effectLst>
-                  <a:glow rad="38100">
-                    <a:schemeClr val="bg1">
-                      <a:lumMod val="50000"/>
-                      <a:lumOff val="50000"/>
-                      <a:alpha val="20000"/>
-                    </a:schemeClr>
-                  </a:glow>
-                  <a:outerShdw blurRad="44450" dist="12700" dir="13860000" algn="tl" rotWithShape="0">
-                    <a:srgbClr val="000000">
-                      <a:alpha val="20000"/>
-                    </a:srgbClr>
-                  </a:outerShdw>
-                </a:effectLst>
-                <a:latin typeface="+mn-lt"/>
-                <a:ea typeface="+mn-ea"/>
-                <a:cs typeface="+mn-cs"/>
-              </a:defRPr>
-            </a:lvl8pPr>
-            <a:lvl9pPr marL="3886200" indent="-228600" algn="l" defTabSz="457200" rtl="0" eaLnBrk="1" latinLnBrk="0" hangingPunct="1">
-              <a:spcBef>
-                <a:spcPct val="20000"/>
-              </a:spcBef>
-              <a:spcAft>
-                <a:spcPts val="600"/>
-              </a:spcAft>
-              <a:buClr>
-                <a:schemeClr val="accent1"/>
-              </a:buClr>
-              <a:buSzPct val="100000"/>
-              <a:buFont typeface="Arial"/>
-              <a:buChar char="•"/>
-              <a:defRPr sz="1200" kern="1200" cap="small">
-                <a:solidFill>
-                  <a:schemeClr val="tx1"/>
-                </a:solidFill>
-                <a:effectLst>
-                  <a:glow rad="38100">
-                    <a:schemeClr val="bg1">
-                      <a:lumMod val="50000"/>
-                      <a:lumOff val="50000"/>
-                      <a:alpha val="20000"/>
-                    </a:schemeClr>
-                  </a:glow>
-                  <a:outerShdw blurRad="44450" dist="12700" dir="13860000" algn="tl" rotWithShape="0">
-                    <a:srgbClr val="000000">
-                      <a:alpha val="20000"/>
-                    </a:srgbClr>
-                  </a:outerShdw>
-                </a:effectLst>
-                <a:latin typeface="+mn-lt"/>
-                <a:ea typeface="+mn-ea"/>
-                <a:cs typeface="+mn-cs"/>
-              </a:defRPr>
-            </a:lvl9pPr>
-          </a:lstStyle>
-          <a:p>
+          <a:lstStyle/>
+          <a:p>
+            <a:r>
+              <a:rPr lang="en-US" sz="2400" dirty="0" smtClean="0"/>
+              <a:t>A </a:t>
+            </a:r>
+            <a:r>
+              <a:rPr lang="en-US" sz="2400" dirty="0" smtClean="0"/>
+              <a:t>vector of Gaussian numbers typically between -1.0 and 1.0</a:t>
+            </a:r>
+            <a:endParaRPr lang="en-US" sz="2400" dirty="0"/>
+          </a:p>
+          <a:p>
+            <a:pPr lvl="1"/>
             <a:r>
               <a:rPr lang="en-US" sz="2200" dirty="0" smtClean="0"/>
-              <a:t>Humans think of concepts symbolically</a:t>
-            </a:r>
-          </a:p>
-          <a:p>
+              <a:t>Holographic</a:t>
+            </a:r>
+          </a:p>
+          <a:p>
+            <a:pPr lvl="1"/>
             <a:r>
               <a:rPr lang="en-US" sz="2200" dirty="0" smtClean="0"/>
-              <a:t>Computers have no concept of… concepts</a:t>
-            </a:r>
-          </a:p>
-          <a:p>
+              <a:t>Reduced</a:t>
+            </a:r>
+          </a:p>
+          <a:p>
+            <a:pPr lvl="1"/>
             <a:r>
               <a:rPr lang="en-US" sz="2200" dirty="0" smtClean="0"/>
-              <a:t>Must represent symbolic concepts in a distributed formalism</a:t>
-            </a:r>
-            <a:endParaRPr lang="en-US" sz="2200" dirty="0"/>
+              <a:t>Representation</a:t>
+            </a:r>
+            <a:endParaRPr lang="en-US" sz="2200" dirty="0" smtClean="0"/>
           </a:p>
         </p:txBody>
       </p:sp>
       <p:pic>
         <p:nvPicPr>
-          <p:cNvPr id="12" name="Picture 11"/>
+          <p:cNvPr id="4" name="Picture 3"/>
           <p:cNvPicPr>
             <a:picLocks noChangeAspect="1"/>
           </p:cNvPicPr>
@@ -7473,8 +8179,8 @@
         </p:blipFill>
         <p:spPr>
           <a:xfrm>
-            <a:off x="6645500" y="1506829"/>
-            <a:ext cx="5258908" cy="4725142"/>
+            <a:off x="458833" y="4237173"/>
+            <a:ext cx="6156034" cy="516919"/>
           </a:xfrm>
           <a:prstGeom prst="rect">
             <a:avLst/>
@@ -7483,71 +8189,16 @@
       </p:pic>
       <p:sp>
         <p:nvSpPr>
-          <p:cNvPr id="13" name="Rectangle 12"/>
-          <p:cNvSpPr/>
+          <p:cNvPr id="5" name="Content Placeholder 2"/>
+          <p:cNvSpPr txBox="1">
+            <a:spLocks/>
+          </p:cNvSpPr>
           <p:nvPr/>
         </p:nvSpPr>
         <p:spPr>
           <a:xfrm>
-            <a:off x="515155" y="4038605"/>
-            <a:ext cx="5638082" cy="646331"/>
-          </a:xfrm>
-          <a:prstGeom prst="rect">
-            <a:avLst/>
-          </a:prstGeom>
-          <a:noFill/>
-        </p:spPr>
-        <p:txBody>
-          <a:bodyPr wrap="none" lIns="91440" tIns="45720" rIns="91440" bIns="45720">
-            <a:spAutoFit/>
-          </a:bodyPr>
-          <a:lstStyle/>
-          <a:p>
-            <a:pPr algn="ctr"/>
-            <a:r>
-              <a:rPr lang="en-US" sz="3600" b="0" cap="none" spc="0" dirty="0" smtClean="0">
-                <a:ln w="0"/>
-                <a:solidFill>
-                  <a:schemeClr val="accent1"/>
-                </a:solidFill>
-                <a:effectLst>
-                  <a:outerShdw blurRad="38100" dist="25400" dir="5400000" algn="ctr" rotWithShape="0">
-                    <a:srgbClr val="6E747A">
-                      <a:alpha val="43000"/>
-                    </a:srgbClr>
-                  </a:outerShdw>
-                </a:effectLst>
-              </a:rPr>
-              <a:t>[ 0, 0, 1, 0, 0, 1, 0, 0, 0, 0 ]</a:t>
-            </a:r>
-            <a:endParaRPr lang="en-US" sz="3600" b="0" cap="none" spc="0" dirty="0">
-              <a:ln w="0"/>
-              <a:solidFill>
-                <a:schemeClr val="accent1"/>
-              </a:solidFill>
-              <a:effectLst>
-                <a:outerShdw blurRad="38100" dist="25400" dir="5400000" algn="ctr" rotWithShape="0">
-                  <a:srgbClr val="6E747A">
-                    <a:alpha val="43000"/>
-                  </a:srgbClr>
-                </a:outerShdw>
-              </a:effectLst>
-            </a:endParaRPr>
-          </a:p>
-        </p:txBody>
-      </p:sp>
-      <p:sp>
-        <p:nvSpPr>
-          <p:cNvPr id="14" name="Content Placeholder 2"/>
-          <p:cNvSpPr txBox="1">
-            <a:spLocks/>
-          </p:cNvSpPr>
-          <p:nvPr/>
-        </p:nvSpPr>
-        <p:spPr>
-          <a:xfrm>
-            <a:off x="515155" y="4769727"/>
-            <a:ext cx="5911403" cy="1862608"/>
+            <a:off x="458833" y="5069983"/>
+            <a:ext cx="10625070" cy="1081827"/>
           </a:xfrm>
           <a:prstGeom prst="rect">
             <a:avLst/>
@@ -7555,7 +8206,7 @@
         </p:spPr>
         <p:txBody>
           <a:bodyPr vert="horz" lIns="91440" tIns="45720" rIns="91440" bIns="45720" rtlCol="0" anchor="ctr">
-            <a:normAutofit lnSpcReduction="10000"/>
+            <a:normAutofit/>
           </a:bodyPr>
           <a:lstStyle>
             <a:lvl1pPr marL="285750" indent="-285750" algn="l" defTabSz="457200" rtl="0" eaLnBrk="1" latinLnBrk="0" hangingPunct="1">
@@ -7885,38 +8536,166 @@
           </a:lstStyle>
           <a:p>
             <a:r>
-              <a:rPr lang="en-US" sz="2200" dirty="0" smtClean="0"/>
-              <a:t>Problem: representations have to be hand written by the researcher for every task</a:t>
-            </a:r>
-          </a:p>
-          <a:p>
-            <a:pPr lvl="1"/>
+              <a:rPr lang="en-US" sz="2800" dirty="0" smtClean="0"/>
+              <a:t>Goal: replace manual DE/SE conversion interface in toolkit with HRRs</a:t>
+            </a:r>
+          </a:p>
+        </p:txBody>
+      </p:sp>
+      <p:sp>
+        <p:nvSpPr>
+          <p:cNvPr id="6" name="TextBox 5"/>
+          <p:cNvSpPr txBox="1"/>
+          <p:nvPr/>
+        </p:nvSpPr>
+        <p:spPr>
+          <a:xfrm>
+            <a:off x="7057623" y="6454759"/>
+            <a:ext cx="5241700" cy="307777"/>
+          </a:xfrm>
+          <a:prstGeom prst="rect">
+            <a:avLst/>
+          </a:prstGeom>
+          <a:noFill/>
+        </p:spPr>
+        <p:txBody>
+          <a:bodyPr wrap="square" rtlCol="0">
+            <a:spAutoFit/>
+          </a:bodyPr>
+          <a:lstStyle/>
+          <a:p>
+            <a:r>
+              <a:rPr lang="en-US" sz="1400" dirty="0" smtClean="0"/>
+              <a:t>“Holographic Reduced Representations”, Plate, 1995.</a:t>
+            </a:r>
+            <a:endParaRPr lang="en-US" sz="1400" dirty="0"/>
+          </a:p>
+        </p:txBody>
+      </p:sp>
+      <p:pic>
+        <p:nvPicPr>
+          <p:cNvPr id="8" name="Picture 7"/>
+          <p:cNvPicPr>
+            <a:picLocks noChangeAspect="1"/>
+          </p:cNvPicPr>
+          <p:nvPr/>
+        </p:nvPicPr>
+        <p:blipFill>
+          <a:blip r:embed="rId3">
+            <a:extLst>
+              <a:ext uri="{28A0092B-C50C-407E-A947-70E740481C1C}">
+                <a14:useLocalDpi xmlns:a14="http://schemas.microsoft.com/office/drawing/2010/main" val="0"/>
+              </a:ext>
+            </a:extLst>
+          </a:blip>
+          <a:stretch>
+            <a:fillRect/>
+          </a:stretch>
+        </p:blipFill>
+        <p:spPr>
+          <a:xfrm>
+            <a:off x="7726741" y="2030798"/>
+            <a:ext cx="3858076" cy="1038225"/>
+          </a:xfrm>
+          <a:prstGeom prst="rect">
+            <a:avLst/>
+          </a:prstGeom>
+        </p:spPr>
+      </p:pic>
+      <p:sp>
+        <p:nvSpPr>
+          <p:cNvPr id="9" name="TextBox 8"/>
+          <p:cNvSpPr txBox="1"/>
+          <p:nvPr/>
+        </p:nvSpPr>
+        <p:spPr>
+          <a:xfrm>
+            <a:off x="7340958" y="2962141"/>
+            <a:ext cx="4687910" cy="646331"/>
+          </a:xfrm>
+          <a:prstGeom prst="rect">
+            <a:avLst/>
+          </a:prstGeom>
+          <a:noFill/>
+        </p:spPr>
+        <p:txBody>
+          <a:bodyPr wrap="square" rtlCol="0">
+            <a:spAutoFit/>
+          </a:bodyPr>
+          <a:lstStyle/>
+          <a:p>
             <a:r>
               <a:rPr lang="en-US" dirty="0" smtClean="0"/>
-              <a:t>Tedious</a:t>
-            </a:r>
-          </a:p>
-          <a:p>
-            <a:pPr lvl="1"/>
+              <a:t>Combination of two concepts: “red” and “ball”</a:t>
+            </a:r>
+            <a:endParaRPr lang="en-US" dirty="0"/>
+          </a:p>
+        </p:txBody>
+      </p:sp>
+      <p:pic>
+        <p:nvPicPr>
+          <p:cNvPr id="10" name="Picture 9"/>
+          <p:cNvPicPr>
+            <a:picLocks noChangeAspect="1"/>
+          </p:cNvPicPr>
+          <p:nvPr/>
+        </p:nvPicPr>
+        <p:blipFill>
+          <a:blip r:embed="rId4">
+            <a:extLst>
+              <a:ext uri="{28A0092B-C50C-407E-A947-70E740481C1C}">
+                <a14:useLocalDpi xmlns:a14="http://schemas.microsoft.com/office/drawing/2010/main" val="0"/>
+              </a:ext>
+            </a:extLst>
+          </a:blip>
+          <a:stretch>
+            <a:fillRect/>
+          </a:stretch>
+        </p:blipFill>
+        <p:spPr>
+          <a:xfrm>
+            <a:off x="7758155" y="3506858"/>
+            <a:ext cx="3788561" cy="1038225"/>
+          </a:xfrm>
+          <a:prstGeom prst="rect">
+            <a:avLst/>
+          </a:prstGeom>
+        </p:spPr>
+      </p:pic>
+      <p:sp>
+        <p:nvSpPr>
+          <p:cNvPr id="11" name="TextBox 10"/>
+          <p:cNvSpPr txBox="1"/>
+          <p:nvPr/>
+        </p:nvSpPr>
+        <p:spPr>
+          <a:xfrm>
+            <a:off x="7340958" y="4438201"/>
+            <a:ext cx="4687910" cy="646331"/>
+          </a:xfrm>
+          <a:prstGeom prst="rect">
+            <a:avLst/>
+          </a:prstGeom>
+          <a:noFill/>
+        </p:spPr>
+        <p:txBody>
+          <a:bodyPr wrap="square" rtlCol="0">
+            <a:spAutoFit/>
+          </a:bodyPr>
+          <a:lstStyle/>
+          <a:p>
             <a:r>
               <a:rPr lang="en-US" dirty="0" smtClean="0"/>
-              <a:t>Requires knowledge of Neural Nets</a:t>
+              <a:t>Extraction of constituent concept “ball” from complex concept “red ball”</a:t>
             </a:r>
             <a:endParaRPr lang="en-US" dirty="0"/>
-          </a:p>
-          <a:p>
-            <a:pPr lvl="1"/>
-            <a:r>
-              <a:rPr lang="en-US" dirty="0" smtClean="0"/>
-              <a:t>challenging</a:t>
-            </a:r>
           </a:p>
         </p:txBody>
       </p:sp>
     </p:spTree>
     <p:extLst>
       <p:ext uri="{BB962C8B-B14F-4D97-AF65-F5344CB8AC3E}">
-        <p14:creationId xmlns:p14="http://schemas.microsoft.com/office/powerpoint/2010/main" val="905528479"/>
+        <p14:creationId xmlns:p14="http://schemas.microsoft.com/office/powerpoint/2010/main" val="2677104654"/>
       </p:ext>
     </p:extLst>
   </p:cSld>
@@ -7962,7 +8741,7 @@
         </p:nvSpPr>
         <p:spPr>
           <a:xfrm>
-            <a:off x="734096" y="609601"/>
+            <a:off x="734096" y="214969"/>
             <a:ext cx="10313315" cy="897228"/>
           </a:xfrm>
         </p:spPr>
@@ -7974,76 +8753,15 @@
           <a:p>
             <a:r>
               <a:rPr lang="en-US" sz="4000" dirty="0" smtClean="0"/>
-              <a:t>Holographic Reduced Representations</a:t>
+              <a:t>Building an HRR Engine and adding it to the toolkit</a:t>
             </a:r>
             <a:endParaRPr lang="en-US" sz="4000" dirty="0"/>
-          </a:p>
-        </p:txBody>
-      </p:sp>
-      <p:sp>
-        <p:nvSpPr>
-          <p:cNvPr id="3" name="Content Placeholder 2"/>
-          <p:cNvSpPr>
-            <a:spLocks noGrp="1"/>
-          </p:cNvSpPr>
-          <p:nvPr>
-            <p:ph idx="1"/>
-          </p:nvPr>
-        </p:nvSpPr>
-        <p:spPr>
-          <a:xfrm>
-            <a:off x="1141413" y="1326525"/>
-            <a:ext cx="9905998" cy="3245475"/>
-          </a:xfrm>
-        </p:spPr>
-        <p:txBody>
-          <a:bodyPr>
-            <a:normAutofit/>
-          </a:bodyPr>
-          <a:lstStyle/>
-          <a:p>
-            <a:r>
-              <a:rPr lang="en-US" sz="2400" dirty="0" smtClean="0"/>
-              <a:t>Proposed by Tony Plate in 1995</a:t>
-            </a:r>
-          </a:p>
-          <a:p>
-            <a:r>
-              <a:rPr lang="en-US" sz="2400" dirty="0" smtClean="0"/>
-              <a:t>A vector of Gaussian numbers typically between -1.0 and 1.0</a:t>
-            </a:r>
-            <a:endParaRPr lang="en-US" sz="2400" dirty="0"/>
-          </a:p>
-          <a:p>
-            <a:pPr lvl="1"/>
-            <a:r>
-              <a:rPr lang="en-US" sz="2200" dirty="0" smtClean="0"/>
-              <a:t>Holographic: Can store data from several HRRs in a single vector</a:t>
-            </a:r>
-          </a:p>
-          <a:p>
-            <a:pPr lvl="1"/>
-            <a:r>
-              <a:rPr lang="en-US" sz="2200" dirty="0" smtClean="0"/>
-              <a:t>Reduced: Can combine HRRs into a new HRR of the </a:t>
-            </a:r>
-            <a:r>
-              <a:rPr lang="en-US" sz="2200" u="sng" dirty="0" smtClean="0"/>
-              <a:t>same length</a:t>
-            </a:r>
-          </a:p>
-          <a:p>
-            <a:pPr lvl="1"/>
-            <a:r>
-              <a:rPr lang="en-US" sz="2200" dirty="0" smtClean="0"/>
-              <a:t>Representation: Can be assigned as a distributed representation of a symbolic value</a:t>
-            </a:r>
           </a:p>
         </p:txBody>
       </p:sp>
       <p:pic>
         <p:nvPicPr>
-          <p:cNvPr id="4" name="Picture 3"/>
+          <p:cNvPr id="3" name="Picture 2"/>
           <p:cNvPicPr>
             <a:picLocks noChangeAspect="1"/>
           </p:cNvPicPr>
@@ -8063,373 +8781,138 @@
         </p:blipFill>
         <p:spPr>
           <a:xfrm>
-            <a:off x="1141413" y="4572000"/>
-            <a:ext cx="6156034" cy="516919"/>
+            <a:off x="6371125" y="837128"/>
+            <a:ext cx="4676286" cy="4582180"/>
           </a:xfrm>
           <a:prstGeom prst="rect">
             <a:avLst/>
           </a:prstGeom>
         </p:spPr>
       </p:pic>
-      <p:sp>
-        <p:nvSpPr>
-          <p:cNvPr id="5" name="Content Placeholder 2"/>
-          <p:cNvSpPr txBox="1">
-            <a:spLocks/>
-          </p:cNvSpPr>
+      <p:pic>
+        <p:nvPicPr>
+          <p:cNvPr id="6" name="Picture 5"/>
+          <p:cNvPicPr>
+            <a:picLocks noChangeAspect="1"/>
+          </p:cNvPicPr>
           <p:nvPr/>
-        </p:nvSpPr>
+        </p:nvPicPr>
+        <p:blipFill>
+          <a:blip r:embed="rId3">
+            <a:extLst>
+              <a:ext uri="{28A0092B-C50C-407E-A947-70E740481C1C}">
+                <a14:useLocalDpi xmlns:a14="http://schemas.microsoft.com/office/drawing/2010/main" val="0"/>
+              </a:ext>
+            </a:extLst>
+          </a:blip>
+          <a:stretch>
+            <a:fillRect/>
+          </a:stretch>
+        </p:blipFill>
         <p:spPr>
           <a:xfrm>
-            <a:off x="734096" y="5088920"/>
-            <a:ext cx="9905998" cy="1556580"/>
+            <a:off x="862885" y="1286418"/>
+            <a:ext cx="3742494" cy="4449651"/>
           </a:xfrm>
           <a:prstGeom prst="rect">
             <a:avLst/>
           </a:prstGeom>
         </p:spPr>
-        <p:txBody>
-          <a:bodyPr vert="horz" lIns="91440" tIns="45720" rIns="91440" bIns="45720" rtlCol="0" anchor="ctr">
-            <a:normAutofit/>
+      </p:pic>
+      <p:sp>
+        <p:nvSpPr>
+          <p:cNvPr id="7" name="TextBox 6"/>
+          <p:cNvSpPr txBox="1"/>
+          <p:nvPr/>
+        </p:nvSpPr>
+        <p:spPr>
+          <a:xfrm>
+            <a:off x="442989" y="5736069"/>
+            <a:ext cx="5447764" cy="646331"/>
+          </a:xfrm>
+          <a:prstGeom prst="rect">
+            <a:avLst/>
+          </a:prstGeom>
+          <a:noFill/>
+        </p:spPr>
+        <p:txBody>
+          <a:bodyPr wrap="square" rtlCol="0">
+            <a:spAutoFit/>
           </a:bodyPr>
-          <a:lstStyle>
-            <a:lvl1pPr marL="285750" indent="-285750" algn="l" defTabSz="457200" rtl="0" eaLnBrk="1" latinLnBrk="0" hangingPunct="1">
-              <a:spcBef>
-                <a:spcPct val="20000"/>
-              </a:spcBef>
-              <a:spcAft>
-                <a:spcPts val="600"/>
-              </a:spcAft>
-              <a:buClr>
-                <a:schemeClr val="accent1"/>
-              </a:buClr>
-              <a:buSzPct val="100000"/>
-              <a:buFont typeface="Arial"/>
-              <a:buChar char="•"/>
-              <a:defRPr sz="2000" kern="1200" cap="small">
-                <a:solidFill>
-                  <a:schemeClr val="tx1"/>
-                </a:solidFill>
-                <a:effectLst>
-                  <a:glow rad="38100">
-                    <a:schemeClr val="bg1">
-                      <a:lumMod val="50000"/>
-                      <a:lumOff val="50000"/>
-                      <a:alpha val="20000"/>
-                    </a:schemeClr>
-                  </a:glow>
-                  <a:outerShdw blurRad="44450" dist="12700" dir="13860000" algn="tl" rotWithShape="0">
-                    <a:srgbClr val="000000">
-                      <a:alpha val="20000"/>
-                    </a:srgbClr>
-                  </a:outerShdw>
-                </a:effectLst>
-                <a:latin typeface="+mn-lt"/>
-                <a:ea typeface="+mn-ea"/>
-                <a:cs typeface="+mn-cs"/>
-              </a:defRPr>
-            </a:lvl1pPr>
-            <a:lvl2pPr marL="742950" indent="-285750" algn="l" defTabSz="457200" rtl="0" eaLnBrk="1" latinLnBrk="0" hangingPunct="1">
-              <a:spcBef>
-                <a:spcPct val="20000"/>
-              </a:spcBef>
-              <a:spcAft>
-                <a:spcPts val="600"/>
-              </a:spcAft>
-              <a:buClr>
-                <a:schemeClr val="accent1"/>
-              </a:buClr>
-              <a:buSzPct val="100000"/>
-              <a:buFont typeface="Arial"/>
-              <a:buChar char="•"/>
-              <a:defRPr sz="1800" kern="1200" cap="small">
-                <a:solidFill>
-                  <a:schemeClr val="tx1"/>
-                </a:solidFill>
-                <a:effectLst>
-                  <a:glow rad="38100">
-                    <a:schemeClr val="bg1">
-                      <a:lumMod val="50000"/>
-                      <a:lumOff val="50000"/>
-                      <a:alpha val="20000"/>
-                    </a:schemeClr>
-                  </a:glow>
-                  <a:outerShdw blurRad="44450" dist="12700" dir="13860000" algn="tl" rotWithShape="0">
-                    <a:srgbClr val="000000">
-                      <a:alpha val="20000"/>
-                    </a:srgbClr>
-                  </a:outerShdw>
-                </a:effectLst>
-                <a:latin typeface="+mn-lt"/>
-                <a:ea typeface="+mn-ea"/>
-                <a:cs typeface="+mn-cs"/>
-              </a:defRPr>
-            </a:lvl2pPr>
-            <a:lvl3pPr marL="1200150" indent="-285750" algn="l" defTabSz="457200" rtl="0" eaLnBrk="1" latinLnBrk="0" hangingPunct="1">
-              <a:spcBef>
-                <a:spcPct val="20000"/>
-              </a:spcBef>
-              <a:spcAft>
-                <a:spcPts val="600"/>
-              </a:spcAft>
-              <a:buClr>
-                <a:schemeClr val="accent1"/>
-              </a:buClr>
-              <a:buSzPct val="100000"/>
-              <a:buFont typeface="Arial"/>
-              <a:buChar char="•"/>
-              <a:defRPr sz="1600" kern="1200" cap="small">
-                <a:solidFill>
-                  <a:schemeClr val="tx1"/>
-                </a:solidFill>
-                <a:effectLst>
-                  <a:glow rad="38100">
-                    <a:schemeClr val="bg1">
-                      <a:lumMod val="50000"/>
-                      <a:lumOff val="50000"/>
-                      <a:alpha val="20000"/>
-                    </a:schemeClr>
-                  </a:glow>
-                  <a:outerShdw blurRad="44450" dist="12700" dir="13860000" algn="tl" rotWithShape="0">
-                    <a:srgbClr val="000000">
-                      <a:alpha val="20000"/>
-                    </a:srgbClr>
-                  </a:outerShdw>
-                </a:effectLst>
-                <a:latin typeface="+mn-lt"/>
-                <a:ea typeface="+mn-ea"/>
-                <a:cs typeface="+mn-cs"/>
-              </a:defRPr>
-            </a:lvl3pPr>
-            <a:lvl4pPr marL="1543050" indent="-171450" algn="l" defTabSz="457200" rtl="0" eaLnBrk="1" latinLnBrk="0" hangingPunct="1">
-              <a:spcBef>
-                <a:spcPct val="20000"/>
-              </a:spcBef>
-              <a:spcAft>
-                <a:spcPts val="600"/>
-              </a:spcAft>
-              <a:buClr>
-                <a:schemeClr val="accent1"/>
-              </a:buClr>
-              <a:buSzPct val="100000"/>
-              <a:buFont typeface="Arial"/>
-              <a:buChar char="•"/>
-              <a:defRPr sz="1400" kern="1200" cap="small">
-                <a:solidFill>
-                  <a:schemeClr val="tx1"/>
-                </a:solidFill>
-                <a:effectLst>
-                  <a:glow rad="38100">
-                    <a:schemeClr val="bg1">
-                      <a:lumMod val="50000"/>
-                      <a:lumOff val="50000"/>
-                      <a:alpha val="20000"/>
-                    </a:schemeClr>
-                  </a:glow>
-                  <a:outerShdw blurRad="44450" dist="12700" dir="13860000" algn="tl" rotWithShape="0">
-                    <a:srgbClr val="000000">
-                      <a:alpha val="20000"/>
-                    </a:srgbClr>
-                  </a:outerShdw>
-                </a:effectLst>
-                <a:latin typeface="+mn-lt"/>
-                <a:ea typeface="+mn-ea"/>
-                <a:cs typeface="+mn-cs"/>
-              </a:defRPr>
-            </a:lvl4pPr>
-            <a:lvl5pPr marL="2000250" indent="-171450" algn="l" defTabSz="457200" rtl="0" eaLnBrk="1" latinLnBrk="0" hangingPunct="1">
-              <a:spcBef>
-                <a:spcPct val="20000"/>
-              </a:spcBef>
-              <a:spcAft>
-                <a:spcPts val="600"/>
-              </a:spcAft>
-              <a:buClr>
-                <a:schemeClr val="accent1"/>
-              </a:buClr>
-              <a:buSzPct val="100000"/>
-              <a:buFont typeface="Arial"/>
-              <a:buChar char="•"/>
-              <a:defRPr sz="1400" kern="1200" cap="small">
-                <a:solidFill>
-                  <a:schemeClr val="tx1"/>
-                </a:solidFill>
-                <a:effectLst>
-                  <a:glow rad="38100">
-                    <a:schemeClr val="bg1">
-                      <a:lumMod val="50000"/>
-                      <a:lumOff val="50000"/>
-                      <a:alpha val="20000"/>
-                    </a:schemeClr>
-                  </a:glow>
-                  <a:outerShdw blurRad="44450" dist="12700" dir="13860000" algn="tl" rotWithShape="0">
-                    <a:srgbClr val="000000">
-                      <a:alpha val="20000"/>
-                    </a:srgbClr>
-                  </a:outerShdw>
-                </a:effectLst>
-                <a:latin typeface="+mn-lt"/>
-                <a:ea typeface="+mn-ea"/>
-                <a:cs typeface="+mn-cs"/>
-              </a:defRPr>
-            </a:lvl5pPr>
-            <a:lvl6pPr marL="2514600" indent="-228600" algn="l" defTabSz="457200" rtl="0" eaLnBrk="1" latinLnBrk="0" hangingPunct="1">
-              <a:spcBef>
-                <a:spcPct val="20000"/>
-              </a:spcBef>
-              <a:spcAft>
-                <a:spcPts val="600"/>
-              </a:spcAft>
-              <a:buClr>
-                <a:schemeClr val="accent1"/>
-              </a:buClr>
-              <a:buSzPct val="100000"/>
-              <a:buFont typeface="Arial"/>
-              <a:buChar char="•"/>
-              <a:defRPr sz="1200" kern="1200" cap="small">
-                <a:solidFill>
-                  <a:schemeClr val="tx1"/>
-                </a:solidFill>
-                <a:effectLst>
-                  <a:glow rad="38100">
-                    <a:schemeClr val="bg1">
-                      <a:lumMod val="50000"/>
-                      <a:lumOff val="50000"/>
-                      <a:alpha val="20000"/>
-                    </a:schemeClr>
-                  </a:glow>
-                  <a:outerShdw blurRad="44450" dist="12700" dir="13860000" algn="tl" rotWithShape="0">
-                    <a:srgbClr val="000000">
-                      <a:alpha val="20000"/>
-                    </a:srgbClr>
-                  </a:outerShdw>
-                </a:effectLst>
-                <a:latin typeface="+mn-lt"/>
-                <a:ea typeface="+mn-ea"/>
-                <a:cs typeface="+mn-cs"/>
-              </a:defRPr>
-            </a:lvl6pPr>
-            <a:lvl7pPr marL="2971800" indent="-228600" algn="l" defTabSz="457200" rtl="0" eaLnBrk="1" latinLnBrk="0" hangingPunct="1">
-              <a:spcBef>
-                <a:spcPct val="20000"/>
-              </a:spcBef>
-              <a:spcAft>
-                <a:spcPts val="600"/>
-              </a:spcAft>
-              <a:buClr>
-                <a:schemeClr val="accent1"/>
-              </a:buClr>
-              <a:buSzPct val="100000"/>
-              <a:buFont typeface="Arial"/>
-              <a:buChar char="•"/>
-              <a:defRPr sz="1200" kern="1200" cap="small">
-                <a:solidFill>
-                  <a:schemeClr val="tx1"/>
-                </a:solidFill>
-                <a:effectLst>
-                  <a:glow rad="38100">
-                    <a:schemeClr val="bg1">
-                      <a:lumMod val="50000"/>
-                      <a:lumOff val="50000"/>
-                      <a:alpha val="20000"/>
-                    </a:schemeClr>
-                  </a:glow>
-                  <a:outerShdw blurRad="44450" dist="12700" dir="13860000" algn="tl" rotWithShape="0">
-                    <a:srgbClr val="000000">
-                      <a:alpha val="20000"/>
-                    </a:srgbClr>
-                  </a:outerShdw>
-                </a:effectLst>
-                <a:latin typeface="+mn-lt"/>
-                <a:ea typeface="+mn-ea"/>
-                <a:cs typeface="+mn-cs"/>
-              </a:defRPr>
-            </a:lvl7pPr>
-            <a:lvl8pPr marL="3429000" indent="-228600" algn="l" defTabSz="457200" rtl="0" eaLnBrk="1" latinLnBrk="0" hangingPunct="1">
-              <a:spcBef>
-                <a:spcPct val="20000"/>
-              </a:spcBef>
-              <a:spcAft>
-                <a:spcPts val="600"/>
-              </a:spcAft>
-              <a:buClr>
-                <a:schemeClr val="accent1"/>
-              </a:buClr>
-              <a:buSzPct val="100000"/>
-              <a:buFont typeface="Arial"/>
-              <a:buChar char="•"/>
-              <a:defRPr sz="1200" kern="1200" cap="small">
-                <a:solidFill>
-                  <a:schemeClr val="tx1"/>
-                </a:solidFill>
-                <a:effectLst>
-                  <a:glow rad="38100">
-                    <a:schemeClr val="bg1">
-                      <a:lumMod val="50000"/>
-                      <a:lumOff val="50000"/>
-                      <a:alpha val="20000"/>
-                    </a:schemeClr>
-                  </a:glow>
-                  <a:outerShdw blurRad="44450" dist="12700" dir="13860000" algn="tl" rotWithShape="0">
-                    <a:srgbClr val="000000">
-                      <a:alpha val="20000"/>
-                    </a:srgbClr>
-                  </a:outerShdw>
-                </a:effectLst>
-                <a:latin typeface="+mn-lt"/>
-                <a:ea typeface="+mn-ea"/>
-                <a:cs typeface="+mn-cs"/>
-              </a:defRPr>
-            </a:lvl8pPr>
-            <a:lvl9pPr marL="3886200" indent="-228600" algn="l" defTabSz="457200" rtl="0" eaLnBrk="1" latinLnBrk="0" hangingPunct="1">
-              <a:spcBef>
-                <a:spcPct val="20000"/>
-              </a:spcBef>
-              <a:spcAft>
-                <a:spcPts val="600"/>
-              </a:spcAft>
-              <a:buClr>
-                <a:schemeClr val="accent1"/>
-              </a:buClr>
-              <a:buSzPct val="100000"/>
-              <a:buFont typeface="Arial"/>
-              <a:buChar char="•"/>
-              <a:defRPr sz="1200" kern="1200" cap="small">
-                <a:solidFill>
-                  <a:schemeClr val="tx1"/>
-                </a:solidFill>
-                <a:effectLst>
-                  <a:glow rad="38100">
-                    <a:schemeClr val="bg1">
-                      <a:lumMod val="50000"/>
-                      <a:lumOff val="50000"/>
-                      <a:alpha val="20000"/>
-                    </a:schemeClr>
-                  </a:glow>
-                  <a:outerShdw blurRad="44450" dist="12700" dir="13860000" algn="tl" rotWithShape="0">
-                    <a:srgbClr val="000000">
-                      <a:alpha val="20000"/>
-                    </a:srgbClr>
-                  </a:outerShdw>
-                </a:effectLst>
-                <a:latin typeface="+mn-lt"/>
-                <a:ea typeface="+mn-ea"/>
-                <a:cs typeface="+mn-cs"/>
-              </a:defRPr>
-            </a:lvl9pPr>
-          </a:lstStyle>
-          <a:p>
-            <a:r>
-              <a:rPr lang="en-US" sz="2400" dirty="0" smtClean="0"/>
-              <a:t>Goal: replace manual DE/SE conversion interface in toolkit with HRRs</a:t>
-            </a:r>
+          <a:lstStyle/>
+          <a:p>
+            <a:r>
+              <a:rPr lang="en-US" dirty="0" smtClean="0"/>
+              <a:t>Architecture of Original Working Memory toolkit*</a:t>
+            </a:r>
+            <a:endParaRPr lang="en-US" dirty="0"/>
+          </a:p>
+        </p:txBody>
+      </p:sp>
+      <p:sp>
+        <p:nvSpPr>
+          <p:cNvPr id="8" name="TextBox 7"/>
+          <p:cNvSpPr txBox="1"/>
+          <p:nvPr/>
+        </p:nvSpPr>
+        <p:spPr>
+          <a:xfrm>
+            <a:off x="6112602" y="5292103"/>
+            <a:ext cx="5447764" cy="646331"/>
+          </a:xfrm>
+          <a:prstGeom prst="rect">
+            <a:avLst/>
+          </a:prstGeom>
+          <a:noFill/>
+        </p:spPr>
+        <p:txBody>
+          <a:bodyPr wrap="square" rtlCol="0">
+            <a:spAutoFit/>
+          </a:bodyPr>
+          <a:lstStyle/>
+          <a:p>
+            <a:r>
+              <a:rPr lang="en-US" dirty="0" smtClean="0"/>
+              <a:t>Architecture of Holographic Working Memory toolkit.</a:t>
+            </a:r>
+            <a:endParaRPr lang="en-US" dirty="0"/>
+          </a:p>
+        </p:txBody>
+      </p:sp>
+      <p:sp>
+        <p:nvSpPr>
+          <p:cNvPr id="9" name="TextBox 8"/>
+          <p:cNvSpPr txBox="1"/>
+          <p:nvPr/>
+        </p:nvSpPr>
+        <p:spPr>
+          <a:xfrm>
+            <a:off x="4219977" y="6382400"/>
+            <a:ext cx="7972023" cy="307777"/>
+          </a:xfrm>
+          <a:prstGeom prst="rect">
+            <a:avLst/>
+          </a:prstGeom>
+          <a:noFill/>
+        </p:spPr>
+        <p:txBody>
+          <a:bodyPr wrap="square" rtlCol="0">
+            <a:spAutoFit/>
+          </a:bodyPr>
+          <a:lstStyle/>
+          <a:p>
+            <a:r>
+              <a:rPr lang="en-US" sz="1400" dirty="0" smtClean="0"/>
+              <a:t>* “A Biologically Inspired Working Memory Framework for Robots”, Phillips and Noelle, 2005.</a:t>
+            </a:r>
+            <a:endParaRPr lang="en-US" sz="1400" dirty="0"/>
           </a:p>
         </p:txBody>
       </p:sp>
     </p:spTree>
     <p:extLst>
       <p:ext uri="{BB962C8B-B14F-4D97-AF65-F5344CB8AC3E}">
-        <p14:creationId xmlns:p14="http://schemas.microsoft.com/office/powerpoint/2010/main" val="2677104654"/>
+        <p14:creationId xmlns:p14="http://schemas.microsoft.com/office/powerpoint/2010/main" val="3207128667"/>
       </p:ext>
     </p:extLst>
   </p:cSld>
@@ -8475,19 +8958,19 @@
         </p:nvSpPr>
         <p:spPr>
           <a:xfrm>
-            <a:off x="734096" y="609601"/>
+            <a:off x="734096" y="214969"/>
             <a:ext cx="10313315" cy="897228"/>
           </a:xfrm>
         </p:spPr>
         <p:txBody>
           <a:bodyPr>
-            <a:normAutofit fontScale="90000"/>
+            <a:normAutofit/>
           </a:bodyPr>
           <a:lstStyle/>
           <a:p>
             <a:r>
               <a:rPr lang="en-US" sz="4000" dirty="0" smtClean="0"/>
-              <a:t>Building an HRR Engine and adding it to the toolkit</a:t>
+              <a:t>Testing the Toolkit</a:t>
             </a:r>
             <a:endParaRPr lang="en-US" sz="4000" dirty="0"/>
           </a:p>
@@ -8495,7 +8978,7 @@
       </p:sp>
       <p:pic>
         <p:nvPicPr>
-          <p:cNvPr id="4" name="Picture 3"/>
+          <p:cNvPr id="5" name="Picture 4"/>
           <p:cNvPicPr>
             <a:picLocks noChangeAspect="1"/>
           </p:cNvPicPr>
@@ -8515,17 +8998,77 @@
         </p:blipFill>
         <p:spPr>
           <a:xfrm>
-            <a:off x="369993" y="1711570"/>
-            <a:ext cx="3993283" cy="4069308"/>
+            <a:off x="412124" y="2520054"/>
+            <a:ext cx="5867400" cy="1390650"/>
           </a:xfrm>
           <a:prstGeom prst="rect">
             <a:avLst/>
           </a:prstGeom>
         </p:spPr>
       </p:pic>
+      <p:sp>
+        <p:nvSpPr>
+          <p:cNvPr id="10" name="TextBox 9"/>
+          <p:cNvSpPr txBox="1"/>
+          <p:nvPr/>
+        </p:nvSpPr>
+        <p:spPr>
+          <a:xfrm>
+            <a:off x="412124" y="2039804"/>
+            <a:ext cx="4945487" cy="369332"/>
+          </a:xfrm>
+          <a:prstGeom prst="rect">
+            <a:avLst/>
+          </a:prstGeom>
+          <a:noFill/>
+        </p:spPr>
+        <p:txBody>
+          <a:bodyPr wrap="square" rtlCol="0">
+            <a:spAutoFit/>
+          </a:bodyPr>
+          <a:lstStyle/>
+          <a:p>
+            <a:r>
+              <a:rPr lang="en-US" dirty="0" smtClean="0"/>
+              <a:t>What color am I thinking of?</a:t>
+            </a:r>
+            <a:endParaRPr lang="en-US" dirty="0"/>
+          </a:p>
+        </p:txBody>
+      </p:sp>
+      <p:sp>
+        <p:nvSpPr>
+          <p:cNvPr id="11" name="TextBox 10"/>
+          <p:cNvSpPr txBox="1"/>
+          <p:nvPr/>
+        </p:nvSpPr>
+        <p:spPr>
+          <a:xfrm>
+            <a:off x="412124" y="4019716"/>
+            <a:ext cx="4572000" cy="369332"/>
+          </a:xfrm>
+          <a:prstGeom prst="rect">
+            <a:avLst/>
+          </a:prstGeom>
+          <a:noFill/>
+        </p:spPr>
+        <p:txBody>
+          <a:bodyPr wrap="square" rtlCol="0">
+            <a:spAutoFit/>
+          </a:bodyPr>
+          <a:lstStyle/>
+          <a:p>
+            <a:r>
+              <a:rPr lang="en-US" dirty="0" smtClean="0"/>
+              <a:t>100% success rate within 8000 trials.</a:t>
+            </a:r>
+            <a:endParaRPr lang="en-US" dirty="0"/>
+          </a:p>
+        </p:txBody>
+      </p:sp>
       <p:pic>
         <p:nvPicPr>
-          <p:cNvPr id="5" name="Picture 4"/>
+          <p:cNvPr id="12" name="Picture 11"/>
           <p:cNvPicPr>
             <a:picLocks noChangeAspect="1"/>
           </p:cNvPicPr>
@@ -8545,18 +9088,329 @@
         </p:blipFill>
         <p:spPr>
           <a:xfrm>
-            <a:off x="4472467" y="1506829"/>
-            <a:ext cx="7260036" cy="4478791"/>
+            <a:off x="7727324" y="2520054"/>
+            <a:ext cx="3914775" cy="1390650"/>
           </a:xfrm>
           <a:prstGeom prst="rect">
             <a:avLst/>
           </a:prstGeom>
         </p:spPr>
       </p:pic>
+      <p:sp>
+        <p:nvSpPr>
+          <p:cNvPr id="13" name="TextBox 12"/>
+          <p:cNvSpPr txBox="1"/>
+          <p:nvPr/>
+        </p:nvSpPr>
+        <p:spPr>
+          <a:xfrm>
+            <a:off x="7727324" y="2039804"/>
+            <a:ext cx="3914775" cy="369332"/>
+          </a:xfrm>
+          <a:prstGeom prst="rect">
+            <a:avLst/>
+          </a:prstGeom>
+          <a:noFill/>
+        </p:spPr>
+        <p:txBody>
+          <a:bodyPr wrap="square" rtlCol="0">
+            <a:spAutoFit/>
+          </a:bodyPr>
+          <a:lstStyle/>
+          <a:p>
+            <a:r>
+              <a:rPr lang="en-US" dirty="0" smtClean="0"/>
+              <a:t>Wisconsin Card Sort Task*</a:t>
+            </a:r>
+            <a:endParaRPr lang="en-US" dirty="0"/>
+          </a:p>
+        </p:txBody>
+      </p:sp>
+      <p:sp>
+        <p:nvSpPr>
+          <p:cNvPr id="14" name="TextBox 13"/>
+          <p:cNvSpPr txBox="1"/>
+          <p:nvPr/>
+        </p:nvSpPr>
+        <p:spPr>
+          <a:xfrm>
+            <a:off x="5679583" y="6426558"/>
+            <a:ext cx="6864440" cy="309093"/>
+          </a:xfrm>
+          <a:prstGeom prst="rect">
+            <a:avLst/>
+          </a:prstGeom>
+          <a:noFill/>
+        </p:spPr>
+        <p:txBody>
+          <a:bodyPr wrap="square" rtlCol="0">
+            <a:spAutoFit/>
+          </a:bodyPr>
+          <a:lstStyle/>
+          <a:p>
+            <a:r>
+              <a:rPr lang="en-US" sz="1400" dirty="0" smtClean="0"/>
+              <a:t>* ”Prefrontal </a:t>
+            </a:r>
+            <a:r>
+              <a:rPr lang="en-US" sz="1400" dirty="0"/>
+              <a:t>Cortex and Flexible Cognitive </a:t>
+            </a:r>
+            <a:r>
+              <a:rPr lang="en-US" sz="1400" dirty="0" smtClean="0"/>
+              <a:t>Control…” </a:t>
+            </a:r>
+            <a:r>
+              <a:rPr lang="en-US" sz="1400" dirty="0" err="1" smtClean="0"/>
+              <a:t>Rougier</a:t>
+            </a:r>
+            <a:r>
+              <a:rPr lang="en-US" sz="1400" dirty="0" smtClean="0"/>
+              <a:t> et al., 2005.</a:t>
+            </a:r>
+            <a:endParaRPr lang="en-US" sz="1400" dirty="0"/>
+          </a:p>
+        </p:txBody>
+      </p:sp>
+      <p:sp>
+        <p:nvSpPr>
+          <p:cNvPr id="15" name="TextBox 14"/>
+          <p:cNvSpPr txBox="1"/>
+          <p:nvPr/>
+        </p:nvSpPr>
+        <p:spPr>
+          <a:xfrm>
+            <a:off x="7727324" y="4032068"/>
+            <a:ext cx="4060735" cy="369332"/>
+          </a:xfrm>
+          <a:prstGeom prst="rect">
+            <a:avLst/>
+          </a:prstGeom>
+          <a:noFill/>
+        </p:spPr>
+        <p:txBody>
+          <a:bodyPr wrap="square" rtlCol="0">
+            <a:spAutoFit/>
+          </a:bodyPr>
+          <a:lstStyle/>
+          <a:p>
+            <a:r>
+              <a:rPr lang="en-US" dirty="0" smtClean="0"/>
+              <a:t>3.5-4.2 K trials to learn a new rule</a:t>
+            </a:r>
+            <a:endParaRPr lang="en-US" dirty="0"/>
+          </a:p>
+        </p:txBody>
+      </p:sp>
     </p:spTree>
     <p:extLst>
       <p:ext uri="{BB962C8B-B14F-4D97-AF65-F5344CB8AC3E}">
-        <p14:creationId xmlns:p14="http://schemas.microsoft.com/office/powerpoint/2010/main" val="3207128667"/>
+        <p14:creationId xmlns:p14="http://schemas.microsoft.com/office/powerpoint/2010/main" val="13344882"/>
+      </p:ext>
+    </p:extLst>
+  </p:cSld>
+  <p:clrMapOvr>
+    <a:masterClrMapping/>
+  </p:clrMapOvr>
+  <p:timing>
+    <p:tnLst>
+      <p:par>
+        <p:cTn id="1" dur="indefinite" restart="never" nodeType="tmRoot"/>
+      </p:par>
+    </p:tnLst>
+  </p:timing>
+</p:sld>
+</file>
+
+<file path=ppt/slides/slide8.xml><?xml version="1.0" encoding="utf-8"?>
+<p:sld xmlns:a="http://schemas.openxmlformats.org/drawingml/2006/main" xmlns:r="http://schemas.openxmlformats.org/officeDocument/2006/relationships" xmlns:p="http://schemas.openxmlformats.org/presentationml/2006/main">
+  <p:cSld>
+    <p:spTree>
+      <p:nvGrpSpPr>
+        <p:cNvPr id="1" name=""/>
+        <p:cNvGrpSpPr/>
+        <p:nvPr/>
+      </p:nvGrpSpPr>
+      <p:grpSpPr>
+        <a:xfrm>
+          <a:off x="0" y="0"/>
+          <a:ext cx="0" cy="0"/>
+          <a:chOff x="0" y="0"/>
+          <a:chExt cx="0" cy="0"/>
+        </a:xfrm>
+      </p:grpSpPr>
+      <p:sp>
+        <p:nvSpPr>
+          <p:cNvPr id="2" name="Title 1"/>
+          <p:cNvSpPr>
+            <a:spLocks noGrp="1"/>
+          </p:cNvSpPr>
+          <p:nvPr>
+            <p:ph type="title"/>
+          </p:nvPr>
+        </p:nvSpPr>
+        <p:spPr>
+          <a:xfrm>
+            <a:off x="734096" y="214969"/>
+            <a:ext cx="10313315" cy="897228"/>
+          </a:xfrm>
+        </p:spPr>
+        <p:txBody>
+          <a:bodyPr>
+            <a:normAutofit/>
+          </a:bodyPr>
+          <a:lstStyle/>
+          <a:p>
+            <a:r>
+              <a:rPr lang="en-US" sz="4000" dirty="0" smtClean="0"/>
+              <a:t>Achievements</a:t>
+            </a:r>
+            <a:endParaRPr lang="en-US" sz="4000" dirty="0"/>
+          </a:p>
+        </p:txBody>
+      </p:sp>
+      <p:sp>
+        <p:nvSpPr>
+          <p:cNvPr id="14" name="TextBox 13"/>
+          <p:cNvSpPr txBox="1"/>
+          <p:nvPr/>
+        </p:nvSpPr>
+        <p:spPr>
+          <a:xfrm>
+            <a:off x="1584101" y="6126051"/>
+            <a:ext cx="10607900" cy="523220"/>
+          </a:xfrm>
+          <a:prstGeom prst="rect">
+            <a:avLst/>
+          </a:prstGeom>
+          <a:noFill/>
+        </p:spPr>
+        <p:txBody>
+          <a:bodyPr wrap="square" rtlCol="0">
+            <a:spAutoFit/>
+          </a:bodyPr>
+          <a:lstStyle/>
+          <a:p>
+            <a:r>
+              <a:rPr lang="en-US" sz="1400" dirty="0" smtClean="0"/>
+              <a:t>* "</a:t>
+            </a:r>
+            <a:r>
+              <a:rPr lang="en-US" sz="1400" dirty="0"/>
+              <a:t>Generalization in Reinforcement Learning: Safely Approximating the Value Function</a:t>
+            </a:r>
+            <a:r>
+              <a:rPr lang="en-US" sz="1400" dirty="0" smtClean="0"/>
+              <a:t>.“, </a:t>
+            </a:r>
+            <a:r>
+              <a:rPr lang="en-US" sz="1400" dirty="0" err="1" smtClean="0"/>
+              <a:t>Boyan</a:t>
+            </a:r>
+            <a:r>
+              <a:rPr lang="en-US" sz="1400" dirty="0" smtClean="0"/>
+              <a:t> and Moore, 1995. </a:t>
+            </a:r>
+          </a:p>
+          <a:p>
+            <a:r>
+              <a:rPr lang="en-US" sz="1400" dirty="0" smtClean="0"/>
+              <a:t>   "</a:t>
+            </a:r>
+            <a:r>
+              <a:rPr lang="en-US" sz="1400" dirty="0"/>
+              <a:t>Generalization in Reinforcement Learning: Successful Examples Using Sparse Coarse Coding</a:t>
+            </a:r>
+            <a:r>
+              <a:rPr lang="en-US" sz="1400" dirty="0" smtClean="0"/>
+              <a:t>.“, Sutton, 1996. </a:t>
+            </a:r>
+            <a:endParaRPr lang="en-US" sz="1400" dirty="0"/>
+          </a:p>
+        </p:txBody>
+      </p:sp>
+      <p:sp>
+        <p:nvSpPr>
+          <p:cNvPr id="16" name="Content Placeholder 2"/>
+          <p:cNvSpPr>
+            <a:spLocks noGrp="1"/>
+          </p:cNvSpPr>
+          <p:nvPr>
+            <p:ph idx="1"/>
+          </p:nvPr>
+        </p:nvSpPr>
+        <p:spPr>
+          <a:xfrm>
+            <a:off x="491028" y="1112197"/>
+            <a:ext cx="10095406" cy="4116626"/>
+          </a:xfrm>
+        </p:spPr>
+        <p:txBody>
+          <a:bodyPr>
+            <a:normAutofit lnSpcReduction="10000"/>
+          </a:bodyPr>
+          <a:lstStyle/>
+          <a:p>
+            <a:r>
+              <a:rPr lang="en-US" sz="2400" dirty="0" smtClean="0"/>
+              <a:t>Ease of Use</a:t>
+            </a:r>
+          </a:p>
+          <a:p>
+            <a:r>
+              <a:rPr lang="en-US" sz="2400" dirty="0" smtClean="0"/>
+              <a:t>Hassle-free introduction of new concepts</a:t>
+            </a:r>
+          </a:p>
+          <a:p>
+            <a:r>
+              <a:rPr lang="en-US" sz="2400" dirty="0" smtClean="0"/>
+              <a:t>More possibilities</a:t>
+            </a:r>
+          </a:p>
+          <a:p>
+            <a:pPr lvl="1"/>
+            <a:r>
+              <a:rPr lang="en-US" dirty="0" smtClean="0"/>
+              <a:t>Chunking</a:t>
+            </a:r>
+          </a:p>
+          <a:p>
+            <a:pPr lvl="1"/>
+            <a:r>
+              <a:rPr lang="en-US" dirty="0" smtClean="0"/>
+              <a:t>Learning external actions</a:t>
+            </a:r>
+          </a:p>
+          <a:p>
+            <a:pPr lvl="1"/>
+            <a:r>
+              <a:rPr lang="en-US" dirty="0" smtClean="0"/>
+              <a:t>Hierarchical tasks</a:t>
+            </a:r>
+          </a:p>
+          <a:p>
+            <a:endParaRPr lang="en-US" sz="2400" dirty="0" smtClean="0"/>
+          </a:p>
+          <a:p>
+            <a:r>
+              <a:rPr lang="en-US" sz="2400" b="1" dirty="0" smtClean="0"/>
+              <a:t>Proof that HRRs can be used with TD learning in Neural Networks</a:t>
+            </a:r>
+          </a:p>
+          <a:p>
+            <a:pPr lvl="1"/>
+            <a:r>
+              <a:rPr lang="en-US" dirty="0" smtClean="0"/>
+              <a:t>Some studies suggest this is impossible*</a:t>
+            </a:r>
+          </a:p>
+        </p:txBody>
+      </p:sp>
+    </p:spTree>
+    <p:extLst>
+      <p:ext uri="{BB962C8B-B14F-4D97-AF65-F5344CB8AC3E}">
+        <p14:creationId xmlns:p14="http://schemas.microsoft.com/office/powerpoint/2010/main" val="3851158322"/>
       </p:ext>
     </p:extLst>
   </p:cSld>

--- a/HRRfWMCE.pptx
+++ b/HRRfWMCE.pptx
@@ -322,7 +322,7 @@
             <a:fld id="{B61BEF0D-F0BB-DE4B-95CE-6DB70DBA9567}" type="datetimeFigureOut">
               <a:rPr lang="en-US" dirty="0"/>
               <a:pPr/>
-              <a:t>11/6/2016</a:t>
+              <a:t>11/7/2016</a:t>
             </a:fld>
             <a:endParaRPr lang="en-US" dirty="0"/>
           </a:p>
@@ -610,7 +610,7 @@
             <a:fld id="{B61BEF0D-F0BB-DE4B-95CE-6DB70DBA9567}" type="datetimeFigureOut">
               <a:rPr lang="en-US" dirty="0"/>
               <a:pPr/>
-              <a:t>11/6/2016</a:t>
+              <a:t>11/7/2016</a:t>
             </a:fld>
             <a:endParaRPr lang="en-US" dirty="0"/>
           </a:p>
@@ -855,7 +855,7 @@
             <a:fld id="{B61BEF0D-F0BB-DE4B-95CE-6DB70DBA9567}" type="datetimeFigureOut">
               <a:rPr lang="en-US" dirty="0"/>
               <a:pPr/>
-              <a:t>11/6/2016</a:t>
+              <a:t>11/7/2016</a:t>
             </a:fld>
             <a:endParaRPr lang="en-US" dirty="0"/>
           </a:p>
@@ -1388,7 +1388,7 @@
             <a:fld id="{B61BEF0D-F0BB-DE4B-95CE-6DB70DBA9567}" type="datetimeFigureOut">
               <a:rPr lang="en-US" dirty="0"/>
               <a:pPr/>
-              <a:t>11/6/2016</a:t>
+              <a:t>11/7/2016</a:t>
             </a:fld>
             <a:endParaRPr lang="en-US" dirty="0"/>
           </a:p>
@@ -1633,7 +1633,7 @@
             <a:fld id="{B61BEF0D-F0BB-DE4B-95CE-6DB70DBA9567}" type="datetimeFigureOut">
               <a:rPr lang="en-US" dirty="0"/>
               <a:pPr/>
-              <a:t>11/6/2016</a:t>
+              <a:t>11/7/2016</a:t>
             </a:fld>
             <a:endParaRPr lang="en-US" dirty="0"/>
           </a:p>
@@ -2173,7 +2173,7 @@
             <a:fld id="{B61BEF0D-F0BB-DE4B-95CE-6DB70DBA9567}" type="datetimeFigureOut">
               <a:rPr lang="en-US" dirty="0"/>
               <a:pPr/>
-              <a:t>11/6/2016</a:t>
+              <a:t>11/7/2016</a:t>
             </a:fld>
             <a:endParaRPr lang="en-US" dirty="0"/>
           </a:p>
@@ -2480,7 +2480,7 @@
             <a:fld id="{B61BEF0D-F0BB-DE4B-95CE-6DB70DBA9567}" type="datetimeFigureOut">
               <a:rPr lang="en-US" dirty="0"/>
               <a:pPr/>
-              <a:t>11/6/2016</a:t>
+              <a:t>11/7/2016</a:t>
             </a:fld>
             <a:endParaRPr lang="en-US" dirty="0"/>
           </a:p>
@@ -2652,7 +2652,7 @@
             <a:fld id="{B61BEF0D-F0BB-DE4B-95CE-6DB70DBA9567}" type="datetimeFigureOut">
               <a:rPr lang="en-US" dirty="0"/>
               <a:pPr/>
-              <a:t>11/6/2016</a:t>
+              <a:t>11/7/2016</a:t>
             </a:fld>
             <a:endParaRPr lang="en-US" dirty="0"/>
           </a:p>
@@ -2829,7 +2829,7 @@
             <a:fld id="{B61BEF0D-F0BB-DE4B-95CE-6DB70DBA9567}" type="datetimeFigureOut">
               <a:rPr lang="en-US" dirty="0"/>
               <a:pPr/>
-              <a:t>11/6/2016</a:t>
+              <a:t>11/7/2016</a:t>
             </a:fld>
             <a:endParaRPr lang="en-US" dirty="0"/>
           </a:p>
@@ -2996,7 +2996,7 @@
             <a:fld id="{B61BEF0D-F0BB-DE4B-95CE-6DB70DBA9567}" type="datetimeFigureOut">
               <a:rPr lang="en-US" dirty="0"/>
               <a:pPr/>
-              <a:t>11/6/2016</a:t>
+              <a:t>11/7/2016</a:t>
             </a:fld>
             <a:endParaRPr lang="en-US" dirty="0"/>
           </a:p>
@@ -3239,7 +3239,7 @@
             <a:fld id="{B61BEF0D-F0BB-DE4B-95CE-6DB70DBA9567}" type="datetimeFigureOut">
               <a:rPr lang="en-US" dirty="0"/>
               <a:pPr/>
-              <a:t>11/6/2016</a:t>
+              <a:t>11/7/2016</a:t>
             </a:fld>
             <a:endParaRPr lang="en-US" dirty="0"/>
           </a:p>
@@ -3528,7 +3528,7 @@
             <a:fld id="{B61BEF0D-F0BB-DE4B-95CE-6DB70DBA9567}" type="datetimeFigureOut">
               <a:rPr lang="en-US" dirty="0"/>
               <a:pPr/>
-              <a:t>11/6/2016</a:t>
+              <a:t>11/7/2016</a:t>
             </a:fld>
             <a:endParaRPr lang="en-US" dirty="0"/>
           </a:p>
@@ -3955,7 +3955,7 @@
             <a:fld id="{B61BEF0D-F0BB-DE4B-95CE-6DB70DBA9567}" type="datetimeFigureOut">
               <a:rPr lang="en-US" dirty="0"/>
               <a:pPr/>
-              <a:t>11/6/2016</a:t>
+              <a:t>11/7/2016</a:t>
             </a:fld>
             <a:endParaRPr lang="en-US" dirty="0"/>
           </a:p>
@@ -4075,7 +4075,7 @@
             <a:fld id="{B61BEF0D-F0BB-DE4B-95CE-6DB70DBA9567}" type="datetimeFigureOut">
               <a:rPr lang="en-US" dirty="0"/>
               <a:pPr/>
-              <a:t>11/6/2016</a:t>
+              <a:t>11/7/2016</a:t>
             </a:fld>
             <a:endParaRPr lang="en-US" dirty="0"/>
           </a:p>
@@ -4167,7 +4167,7 @@
             <a:fld id="{B61BEF0D-F0BB-DE4B-95CE-6DB70DBA9567}" type="datetimeFigureOut">
               <a:rPr lang="en-US" dirty="0"/>
               <a:pPr/>
-              <a:t>11/6/2016</a:t>
+              <a:t>11/7/2016</a:t>
             </a:fld>
             <a:endParaRPr lang="en-US" dirty="0"/>
           </a:p>
@@ -4447,7 +4447,7 @@
             <a:fld id="{B61BEF0D-F0BB-DE4B-95CE-6DB70DBA9567}" type="datetimeFigureOut">
               <a:rPr lang="en-US" dirty="0"/>
               <a:pPr/>
-              <a:t>11/6/2016</a:t>
+              <a:t>11/7/2016</a:t>
             </a:fld>
             <a:endParaRPr lang="en-US" dirty="0"/>
           </a:p>
@@ -4735,7 +4735,7 @@
             <a:fld id="{B61BEF0D-F0BB-DE4B-95CE-6DB70DBA9567}" type="datetimeFigureOut">
               <a:rPr lang="en-US" dirty="0"/>
               <a:pPr/>
-              <a:t>11/6/2016</a:t>
+              <a:t>11/7/2016</a:t>
             </a:fld>
             <a:endParaRPr lang="en-US" dirty="0"/>
           </a:p>
@@ -4963,7 +4963,7 @@
             <a:fld id="{B61BEF0D-F0BB-DE4B-95CE-6DB70DBA9567}" type="datetimeFigureOut">
               <a:rPr lang="en-US" dirty="0"/>
               <a:pPr/>
-              <a:t>11/6/2016</a:t>
+              <a:t>11/7/2016</a:t>
             </a:fld>
             <a:endParaRPr lang="en-US" dirty="0"/>
           </a:p>
@@ -5752,153 +5752,6 @@
           <a:chExt cx="0" cy="0"/>
         </a:xfrm>
       </p:grpSpPr>
-      <p:graphicFrame>
-        <p:nvGraphicFramePr>
-          <p:cNvPr id="4" name="Content Placeholder 3"/>
-          <p:cNvGraphicFramePr>
-            <a:graphicFrameLocks noGrp="1"/>
-          </p:cNvGraphicFramePr>
-          <p:nvPr>
-            <p:ph idx="1"/>
-            <p:extLst>
-              <p:ext uri="{D42A27DB-BD31-4B8C-83A1-F6EECF244321}">
-                <p14:modId xmlns:p14="http://schemas.microsoft.com/office/powerpoint/2010/main" val="2076342115"/>
-              </p:ext>
-            </p:extLst>
-          </p:nvPr>
-        </p:nvGraphicFramePr>
-        <p:xfrm>
-          <a:off x="484188" y="1746501"/>
-          <a:ext cx="5182114" cy="1171978"/>
-        </p:xfrm>
-        <a:graphic>
-          <a:graphicData uri="http://schemas.openxmlformats.org/drawingml/2006/table">
-            <a:tbl>
-              <a:tblPr firstRow="1" bandRow="1">
-                <a:tableStyleId>{5C22544A-7EE6-4342-B048-85BDC9FD1C3A}</a:tableStyleId>
-              </a:tblPr>
-              <a:tblGrid>
-                <a:gridCol w="2591057"/>
-                <a:gridCol w="2591057"/>
-              </a:tblGrid>
-              <a:tr h="585989">
-                <a:tc>
-                  <a:txBody>
-                    <a:bodyPr/>
-                    <a:lstStyle/>
-                    <a:p>
-                      <a:pPr algn="ctr"/>
-                      <a:r>
-                        <a:rPr lang="en-US" dirty="0" smtClean="0"/>
-                        <a:t>Acting Rationally</a:t>
-                      </a:r>
-                      <a:endParaRPr lang="en-US" dirty="0"/>
-                    </a:p>
-                  </a:txBody>
-                  <a:tcPr/>
-                </a:tc>
-                <a:tc>
-                  <a:txBody>
-                    <a:bodyPr/>
-                    <a:lstStyle/>
-                    <a:p>
-                      <a:pPr algn="ctr"/>
-                      <a:r>
-                        <a:rPr lang="en-US" dirty="0" smtClean="0"/>
-                        <a:t>Acting Humanly</a:t>
-                      </a:r>
-                      <a:endParaRPr lang="en-US" dirty="0"/>
-                    </a:p>
-                  </a:txBody>
-                  <a:tcPr/>
-                </a:tc>
-              </a:tr>
-              <a:tr h="585989">
-                <a:tc>
-                  <a:txBody>
-                    <a:bodyPr/>
-                    <a:lstStyle/>
-                    <a:p>
-                      <a:pPr algn="ctr"/>
-                      <a:r>
-                        <a:rPr lang="en-US" dirty="0" smtClean="0"/>
-                        <a:t>Thinking Rationally</a:t>
-                      </a:r>
-                      <a:endParaRPr lang="en-US" dirty="0"/>
-                    </a:p>
-                  </a:txBody>
-                  <a:tcPr/>
-                </a:tc>
-                <a:tc>
-                  <a:txBody>
-                    <a:bodyPr/>
-                    <a:lstStyle/>
-                    <a:p>
-                      <a:pPr algn="ctr"/>
-                      <a:r>
-                        <a:rPr lang="en-US" dirty="0" smtClean="0"/>
-                        <a:t>Thinking</a:t>
-                      </a:r>
-                      <a:r>
-                        <a:rPr lang="en-US" baseline="0" dirty="0" smtClean="0"/>
-                        <a:t> Humanly</a:t>
-                      </a:r>
-                      <a:endParaRPr lang="en-US" dirty="0"/>
-                    </a:p>
-                  </a:txBody>
-                  <a:tcPr/>
-                </a:tc>
-              </a:tr>
-            </a:tbl>
-          </a:graphicData>
-        </a:graphic>
-      </p:graphicFrame>
-      <p:sp>
-        <p:nvSpPr>
-          <p:cNvPr id="7" name="Oval 6"/>
-          <p:cNvSpPr/>
-          <p:nvPr/>
-        </p:nvSpPr>
-        <p:spPr>
-          <a:xfrm>
-            <a:off x="2772462" y="2175097"/>
-            <a:ext cx="3065172" cy="817807"/>
-          </a:xfrm>
-          <a:prstGeom prst="ellipse">
-            <a:avLst/>
-          </a:prstGeom>
-          <a:noFill/>
-          <a:ln w="38100">
-            <a:solidFill>
-              <a:srgbClr val="FFC000"/>
-            </a:solidFill>
-          </a:ln>
-        </p:spPr>
-        <p:style>
-          <a:lnRef idx="2">
-            <a:schemeClr val="accent1">
-              <a:shade val="50000"/>
-            </a:schemeClr>
-          </a:lnRef>
-          <a:fillRef idx="1">
-            <a:schemeClr val="accent1"/>
-          </a:fillRef>
-          <a:effectRef idx="0">
-            <a:schemeClr val="accent1"/>
-          </a:effectRef>
-          <a:fontRef idx="minor">
-            <a:schemeClr val="lt1"/>
-          </a:fontRef>
-        </p:style>
-        <p:txBody>
-          <a:bodyPr rtlCol="0" anchor="ctr"/>
-          <a:lstStyle/>
-          <a:p>
-            <a:pPr algn="ctr"/>
-            <a:endParaRPr lang="en-US"/>
-          </a:p>
-        </p:txBody>
-      </p:sp>
       <p:sp>
         <p:nvSpPr>
           <p:cNvPr id="8" name="Title 1"/>
@@ -5918,7 +5771,7 @@
         </p:spPr>
         <p:txBody>
           <a:bodyPr vert="horz" lIns="91440" tIns="45720" rIns="91440" bIns="45720" rtlCol="0" anchor="ctr">
-            <a:normAutofit fontScale="92500"/>
+            <a:normAutofit fontScale="77500" lnSpcReduction="20000"/>
           </a:bodyPr>
           <a:lstStyle>
             <a:lvl1pPr algn="l" defTabSz="457200" rtl="0" eaLnBrk="1" latinLnBrk="0" hangingPunct="1">
@@ -6012,7 +5865,7 @@
           <a:p>
             <a:r>
               <a:rPr lang="en-US" sz="4000" dirty="0" smtClean="0"/>
-              <a:t>Cognitive Models that “Think Humanly”</a:t>
+              <a:t>Computational Models based on Cognitive Systems</a:t>
             </a:r>
             <a:endParaRPr lang="en-US" sz="4000" dirty="0"/>
           </a:p>
@@ -6028,7 +5881,7 @@
         </p:nvSpPr>
         <p:spPr>
           <a:xfrm>
-            <a:off x="484188" y="2774434"/>
+            <a:off x="484188" y="665080"/>
             <a:ext cx="9905998" cy="3477297"/>
           </a:xfrm>
           <a:prstGeom prst="rect">
@@ -6366,19 +6219,17 @@
             </a:lvl9pPr>
           </a:lstStyle>
           <a:p>
-            <a:r>
-              <a:rPr lang="en-US" sz="2400" dirty="0" smtClean="0"/>
-              <a:t>Our Research deals with Thinking Humanly</a:t>
-            </a:r>
-          </a:p>
-          <a:p>
             <a:pPr>
               <a:buFont typeface="Arial" panose="020B0604020202020204" pitchFamily="34" charset="0"/>
               <a:buChar char="•"/>
             </a:pPr>
             <a:r>
+              <a:rPr lang="en-US" sz="2400" dirty="0" smtClean="0"/>
+              <a:t>Computational </a:t>
+            </a:r>
+            <a:r>
               <a:rPr lang="en-US" sz="2400" dirty="0"/>
-              <a:t>Computational Models based on Human Brain</a:t>
+              <a:t>Models based on Human Brain</a:t>
             </a:r>
           </a:p>
           <a:p>
@@ -6404,37 +6255,6 @@
               <a:rPr lang="en-US" sz="2400" dirty="0" smtClean="0"/>
               <a:t>problems</a:t>
             </a:r>
-            <a:endParaRPr lang="en-US" sz="2400" dirty="0" smtClean="0"/>
-          </a:p>
-        </p:txBody>
-      </p:sp>
-      <p:sp>
-        <p:nvSpPr>
-          <p:cNvPr id="2" name="TextBox 1"/>
-          <p:cNvSpPr txBox="1"/>
-          <p:nvPr/>
-        </p:nvSpPr>
-        <p:spPr>
-          <a:xfrm>
-            <a:off x="484188" y="1302744"/>
-            <a:ext cx="5182113" cy="369332"/>
-          </a:xfrm>
-          <a:prstGeom prst="rect">
-            <a:avLst/>
-          </a:prstGeom>
-          <a:noFill/>
-        </p:spPr>
-        <p:txBody>
-          <a:bodyPr wrap="square" rtlCol="0">
-            <a:spAutoFit/>
-          </a:bodyPr>
-          <a:lstStyle/>
-          <a:p>
-            <a:r>
-              <a:rPr lang="en-US" dirty="0" smtClean="0"/>
-              <a:t>Four corners of AI*</a:t>
-            </a:r>
-            <a:endParaRPr lang="en-US" dirty="0"/>
           </a:p>
         </p:txBody>
       </p:sp>
@@ -6510,38 +6330,8 @@
         </p:blipFill>
         <p:spPr>
           <a:xfrm>
-            <a:off x="9732961" y="1165950"/>
+            <a:off x="2737738" y="3559138"/>
             <a:ext cx="1314450" cy="2219325"/>
-          </a:xfrm>
-          <a:prstGeom prst="rect">
-            <a:avLst/>
-          </a:prstGeom>
-        </p:spPr>
-      </p:pic>
-      <p:pic>
-        <p:nvPicPr>
-          <p:cNvPr id="5" name="Picture 4"/>
-          <p:cNvPicPr>
-            <a:picLocks noChangeAspect="1"/>
-          </p:cNvPicPr>
-          <p:nvPr/>
-        </p:nvPicPr>
-        <p:blipFill>
-          <a:blip r:embed="rId3">
-            <a:extLst>
-              <a:ext uri="{28A0092B-C50C-407E-A947-70E740481C1C}">
-                <a14:useLocalDpi xmlns:a14="http://schemas.microsoft.com/office/drawing/2010/main" val="0"/>
-              </a:ext>
-            </a:extLst>
-          </a:blip>
-          <a:stretch>
-            <a:fillRect/>
-          </a:stretch>
-        </p:blipFill>
-        <p:spPr>
-          <a:xfrm>
-            <a:off x="7270527" y="1252611"/>
-            <a:ext cx="1308947" cy="1738110"/>
           </a:xfrm>
           <a:prstGeom prst="rect">
             <a:avLst/>
@@ -6557,7 +6347,7 @@
           <p:nvPr/>
         </p:nvPicPr>
         <p:blipFill rotWithShape="1">
-          <a:blip r:embed="rId4">
+          <a:blip r:embed="rId3">
             <a:extLst>
               <a:ext uri="{28A0092B-C50C-407E-A947-70E740481C1C}">
                 <a14:useLocalDpi xmlns:a14="http://schemas.microsoft.com/office/drawing/2010/main" val="0"/>
@@ -6569,8 +6359,38 @@
         </p:blipFill>
         <p:spPr>
           <a:xfrm>
-            <a:off x="8085021" y="3981825"/>
+            <a:off x="7088722" y="3777949"/>
             <a:ext cx="2633778" cy="2000514"/>
+          </a:xfrm>
+          <a:prstGeom prst="rect">
+            <a:avLst/>
+          </a:prstGeom>
+        </p:spPr>
+      </p:pic>
+      <p:pic>
+        <p:nvPicPr>
+          <p:cNvPr id="12" name="Picture 11"/>
+          <p:cNvPicPr>
+            <a:picLocks noChangeAspect="1"/>
+          </p:cNvPicPr>
+          <p:nvPr/>
+        </p:nvPicPr>
+        <p:blipFill>
+          <a:blip r:embed="rId4">
+            <a:extLst>
+              <a:ext uri="{28A0092B-C50C-407E-A947-70E740481C1C}">
+                <a14:useLocalDpi xmlns:a14="http://schemas.microsoft.com/office/drawing/2010/main" val="0"/>
+              </a:ext>
+            </a:extLst>
+          </a:blip>
+          <a:stretch>
+            <a:fillRect/>
+          </a:stretch>
+        </p:blipFill>
+        <p:spPr>
+          <a:xfrm>
+            <a:off x="8229978" y="822826"/>
+            <a:ext cx="2817433" cy="1746343"/>
           </a:xfrm>
           <a:prstGeom prst="rect">
             <a:avLst/>
@@ -6590,88 +6410,9 @@
   <p:timing>
     <p:tnLst>
       <p:par>
-        <p:cTn id="1" dur="indefinite" restart="never" nodeType="tmRoot">
-          <p:childTnLst>
-            <p:seq concurrent="1" nextAc="seek">
-              <p:cTn id="2" dur="indefinite" nodeType="mainSeq">
-                <p:childTnLst>
-                  <p:par>
-                    <p:cTn id="3" fill="hold">
-                      <p:stCondLst>
-                        <p:cond delay="indefinite"/>
-                      </p:stCondLst>
-                      <p:childTnLst>
-                        <p:par>
-                          <p:cTn id="4" fill="hold">
-                            <p:stCondLst>
-                              <p:cond delay="0"/>
-                            </p:stCondLst>
-                            <p:childTnLst>
-                              <p:par>
-                                <p:cTn id="5" presetID="21" presetClass="entr" presetSubtype="1" fill="hold" grpId="0" nodeType="clickEffect">
-                                  <p:stCondLst>
-                                    <p:cond delay="0"/>
-                                  </p:stCondLst>
-                                  <p:childTnLst>
-                                    <p:set>
-                                      <p:cBhvr>
-                                        <p:cTn id="6" dur="1" fill="hold">
-                                          <p:stCondLst>
-                                            <p:cond delay="0"/>
-                                          </p:stCondLst>
-                                        </p:cTn>
-                                        <p:tgtEl>
-                                          <p:spTgt spid="7"/>
-                                        </p:tgtEl>
-                                        <p:attrNameLst>
-                                          <p:attrName>style.visibility</p:attrName>
-                                        </p:attrNameLst>
-                                      </p:cBhvr>
-                                      <p:to>
-                                        <p:strVal val="visible"/>
-                                      </p:to>
-                                    </p:set>
-                                    <p:animEffect transition="in" filter="wheel(1)">
-                                      <p:cBhvr>
-                                        <p:cTn id="7" dur="750"/>
-                                        <p:tgtEl>
-                                          <p:spTgt spid="7"/>
-                                        </p:tgtEl>
-                                      </p:cBhvr>
-                                    </p:animEffect>
-                                  </p:childTnLst>
-                                </p:cTn>
-                              </p:par>
-                            </p:childTnLst>
-                          </p:cTn>
-                        </p:par>
-                      </p:childTnLst>
-                    </p:cTn>
-                  </p:par>
-                </p:childTnLst>
-              </p:cTn>
-              <p:prevCondLst>
-                <p:cond evt="onPrev" delay="0">
-                  <p:tgtEl>
-                    <p:sldTgt/>
-                  </p:tgtEl>
-                </p:cond>
-              </p:prevCondLst>
-              <p:nextCondLst>
-                <p:cond evt="onNext" delay="0">
-                  <p:tgtEl>
-                    <p:sldTgt/>
-                  </p:tgtEl>
-                </p:cond>
-              </p:nextCondLst>
-            </p:seq>
-          </p:childTnLst>
-        </p:cTn>
+        <p:cTn id="1" dur="indefinite" restart="never" nodeType="tmRoot"/>
       </p:par>
     </p:tnLst>
-    <p:bldLst>
-      <p:bldP spid="7" grpId="0" animBg="1"/>
-    </p:bldLst>
   </p:timing>
 </p:sld>
 </file>
@@ -6836,31 +6577,14 @@
           <a:p>
             <a:r>
               <a:rPr lang="en-US" sz="2400" dirty="0" smtClean="0"/>
-              <a:t>A Neural Network to mimic </a:t>
-            </a:r>
-            <a:r>
-              <a:rPr lang="en-US" sz="2400" dirty="0" smtClean="0"/>
-              <a:t>human </a:t>
-            </a:r>
-            <a:r>
-              <a:rPr lang="en-US" sz="2400" dirty="0" smtClean="0"/>
-              <a:t>working memory</a:t>
-            </a:r>
-            <a:endParaRPr lang="en-US" sz="2400" dirty="0" smtClean="0"/>
+              <a:t>A Neural Network to mimic human working memory</a:t>
+            </a:r>
           </a:p>
           <a:p>
             <a:pPr lvl="1"/>
             <a:r>
               <a:rPr lang="en-US" sz="2200" dirty="0" smtClean="0"/>
-              <a:t>Stores </a:t>
-            </a:r>
-            <a:r>
-              <a:rPr lang="en-US" sz="2200" dirty="0" smtClean="0"/>
-              <a:t>info </a:t>
-            </a:r>
-            <a:r>
-              <a:rPr lang="en-US" sz="2200" dirty="0" smtClean="0"/>
-              <a:t>from percepts that “looks promising”</a:t>
+              <a:t>Stores info from percepts that “looks promising”</a:t>
             </a:r>
           </a:p>
           <a:p>
@@ -6869,17 +6593,12 @@
               <a:rPr lang="en-US" sz="2200" dirty="0" smtClean="0"/>
               <a:t>Classifies “useful” information</a:t>
             </a:r>
-            <a:endParaRPr lang="en-US" sz="2200" dirty="0" smtClean="0"/>
           </a:p>
           <a:p>
             <a:pPr lvl="1"/>
             <a:r>
               <a:rPr lang="en-US" sz="2200" dirty="0" smtClean="0"/>
-              <a:t>Discards </a:t>
-            </a:r>
-            <a:r>
-              <a:rPr lang="en-US" sz="2200" dirty="0" smtClean="0"/>
-              <a:t>info when no longer in use</a:t>
+              <a:t>Discards info when no longer in use</a:t>
             </a:r>
             <a:endParaRPr lang="en-US" sz="2400" dirty="0" smtClean="0"/>
           </a:p>
@@ -6915,9 +6634,85 @@
           </a:prstGeom>
         </p:spPr>
       </p:pic>
+      <p:sp>
+        <p:nvSpPr>
+          <p:cNvPr id="6" name="TextBox 5"/>
+          <p:cNvSpPr txBox="1"/>
+          <p:nvPr/>
+        </p:nvSpPr>
+        <p:spPr>
+          <a:xfrm>
+            <a:off x="4314423" y="5806135"/>
+            <a:ext cx="7877577" cy="1169551"/>
+          </a:xfrm>
+          <a:prstGeom prst="rect">
+            <a:avLst/>
+          </a:prstGeom>
+          <a:noFill/>
+        </p:spPr>
+        <p:txBody>
+          <a:bodyPr wrap="square" rtlCol="0">
+            <a:spAutoFit/>
+          </a:bodyPr>
+          <a:lstStyle/>
+          <a:p>
+            <a:r>
+              <a:rPr lang="en-US" sz="1400" dirty="0"/>
+              <a:t>“Working Memory, Reading, and Dyslexia”, Baddeley, 1986</a:t>
+            </a:r>
+            <a:r>
+              <a:rPr lang="en-US" sz="1400" dirty="0" smtClean="0"/>
+              <a:t>.</a:t>
+            </a:r>
+          </a:p>
+          <a:p>
+            <a:r>
+              <a:rPr lang="en-US" sz="1400" dirty="0"/>
+              <a:t>“A Biologically Inspired Working Memory Framework for Robots”, Phillips and Noelle, 2005</a:t>
+            </a:r>
+            <a:r>
+              <a:rPr lang="en-US" sz="1400" dirty="0" smtClean="0"/>
+              <a:t>.</a:t>
+            </a:r>
+            <a:endParaRPr lang="en-US" sz="1400" dirty="0"/>
+          </a:p>
+          <a:p>
+            <a:r>
+              <a:rPr lang="en-US" sz="1400" dirty="0" smtClean="0"/>
+              <a:t>“</a:t>
+            </a:r>
+            <a:r>
+              <a:rPr lang="en-US" sz="1400" dirty="0"/>
+              <a:t>Primary Memory”, Norman and Waugh, 1965</a:t>
+            </a:r>
+            <a:r>
+              <a:rPr lang="en-US" sz="1400" dirty="0" smtClean="0"/>
+              <a:t>.</a:t>
+            </a:r>
+            <a:endParaRPr lang="en-US" sz="1400" dirty="0"/>
+          </a:p>
+          <a:p>
+            <a:r>
+              <a:rPr lang="en-US" sz="1400" dirty="0" smtClean="0"/>
+              <a:t>“Prefrontal Cortex and Dynamic Categorization of Tasks…”, </a:t>
+            </a:r>
+            <a:r>
+              <a:rPr lang="en-US" sz="1400" dirty="0" err="1" smtClean="0"/>
+              <a:t>O’rielly</a:t>
+            </a:r>
+            <a:r>
+              <a:rPr lang="en-US" sz="1400" dirty="0" smtClean="0"/>
+              <a:t> et al., 2002.</a:t>
+            </a:r>
+          </a:p>
+          <a:p>
+            <a:endParaRPr lang="en-US" sz="1400" dirty="0" smtClean="0"/>
+          </a:p>
+        </p:txBody>
+      </p:sp>
       <p:pic>
         <p:nvPicPr>
-          <p:cNvPr id="4" name="Picture 3"/>
+          <p:cNvPr id="8" name="Picture 7"/>
           <p:cNvPicPr>
             <a:picLocks noChangeAspect="1"/>
           </p:cNvPicPr>
@@ -6937,114 +6732,8 @@
         </p:blipFill>
         <p:spPr>
           <a:xfrm>
-            <a:off x="8975008" y="352913"/>
-            <a:ext cx="2817433" cy="1746343"/>
-          </a:xfrm>
-          <a:prstGeom prst="rect">
-            <a:avLst/>
-          </a:prstGeom>
-        </p:spPr>
-      </p:pic>
-      <p:sp>
-        <p:nvSpPr>
-          <p:cNvPr id="6" name="TextBox 5"/>
-          <p:cNvSpPr txBox="1"/>
-          <p:nvPr/>
-        </p:nvSpPr>
-        <p:spPr>
-          <a:xfrm>
-            <a:off x="4314423" y="5806135"/>
-            <a:ext cx="7877577" cy="1169551"/>
-          </a:xfrm>
-          <a:prstGeom prst="rect">
-            <a:avLst/>
-          </a:prstGeom>
-          <a:noFill/>
-        </p:spPr>
-        <p:txBody>
-          <a:bodyPr wrap="square" rtlCol="0">
-            <a:spAutoFit/>
-          </a:bodyPr>
-          <a:lstStyle/>
-          <a:p>
-            <a:r>
-              <a:rPr lang="en-US" sz="1400" dirty="0"/>
-              <a:t>“Working Memory, Reading, and Dyslexia”, Baddeley, 1986</a:t>
-            </a:r>
-            <a:r>
-              <a:rPr lang="en-US" sz="1400" dirty="0" smtClean="0"/>
-              <a:t>.</a:t>
-            </a:r>
-          </a:p>
-          <a:p>
-            <a:r>
-              <a:rPr lang="en-US" sz="1400" dirty="0"/>
-              <a:t>“A Biologically Inspired Working Memory Framework for Robots”, Phillips and Noelle, 2005</a:t>
-            </a:r>
-            <a:r>
-              <a:rPr lang="en-US" sz="1400" dirty="0" smtClean="0"/>
-              <a:t>.</a:t>
-            </a:r>
-            <a:endParaRPr lang="en-US" sz="1400" dirty="0"/>
-          </a:p>
-          <a:p>
-            <a:r>
-              <a:rPr lang="en-US" sz="1400" dirty="0" smtClean="0"/>
-              <a:t>“</a:t>
-            </a:r>
-            <a:r>
-              <a:rPr lang="en-US" sz="1400" dirty="0"/>
-              <a:t>Primary Memory”, Norman and Waugh, 1965</a:t>
-            </a:r>
-            <a:r>
-              <a:rPr lang="en-US" sz="1400" dirty="0" smtClean="0"/>
-              <a:t>.</a:t>
-            </a:r>
-            <a:endParaRPr lang="en-US" sz="1400" dirty="0"/>
-          </a:p>
-          <a:p>
-            <a:r>
-              <a:rPr lang="en-US" sz="1400" dirty="0" smtClean="0"/>
-              <a:t>“Prefrontal Cortex and Dynamic Categorization of Tasks…”, </a:t>
-            </a:r>
-            <a:r>
-              <a:rPr lang="en-US" sz="1400" dirty="0" err="1" smtClean="0"/>
-              <a:t>O’rielly</a:t>
-            </a:r>
-            <a:r>
-              <a:rPr lang="en-US" sz="1400" dirty="0" smtClean="0"/>
-              <a:t> et al., 2002.</a:t>
-            </a:r>
-          </a:p>
-          <a:p>
-            <a:endParaRPr lang="en-US" sz="1400" dirty="0" smtClean="0"/>
-          </a:p>
-        </p:txBody>
-      </p:sp>
-      <p:pic>
-        <p:nvPicPr>
-          <p:cNvPr id="8" name="Picture 7"/>
-          <p:cNvPicPr>
-            <a:picLocks noChangeAspect="1"/>
-          </p:cNvPicPr>
-          <p:nvPr/>
-        </p:nvPicPr>
-        <p:blipFill>
-          <a:blip r:embed="rId4">
-            <a:extLst>
-              <a:ext uri="{28A0092B-C50C-407E-A947-70E740481C1C}">
-                <a14:useLocalDpi xmlns:a14="http://schemas.microsoft.com/office/drawing/2010/main" val="0"/>
-              </a:ext>
-            </a:extLst>
-          </a:blip>
-          <a:stretch>
-            <a:fillRect/>
-          </a:stretch>
-        </p:blipFill>
-        <p:spPr>
-          <a:xfrm>
-            <a:off x="7160654" y="2382847"/>
-            <a:ext cx="4631787" cy="3410010"/>
+            <a:off x="6860341" y="1506069"/>
+            <a:ext cx="4766729" cy="3509357"/>
           </a:xfrm>
           <a:prstGeom prst="rect">
             <a:avLst/>
@@ -7225,8 +6914,8 @@
         </p:nvSpPr>
         <p:spPr>
           <a:xfrm>
-            <a:off x="515155" y="1086437"/>
-            <a:ext cx="6130345" cy="1862608"/>
+            <a:off x="515154" y="1015820"/>
+            <a:ext cx="11257745" cy="1862608"/>
           </a:xfrm>
           <a:prstGeom prst="rect">
             <a:avLst/>
@@ -7565,60 +7254,18 @@
           <a:p>
             <a:r>
               <a:rPr lang="en-US" sz="2200" dirty="0" smtClean="0"/>
-              <a:t>Humans </a:t>
-            </a:r>
+              <a:t>Humans consciously think of concepts symbolically</a:t>
+            </a:r>
+          </a:p>
+          <a:p>
             <a:r>
               <a:rPr lang="en-US" sz="2200" dirty="0" smtClean="0"/>
-              <a:t>consciously think </a:t>
-            </a:r>
-            <a:r>
-              <a:rPr lang="en-US" sz="2200" dirty="0" smtClean="0"/>
-              <a:t>of concepts symbolically</a:t>
-            </a:r>
-          </a:p>
-          <a:p>
-            <a:r>
-              <a:rPr lang="en-US" sz="2200" dirty="0" smtClean="0"/>
-              <a:t>Computers have no concept of… </a:t>
-            </a:r>
-            <a:r>
-              <a:rPr lang="en-US" sz="2200" dirty="0" smtClean="0"/>
-              <a:t>concepts</a:t>
+              <a:t>Computers have no concept of… concepts</a:t>
             </a:r>
             <a:endParaRPr lang="en-US" sz="2200" dirty="0"/>
           </a:p>
         </p:txBody>
       </p:sp>
-      <p:pic>
-        <p:nvPicPr>
-          <p:cNvPr id="12" name="Picture 11"/>
-          <p:cNvPicPr>
-            <a:picLocks noChangeAspect="1"/>
-          </p:cNvPicPr>
-          <p:nvPr/>
-        </p:nvPicPr>
-        <p:blipFill>
-          <a:blip r:embed="rId2">
-            <a:extLst>
-              <a:ext uri="{28A0092B-C50C-407E-A947-70E740481C1C}">
-                <a14:useLocalDpi xmlns:a14="http://schemas.microsoft.com/office/drawing/2010/main" val="0"/>
-              </a:ext>
-            </a:extLst>
-          </a:blip>
-          <a:stretch>
-            <a:fillRect/>
-          </a:stretch>
-        </p:blipFill>
-        <p:spPr>
-          <a:xfrm>
-            <a:off x="6645500" y="1506829"/>
-            <a:ext cx="5258908" cy="4725142"/>
-          </a:xfrm>
-          <a:prstGeom prst="rect">
-            <a:avLst/>
-          </a:prstGeom>
-        </p:spPr>
-      </p:pic>
       <p:sp>
         <p:nvSpPr>
           <p:cNvPr id="13" name="Rectangle 12"/>
@@ -7627,8 +7274,8 @@
         </p:nvSpPr>
         <p:spPr>
           <a:xfrm>
-            <a:off x="515155" y="2940711"/>
-            <a:ext cx="5885645" cy="646331"/>
+            <a:off x="3086903" y="4244193"/>
+            <a:ext cx="6692097" cy="830997"/>
           </a:xfrm>
           <a:prstGeom prst="rect">
             <a:avLst/>
@@ -7643,7 +7290,7 @@
           <a:p>
             <a:pPr algn="ctr"/>
             <a:r>
-              <a:rPr lang="en-US" sz="3600" b="0" cap="none" spc="0" dirty="0" smtClean="0">
+              <a:rPr lang="en-US" sz="4800" b="0" cap="none" spc="0" dirty="0" smtClean="0">
                 <a:ln w="0"/>
                 <a:solidFill>
                   <a:schemeClr val="accent1"/>
@@ -7656,9 +7303,57 @@
                   </a:outerShdw>
                 </a:effectLst>
               </a:rPr>
-              <a:t>[ 0, 0, 1, 0, 0, 1, 0, 0, 0, 0 ]</a:t>
-            </a:r>
-            <a:endParaRPr lang="en-US" sz="3600" b="0" cap="none" spc="0" dirty="0">
+              <a:t>[ 0, 0, 1, 0, </a:t>
+            </a:r>
+            <a:r>
+              <a:rPr lang="en-US" sz="4800" b="0" cap="none" spc="0" dirty="0" smtClean="0">
+                <a:ln w="0"/>
+                <a:solidFill>
+                  <a:schemeClr val="accent1"/>
+                </a:solidFill>
+                <a:effectLst>
+                  <a:outerShdw blurRad="38100" dist="25400" dir="5400000" algn="ctr" rotWithShape="0">
+                    <a:srgbClr val="6E747A">
+                      <a:alpha val="43000"/>
+                    </a:srgbClr>
+                  </a:outerShdw>
+                </a:effectLst>
+              </a:rPr>
+              <a:t>1</a:t>
+            </a:r>
+            <a:r>
+              <a:rPr lang="en-US" sz="4800" b="0" cap="none" spc="0" dirty="0" smtClean="0">
+                <a:ln w="0"/>
+                <a:solidFill>
+                  <a:schemeClr val="accent1"/>
+                </a:solidFill>
+                <a:effectLst>
+                  <a:outerShdw blurRad="38100" dist="25400" dir="5400000" algn="ctr" rotWithShape="0">
+                    <a:srgbClr val="6E747A">
+                      <a:alpha val="43000"/>
+                    </a:srgbClr>
+                  </a:outerShdw>
+                </a:effectLst>
+              </a:rPr>
+              <a:t>, 0, 0, </a:t>
+            </a:r>
+            <a:r>
+              <a:rPr lang="en-US" sz="4800" b="0" cap="none" spc="0" dirty="0" smtClean="0">
+                <a:ln w="0"/>
+                <a:solidFill>
+                  <a:schemeClr val="accent1"/>
+                </a:solidFill>
+                <a:effectLst>
+                  <a:outerShdw blurRad="38100" dist="25400" dir="5400000" algn="ctr" rotWithShape="0">
+                    <a:srgbClr val="6E747A">
+                      <a:alpha val="43000"/>
+                    </a:srgbClr>
+                  </a:outerShdw>
+                </a:effectLst>
+              </a:rPr>
+              <a:t>0] = </a:t>
+            </a:r>
+            <a:endParaRPr lang="en-US" sz="4800" b="0" cap="none" spc="0" dirty="0">
               <a:ln w="0"/>
               <a:solidFill>
                 <a:schemeClr val="accent1"/>
@@ -7684,8 +7379,8 @@
         </p:nvSpPr>
         <p:spPr>
           <a:xfrm>
-            <a:off x="515154" y="4947509"/>
-            <a:ext cx="6130345" cy="1284462"/>
+            <a:off x="515155" y="5300800"/>
+            <a:ext cx="11257744" cy="1284462"/>
           </a:xfrm>
           <a:prstGeom prst="rect">
             <a:avLst/>
@@ -8024,13 +7719,105 @@
           <a:p>
             <a:r>
               <a:rPr lang="en-US" sz="2800" dirty="0" smtClean="0"/>
-              <a:t>Problem: representations have to be hand written by the researcher for every </a:t>
+              <a:t>Problem: </a:t>
             </a:r>
             <a:r>
               <a:rPr lang="en-US" sz="2800" dirty="0" smtClean="0"/>
-              <a:t>task</a:t>
+              <a:t>User has to design code to manually encode every concept</a:t>
             </a:r>
             <a:endParaRPr lang="en-US" sz="2800" dirty="0" smtClean="0"/>
+          </a:p>
+        </p:txBody>
+      </p:sp>
+      <p:pic>
+        <p:nvPicPr>
+          <p:cNvPr id="2" name="Picture 1"/>
+          <p:cNvPicPr>
+            <a:picLocks noChangeAspect="1"/>
+          </p:cNvPicPr>
+          <p:nvPr/>
+        </p:nvPicPr>
+        <p:blipFill>
+          <a:blip r:embed="rId2">
+            <a:extLst>
+              <a:ext uri="{BEBA8EAE-BF5A-486C-A8C5-ECC9F3942E4B}">
+                <a14:imgProps xmlns:a14="http://schemas.microsoft.com/office/drawing/2010/main">
+                  <a14:imgLayer r:embed="rId3">
+                    <a14:imgEffect>
+                      <a14:backgroundRemoval t="0" b="100000" l="0" r="100000">
+                        <a14:foregroundMark x1="2174" y1="65217" x2="97981" y2="63587"/>
+                        <a14:foregroundMark x1="621" y1="22283" x2="99534" y2="23913"/>
+                        <a14:foregroundMark x1="87267" y1="31522" x2="98137" y2="35326"/>
+                        <a14:backgroundMark x1="3106" y1="86957" x2="97360" y2="86413"/>
+                      </a14:backgroundRemoval>
+                    </a14:imgEffect>
+                  </a14:imgLayer>
+                </a14:imgProps>
+              </a:ext>
+              <a:ext uri="{28A0092B-C50C-407E-A947-70E740481C1C}">
+                <a14:useLocalDpi xmlns:a14="http://schemas.microsoft.com/office/drawing/2010/main" val="0"/>
+              </a:ext>
+            </a:extLst>
+          </a:blip>
+          <a:stretch>
+            <a:fillRect/>
+          </a:stretch>
+        </p:blipFill>
+        <p:spPr>
+          <a:xfrm>
+            <a:off x="3270650" y="2900029"/>
+            <a:ext cx="5746750" cy="1641929"/>
+          </a:xfrm>
+          <a:prstGeom prst="rect">
+            <a:avLst/>
+          </a:prstGeom>
+        </p:spPr>
+      </p:pic>
+      <p:sp>
+        <p:nvSpPr>
+          <p:cNvPr id="3" name="Oval 2"/>
+          <p:cNvSpPr/>
+          <p:nvPr/>
+        </p:nvSpPr>
+        <p:spPr>
+          <a:xfrm>
+            <a:off x="9779000" y="4312846"/>
+            <a:ext cx="711200" cy="693690"/>
+          </a:xfrm>
+          <a:prstGeom prst="ellipse">
+            <a:avLst/>
+          </a:prstGeom>
+          <a:solidFill>
+            <a:srgbClr val="FF0000"/>
+          </a:solidFill>
+          <a:ln>
+            <a:solidFill>
+              <a:schemeClr val="bg1"/>
+            </a:solidFill>
+          </a:ln>
+        </p:spPr>
+        <p:style>
+          <a:lnRef idx="2">
+            <a:schemeClr val="accent1">
+              <a:shade val="50000"/>
+            </a:schemeClr>
+          </a:lnRef>
+          <a:fillRef idx="1">
+            <a:schemeClr val="accent1"/>
+          </a:fillRef>
+          <a:effectRef idx="0">
+            <a:schemeClr val="accent1"/>
+          </a:effectRef>
+          <a:fontRef idx="minor">
+            <a:schemeClr val="lt1"/>
+          </a:fontRef>
+        </p:style>
+        <p:txBody>
+          <a:bodyPr rtlCol="0" anchor="ctr"/>
+          <a:lstStyle/>
+          <a:p>
+            <a:pPr algn="ctr"/>
+            <a:endParaRPr lang="en-US"/>
           </a:p>
         </p:txBody>
       </p:sp>
@@ -8125,11 +7912,7 @@
           <a:p>
             <a:r>
               <a:rPr lang="en-US" sz="2400" dirty="0" smtClean="0"/>
-              <a:t>A </a:t>
-            </a:r>
-            <a:r>
-              <a:rPr lang="en-US" sz="2400" dirty="0" smtClean="0"/>
-              <a:t>vector of Gaussian numbers typically between -1.0 and 1.0</a:t>
+              <a:t>A vector of Gaussian numbers typically between -1.0 and 1.0</a:t>
             </a:r>
             <a:endParaRPr lang="en-US" sz="2400" dirty="0"/>
           </a:p>
@@ -8153,7 +7936,6 @@
               <a:rPr lang="en-US" sz="2200" dirty="0" smtClean="0"/>
               <a:t>Representation</a:t>
             </a:r>
-            <a:endParaRPr lang="en-US" sz="2200" dirty="0" smtClean="0"/>
           </a:p>
         </p:txBody>
       </p:sp>

--- a/HRRfWMCE.pptx
+++ b/HRRfWMCE.pptx
@@ -178,7 +178,7 @@
           </a:lstStyle>
           <a:p>
             <a:r>
-              <a:rPr lang="en-US" smtClean="0"/>
+              <a:rPr lang="en-US"/>
               <a:t>Click to edit Master title style</a:t>
             </a:r>
             <a:endParaRPr lang="en-US" dirty="0"/>
@@ -297,7 +297,7 @@
           </a:lstStyle>
           <a:p>
             <a:r>
-              <a:rPr lang="en-US" smtClean="0"/>
+              <a:rPr lang="en-US"/>
               <a:t>Click to edit Master subtitle style</a:t>
             </a:r>
             <a:endParaRPr lang="en-US" dirty="0"/>
@@ -322,7 +322,7 @@
             <a:fld id="{B61BEF0D-F0BB-DE4B-95CE-6DB70DBA9567}" type="datetimeFigureOut">
               <a:rPr lang="en-US" dirty="0"/>
               <a:pPr/>
-              <a:t>11/7/2016</a:t>
+              <a:t>11/20/2016</a:t>
             </a:fld>
             <a:endParaRPr lang="en-US" dirty="0"/>
           </a:p>
@@ -423,7 +423,7 @@
           </a:lstStyle>
           <a:p>
             <a:r>
-              <a:rPr lang="en-US" smtClean="0"/>
+              <a:rPr lang="en-US"/>
               <a:t>Click to edit Master title style</a:t>
             </a:r>
             <a:endParaRPr lang="en-US" dirty="0"/>
@@ -518,7 +518,7 @@
           </a:lstStyle>
           <a:p>
             <a:r>
-              <a:rPr lang="en-US" smtClean="0"/>
+              <a:rPr lang="en-US"/>
               <a:t>Click icon to add picture</a:t>
             </a:r>
             <a:endParaRPr lang="en-US" dirty="0"/>
@@ -586,7 +586,7 @@
           <a:p>
             <a:pPr lvl="0"/>
             <a:r>
-              <a:rPr lang="en-US" smtClean="0"/>
+              <a:rPr lang="en-US"/>
               <a:t>Click to edit Master text styles</a:t>
             </a:r>
           </a:p>
@@ -610,7 +610,7 @@
             <a:fld id="{B61BEF0D-F0BB-DE4B-95CE-6DB70DBA9567}" type="datetimeFigureOut">
               <a:rPr lang="en-US" dirty="0"/>
               <a:pPr/>
-              <a:t>11/7/2016</a:t>
+              <a:t>11/20/2016</a:t>
             </a:fld>
             <a:endParaRPr lang="en-US" dirty="0"/>
           </a:p>
@@ -711,7 +711,7 @@
           </a:lstStyle>
           <a:p>
             <a:r>
-              <a:rPr lang="en-US" smtClean="0"/>
+              <a:rPr lang="en-US"/>
               <a:t>Click to edit Master title style</a:t>
             </a:r>
             <a:endParaRPr lang="en-US" dirty="0"/>
@@ -831,7 +831,7 @@
           <a:p>
             <a:pPr lvl="0"/>
             <a:r>
-              <a:rPr lang="en-US" smtClean="0"/>
+              <a:rPr lang="en-US"/>
               <a:t>Click to edit Master text styles</a:t>
             </a:r>
           </a:p>
@@ -855,7 +855,7 @@
             <a:fld id="{B61BEF0D-F0BB-DE4B-95CE-6DB70DBA9567}" type="datetimeFigureOut">
               <a:rPr lang="en-US" dirty="0"/>
               <a:pPr/>
-              <a:t>11/7/2016</a:t>
+              <a:t>11/20/2016</a:t>
             </a:fld>
             <a:endParaRPr lang="en-US" dirty="0"/>
           </a:p>
@@ -1190,7 +1190,7 @@
           </a:lstStyle>
           <a:p>
             <a:r>
-              <a:rPr lang="en-US" smtClean="0"/>
+              <a:rPr lang="en-US"/>
               <a:t>Click to edit Master title style</a:t>
             </a:r>
             <a:endParaRPr lang="en-US" dirty="0"/>
@@ -1245,7 +1245,7 @@
           <a:p>
             <a:pPr lvl="0"/>
             <a:r>
-              <a:rPr lang="en-US" smtClean="0"/>
+              <a:rPr lang="en-US"/>
               <a:t>Click to edit Master text styles</a:t>
             </a:r>
           </a:p>
@@ -1364,7 +1364,7 @@
           <a:p>
             <a:pPr lvl="0"/>
             <a:r>
-              <a:rPr lang="en-US" smtClean="0"/>
+              <a:rPr lang="en-US"/>
               <a:t>Click to edit Master text styles</a:t>
             </a:r>
           </a:p>
@@ -1388,7 +1388,7 @@
             <a:fld id="{B61BEF0D-F0BB-DE4B-95CE-6DB70DBA9567}" type="datetimeFigureOut">
               <a:rPr lang="en-US" dirty="0"/>
               <a:pPr/>
-              <a:t>11/7/2016</a:t>
+              <a:t>11/20/2016</a:t>
             </a:fld>
             <a:endParaRPr lang="en-US" dirty="0"/>
           </a:p>
@@ -1489,7 +1489,7 @@
           </a:lstStyle>
           <a:p>
             <a:r>
-              <a:rPr lang="en-US" smtClean="0"/>
+              <a:rPr lang="en-US"/>
               <a:t>Click to edit Master title style</a:t>
             </a:r>
             <a:endParaRPr lang="en-US" dirty="0"/>
@@ -1609,7 +1609,7 @@
           <a:p>
             <a:pPr lvl="0"/>
             <a:r>
-              <a:rPr lang="en-US" smtClean="0"/>
+              <a:rPr lang="en-US"/>
               <a:t>Click to edit Master text styles</a:t>
             </a:r>
           </a:p>
@@ -1633,7 +1633,7 @@
             <a:fld id="{B61BEF0D-F0BB-DE4B-95CE-6DB70DBA9567}" type="datetimeFigureOut">
               <a:rPr lang="en-US" dirty="0"/>
               <a:pPr/>
-              <a:t>11/7/2016</a:t>
+              <a:t>11/20/2016</a:t>
             </a:fld>
             <a:endParaRPr lang="en-US" dirty="0"/>
           </a:p>
@@ -1968,7 +1968,7 @@
           </a:lstStyle>
           <a:p>
             <a:r>
-              <a:rPr lang="en-US" smtClean="0"/>
+              <a:rPr lang="en-US"/>
               <a:t>Click to edit Master title style</a:t>
             </a:r>
             <a:endParaRPr lang="en-US" dirty="0"/>
@@ -2030,7 +2030,7 @@
               <a:buNone/>
             </a:pPr>
             <a:r>
-              <a:rPr lang="en-US" smtClean="0"/>
+              <a:rPr lang="en-US"/>
               <a:t>Click to edit Master text styles</a:t>
             </a:r>
           </a:p>
@@ -2149,7 +2149,7 @@
           <a:p>
             <a:pPr lvl="0"/>
             <a:r>
-              <a:rPr lang="en-US" smtClean="0"/>
+              <a:rPr lang="en-US"/>
               <a:t>Click to edit Master text styles</a:t>
             </a:r>
           </a:p>
@@ -2173,7 +2173,7 @@
             <a:fld id="{B61BEF0D-F0BB-DE4B-95CE-6DB70DBA9567}" type="datetimeFigureOut">
               <a:rPr lang="en-US" dirty="0"/>
               <a:pPr/>
-              <a:t>11/7/2016</a:t>
+              <a:t>11/20/2016</a:t>
             </a:fld>
             <a:endParaRPr lang="en-US" dirty="0"/>
           </a:p>
@@ -2275,7 +2275,7 @@
           <a:p>
             <a:pPr marL="0" lvl="0"/>
             <a:r>
-              <a:rPr lang="en-US" smtClean="0"/>
+              <a:rPr lang="en-US"/>
               <a:t>Click to edit Master title style</a:t>
             </a:r>
             <a:endParaRPr lang="en-US" dirty="0"/>
@@ -2337,7 +2337,7 @@
               <a:buNone/>
             </a:pPr>
             <a:r>
-              <a:rPr lang="en-US" smtClean="0"/>
+              <a:rPr lang="en-US"/>
               <a:t>Click to edit Master text styles</a:t>
             </a:r>
           </a:p>
@@ -2456,7 +2456,7 @@
           <a:p>
             <a:pPr lvl="0"/>
             <a:r>
-              <a:rPr lang="en-US" smtClean="0"/>
+              <a:rPr lang="en-US"/>
               <a:t>Click to edit Master text styles</a:t>
             </a:r>
           </a:p>
@@ -2480,7 +2480,7 @@
             <a:fld id="{B61BEF0D-F0BB-DE4B-95CE-6DB70DBA9567}" type="datetimeFigureOut">
               <a:rPr lang="en-US" dirty="0"/>
               <a:pPr/>
-              <a:t>11/7/2016</a:t>
+              <a:t>11/20/2016</a:t>
             </a:fld>
             <a:endParaRPr lang="en-US" dirty="0"/>
           </a:p>
@@ -2575,7 +2575,7 @@
           <a:lstStyle/>
           <a:p>
             <a:r>
-              <a:rPr lang="en-US" smtClean="0"/>
+              <a:rPr lang="en-US"/>
               <a:t>Click to edit Master title style</a:t>
             </a:r>
             <a:endParaRPr lang="en-US" dirty="0"/>
@@ -2599,35 +2599,35 @@
           <a:p>
             <a:pPr lvl="0"/>
             <a:r>
-              <a:rPr lang="en-US" smtClean="0"/>
+              <a:rPr lang="en-US"/>
               <a:t>Click to edit Master text styles</a:t>
             </a:r>
           </a:p>
           <a:p>
             <a:pPr lvl="1"/>
             <a:r>
-              <a:rPr lang="en-US" smtClean="0"/>
+              <a:rPr lang="en-US"/>
               <a:t>Second level</a:t>
             </a:r>
           </a:p>
           <a:p>
             <a:pPr lvl="2"/>
             <a:r>
-              <a:rPr lang="en-US" smtClean="0"/>
+              <a:rPr lang="en-US"/>
               <a:t>Third level</a:t>
             </a:r>
           </a:p>
           <a:p>
             <a:pPr lvl="3"/>
             <a:r>
-              <a:rPr lang="en-US" smtClean="0"/>
+              <a:rPr lang="en-US"/>
               <a:t>Fourth level</a:t>
             </a:r>
           </a:p>
           <a:p>
             <a:pPr lvl="4"/>
             <a:r>
-              <a:rPr lang="en-US" smtClean="0"/>
+              <a:rPr lang="en-US"/>
               <a:t>Fifth level</a:t>
             </a:r>
             <a:endParaRPr lang="en-US" dirty="0"/>
@@ -2652,7 +2652,7 @@
             <a:fld id="{B61BEF0D-F0BB-DE4B-95CE-6DB70DBA9567}" type="datetimeFigureOut">
               <a:rPr lang="en-US" dirty="0"/>
               <a:pPr/>
-              <a:t>11/7/2016</a:t>
+              <a:t>11/20/2016</a:t>
             </a:fld>
             <a:endParaRPr lang="en-US" dirty="0"/>
           </a:p>
@@ -2747,7 +2747,7 @@
           <a:lstStyle/>
           <a:p>
             <a:r>
-              <a:rPr lang="en-US" smtClean="0"/>
+              <a:rPr lang="en-US"/>
               <a:t>Click to edit Master title style</a:t>
             </a:r>
             <a:endParaRPr lang="en-US" dirty="0"/>
@@ -2776,35 +2776,35 @@
           <a:p>
             <a:pPr lvl="0"/>
             <a:r>
-              <a:rPr lang="en-US" smtClean="0"/>
+              <a:rPr lang="en-US"/>
               <a:t>Click to edit Master text styles</a:t>
             </a:r>
           </a:p>
           <a:p>
             <a:pPr lvl="1"/>
             <a:r>
-              <a:rPr lang="en-US" smtClean="0"/>
+              <a:rPr lang="en-US"/>
               <a:t>Second level</a:t>
             </a:r>
           </a:p>
           <a:p>
             <a:pPr lvl="2"/>
             <a:r>
-              <a:rPr lang="en-US" smtClean="0"/>
+              <a:rPr lang="en-US"/>
               <a:t>Third level</a:t>
             </a:r>
           </a:p>
           <a:p>
             <a:pPr lvl="3"/>
             <a:r>
-              <a:rPr lang="en-US" smtClean="0"/>
+              <a:rPr lang="en-US"/>
               <a:t>Fourth level</a:t>
             </a:r>
           </a:p>
           <a:p>
             <a:pPr lvl="4"/>
             <a:r>
-              <a:rPr lang="en-US" smtClean="0"/>
+              <a:rPr lang="en-US"/>
               <a:t>Fifth level</a:t>
             </a:r>
             <a:endParaRPr lang="en-US" dirty="0"/>
@@ -2829,7 +2829,7 @@
             <a:fld id="{B61BEF0D-F0BB-DE4B-95CE-6DB70DBA9567}" type="datetimeFigureOut">
               <a:rPr lang="en-US" dirty="0"/>
               <a:pPr/>
-              <a:t>11/7/2016</a:t>
+              <a:t>11/20/2016</a:t>
             </a:fld>
             <a:endParaRPr lang="en-US" dirty="0"/>
           </a:p>
@@ -2919,7 +2919,7 @@
           <a:lstStyle/>
           <a:p>
             <a:r>
-              <a:rPr lang="en-US" smtClean="0"/>
+              <a:rPr lang="en-US"/>
               <a:t>Click to edit Master title style</a:t>
             </a:r>
             <a:endParaRPr lang="en-US" dirty="0"/>
@@ -2943,35 +2943,35 @@
           <a:p>
             <a:pPr lvl="0"/>
             <a:r>
-              <a:rPr lang="en-US" smtClean="0"/>
+              <a:rPr lang="en-US"/>
               <a:t>Click to edit Master text styles</a:t>
             </a:r>
           </a:p>
           <a:p>
             <a:pPr lvl="1"/>
             <a:r>
-              <a:rPr lang="en-US" smtClean="0"/>
+              <a:rPr lang="en-US"/>
               <a:t>Second level</a:t>
             </a:r>
           </a:p>
           <a:p>
             <a:pPr lvl="2"/>
             <a:r>
-              <a:rPr lang="en-US" smtClean="0"/>
+              <a:rPr lang="en-US"/>
               <a:t>Third level</a:t>
             </a:r>
           </a:p>
           <a:p>
             <a:pPr lvl="3"/>
             <a:r>
-              <a:rPr lang="en-US" smtClean="0"/>
+              <a:rPr lang="en-US"/>
               <a:t>Fourth level</a:t>
             </a:r>
           </a:p>
           <a:p>
             <a:pPr lvl="4"/>
             <a:r>
-              <a:rPr lang="en-US" smtClean="0"/>
+              <a:rPr lang="en-US"/>
               <a:t>Fifth level</a:t>
             </a:r>
             <a:endParaRPr lang="en-US" dirty="0"/>
@@ -2996,7 +2996,7 @@
             <a:fld id="{B61BEF0D-F0BB-DE4B-95CE-6DB70DBA9567}" type="datetimeFigureOut">
               <a:rPr lang="en-US" dirty="0"/>
               <a:pPr/>
-              <a:t>11/7/2016</a:t>
+              <a:t>11/20/2016</a:t>
             </a:fld>
             <a:endParaRPr lang="en-US" dirty="0"/>
           </a:p>
@@ -3095,7 +3095,7 @@
           </a:lstStyle>
           <a:p>
             <a:r>
-              <a:rPr lang="en-US" smtClean="0"/>
+              <a:rPr lang="en-US"/>
               <a:t>Click to edit Master title style</a:t>
             </a:r>
             <a:endParaRPr lang="en-US" dirty="0"/>
@@ -3215,7 +3215,7 @@
           <a:p>
             <a:pPr lvl="0"/>
             <a:r>
-              <a:rPr lang="en-US" smtClean="0"/>
+              <a:rPr lang="en-US"/>
               <a:t>Click to edit Master text styles</a:t>
             </a:r>
           </a:p>
@@ -3239,7 +3239,7 @@
             <a:fld id="{B61BEF0D-F0BB-DE4B-95CE-6DB70DBA9567}" type="datetimeFigureOut">
               <a:rPr lang="en-US" dirty="0"/>
               <a:pPr/>
-              <a:t>11/7/2016</a:t>
+              <a:t>11/20/2016</a:t>
             </a:fld>
             <a:endParaRPr lang="en-US" dirty="0"/>
           </a:p>
@@ -3329,7 +3329,7 @@
           <a:lstStyle/>
           <a:p>
             <a:r>
-              <a:rPr lang="en-US" smtClean="0"/>
+              <a:rPr lang="en-US"/>
               <a:t>Click to edit Master title style</a:t>
             </a:r>
             <a:endParaRPr lang="en-US" dirty="0"/>
@@ -3388,35 +3388,35 @@
           <a:p>
             <a:pPr lvl="0"/>
             <a:r>
-              <a:rPr lang="en-US" smtClean="0"/>
+              <a:rPr lang="en-US"/>
               <a:t>Click to edit Master text styles</a:t>
             </a:r>
           </a:p>
           <a:p>
             <a:pPr lvl="1"/>
             <a:r>
-              <a:rPr lang="en-US" smtClean="0"/>
+              <a:rPr lang="en-US"/>
               <a:t>Second level</a:t>
             </a:r>
           </a:p>
           <a:p>
             <a:pPr lvl="2"/>
             <a:r>
-              <a:rPr lang="en-US" smtClean="0"/>
+              <a:rPr lang="en-US"/>
               <a:t>Third level</a:t>
             </a:r>
           </a:p>
           <a:p>
             <a:pPr lvl="3"/>
             <a:r>
-              <a:rPr lang="en-US" smtClean="0"/>
+              <a:rPr lang="en-US"/>
               <a:t>Fourth level</a:t>
             </a:r>
           </a:p>
           <a:p>
             <a:pPr lvl="4"/>
             <a:r>
-              <a:rPr lang="en-US" smtClean="0"/>
+              <a:rPr lang="en-US"/>
               <a:t>Fifth level</a:t>
             </a:r>
             <a:endParaRPr lang="en-US" dirty="0"/>
@@ -3475,35 +3475,35 @@
           <a:p>
             <a:pPr lvl="0"/>
             <a:r>
-              <a:rPr lang="en-US" smtClean="0"/>
+              <a:rPr lang="en-US"/>
               <a:t>Click to edit Master text styles</a:t>
             </a:r>
           </a:p>
           <a:p>
             <a:pPr lvl="1"/>
             <a:r>
-              <a:rPr lang="en-US" smtClean="0"/>
+              <a:rPr lang="en-US"/>
               <a:t>Second level</a:t>
             </a:r>
           </a:p>
           <a:p>
             <a:pPr lvl="2"/>
             <a:r>
-              <a:rPr lang="en-US" smtClean="0"/>
+              <a:rPr lang="en-US"/>
               <a:t>Third level</a:t>
             </a:r>
           </a:p>
           <a:p>
             <a:pPr lvl="3"/>
             <a:r>
-              <a:rPr lang="en-US" smtClean="0"/>
+              <a:rPr lang="en-US"/>
               <a:t>Fourth level</a:t>
             </a:r>
           </a:p>
           <a:p>
             <a:pPr lvl="4"/>
             <a:r>
-              <a:rPr lang="en-US" smtClean="0"/>
+              <a:rPr lang="en-US"/>
               <a:t>Fifth level</a:t>
             </a:r>
             <a:endParaRPr lang="en-US" dirty="0"/>
@@ -3528,7 +3528,7 @@
             <a:fld id="{B61BEF0D-F0BB-DE4B-95CE-6DB70DBA9567}" type="datetimeFigureOut">
               <a:rPr lang="en-US" dirty="0"/>
               <a:pPr/>
-              <a:t>11/7/2016</a:t>
+              <a:t>11/20/2016</a:t>
             </a:fld>
             <a:endParaRPr lang="en-US" dirty="0"/>
           </a:p>
@@ -3622,7 +3622,7 @@
           </a:lstStyle>
           <a:p>
             <a:r>
-              <a:rPr lang="en-US" smtClean="0"/>
+              <a:rPr lang="en-US"/>
               <a:t>Click to edit Master title style</a:t>
             </a:r>
             <a:endParaRPr lang="en-US" dirty="0"/>
@@ -3690,7 +3690,7 @@
           <a:p>
             <a:pPr lvl="0"/>
             <a:r>
-              <a:rPr lang="en-US" smtClean="0"/>
+              <a:rPr lang="en-US"/>
               <a:t>Click to edit Master text styles</a:t>
             </a:r>
           </a:p>
@@ -3748,35 +3748,35 @@
           <a:p>
             <a:pPr lvl="0"/>
             <a:r>
-              <a:rPr lang="en-US" smtClean="0"/>
+              <a:rPr lang="en-US"/>
               <a:t>Click to edit Master text styles</a:t>
             </a:r>
           </a:p>
           <a:p>
             <a:pPr lvl="1"/>
             <a:r>
-              <a:rPr lang="en-US" smtClean="0"/>
+              <a:rPr lang="en-US"/>
               <a:t>Second level</a:t>
             </a:r>
           </a:p>
           <a:p>
             <a:pPr lvl="2"/>
             <a:r>
-              <a:rPr lang="en-US" smtClean="0"/>
+              <a:rPr lang="en-US"/>
               <a:t>Third level</a:t>
             </a:r>
           </a:p>
           <a:p>
             <a:pPr lvl="3"/>
             <a:r>
-              <a:rPr lang="en-US" smtClean="0"/>
+              <a:rPr lang="en-US"/>
               <a:t>Fourth level</a:t>
             </a:r>
           </a:p>
           <a:p>
             <a:pPr lvl="4"/>
             <a:r>
-              <a:rPr lang="en-US" smtClean="0"/>
+              <a:rPr lang="en-US"/>
               <a:t>Fifth level</a:t>
             </a:r>
             <a:endParaRPr lang="en-US" dirty="0"/>
@@ -3844,7 +3844,7 @@
           <a:p>
             <a:pPr lvl="0"/>
             <a:r>
-              <a:rPr lang="en-US" smtClean="0"/>
+              <a:rPr lang="en-US"/>
               <a:t>Click to edit Master text styles</a:t>
             </a:r>
           </a:p>
@@ -3902,35 +3902,35 @@
           <a:p>
             <a:pPr lvl="0"/>
             <a:r>
-              <a:rPr lang="en-US" smtClean="0"/>
+              <a:rPr lang="en-US"/>
               <a:t>Click to edit Master text styles</a:t>
             </a:r>
           </a:p>
           <a:p>
             <a:pPr lvl="1"/>
             <a:r>
-              <a:rPr lang="en-US" smtClean="0"/>
+              <a:rPr lang="en-US"/>
               <a:t>Second level</a:t>
             </a:r>
           </a:p>
           <a:p>
             <a:pPr lvl="2"/>
             <a:r>
-              <a:rPr lang="en-US" smtClean="0"/>
+              <a:rPr lang="en-US"/>
               <a:t>Third level</a:t>
             </a:r>
           </a:p>
           <a:p>
             <a:pPr lvl="3"/>
             <a:r>
-              <a:rPr lang="en-US" smtClean="0"/>
+              <a:rPr lang="en-US"/>
               <a:t>Fourth level</a:t>
             </a:r>
           </a:p>
           <a:p>
             <a:pPr lvl="4"/>
             <a:r>
-              <a:rPr lang="en-US" smtClean="0"/>
+              <a:rPr lang="en-US"/>
               <a:t>Fifth level</a:t>
             </a:r>
             <a:endParaRPr lang="en-US" dirty="0"/>
@@ -3955,7 +3955,7 @@
             <a:fld id="{B61BEF0D-F0BB-DE4B-95CE-6DB70DBA9567}" type="datetimeFigureOut">
               <a:rPr lang="en-US" dirty="0"/>
               <a:pPr/>
-              <a:t>11/7/2016</a:t>
+              <a:t>11/20/2016</a:t>
             </a:fld>
             <a:endParaRPr lang="en-US" dirty="0"/>
           </a:p>
@@ -4050,7 +4050,7 @@
           <a:lstStyle/>
           <a:p>
             <a:r>
-              <a:rPr lang="en-US" smtClean="0"/>
+              <a:rPr lang="en-US"/>
               <a:t>Click to edit Master title style</a:t>
             </a:r>
             <a:endParaRPr lang="en-US" dirty="0"/>
@@ -4075,7 +4075,7 @@
             <a:fld id="{B61BEF0D-F0BB-DE4B-95CE-6DB70DBA9567}" type="datetimeFigureOut">
               <a:rPr lang="en-US" dirty="0"/>
               <a:pPr/>
-              <a:t>11/7/2016</a:t>
+              <a:t>11/20/2016</a:t>
             </a:fld>
             <a:endParaRPr lang="en-US" dirty="0"/>
           </a:p>
@@ -4167,7 +4167,7 @@
             <a:fld id="{B61BEF0D-F0BB-DE4B-95CE-6DB70DBA9567}" type="datetimeFigureOut">
               <a:rPr lang="en-US" dirty="0"/>
               <a:pPr/>
-              <a:t>11/7/2016</a:t>
+              <a:t>11/20/2016</a:t>
             </a:fld>
             <a:endParaRPr lang="en-US" dirty="0"/>
           </a:p>
@@ -4268,7 +4268,7 @@
           </a:lstStyle>
           <a:p>
             <a:r>
-              <a:rPr lang="en-US" smtClean="0"/>
+              <a:rPr lang="en-US"/>
               <a:t>Click to edit Master title style</a:t>
             </a:r>
             <a:endParaRPr lang="en-US" dirty="0"/>
@@ -4327,35 +4327,35 @@
           <a:p>
             <a:pPr lvl="0"/>
             <a:r>
-              <a:rPr lang="en-US" smtClean="0"/>
+              <a:rPr lang="en-US"/>
               <a:t>Click to edit Master text styles</a:t>
             </a:r>
           </a:p>
           <a:p>
             <a:pPr lvl="1"/>
             <a:r>
-              <a:rPr lang="en-US" smtClean="0"/>
+              <a:rPr lang="en-US"/>
               <a:t>Second level</a:t>
             </a:r>
           </a:p>
           <a:p>
             <a:pPr lvl="2"/>
             <a:r>
-              <a:rPr lang="en-US" smtClean="0"/>
+              <a:rPr lang="en-US"/>
               <a:t>Third level</a:t>
             </a:r>
           </a:p>
           <a:p>
             <a:pPr lvl="3"/>
             <a:r>
-              <a:rPr lang="en-US" smtClean="0"/>
+              <a:rPr lang="en-US"/>
               <a:t>Fourth level</a:t>
             </a:r>
           </a:p>
           <a:p>
             <a:pPr lvl="4"/>
             <a:r>
-              <a:rPr lang="en-US" smtClean="0"/>
+              <a:rPr lang="en-US"/>
               <a:t>Fifth level</a:t>
             </a:r>
             <a:endParaRPr lang="en-US" dirty="0"/>
@@ -4423,7 +4423,7 @@
           <a:p>
             <a:pPr lvl="0"/>
             <a:r>
-              <a:rPr lang="en-US" smtClean="0"/>
+              <a:rPr lang="en-US"/>
               <a:t>Click to edit Master text styles</a:t>
             </a:r>
           </a:p>
@@ -4447,7 +4447,7 @@
             <a:fld id="{B61BEF0D-F0BB-DE4B-95CE-6DB70DBA9567}" type="datetimeFigureOut">
               <a:rPr lang="en-US" dirty="0"/>
               <a:pPr/>
-              <a:t>11/7/2016</a:t>
+              <a:t>11/20/2016</a:t>
             </a:fld>
             <a:endParaRPr lang="en-US" dirty="0"/>
           </a:p>
@@ -4548,7 +4548,7 @@
           </a:lstStyle>
           <a:p>
             <a:r>
-              <a:rPr lang="en-US" smtClean="0"/>
+              <a:rPr lang="en-US"/>
               <a:t>Click to edit Master title style</a:t>
             </a:r>
             <a:endParaRPr lang="en-US" dirty="0"/>
@@ -4638,7 +4638,7 @@
           </a:lstStyle>
           <a:p>
             <a:r>
-              <a:rPr lang="en-US" smtClean="0"/>
+              <a:rPr lang="en-US"/>
               <a:t>Click icon to add picture</a:t>
             </a:r>
             <a:endParaRPr lang="en-US" dirty="0"/>
@@ -4706,7 +4706,7 @@
           <a:p>
             <a:pPr lvl="0"/>
             <a:r>
-              <a:rPr lang="en-US" smtClean="0"/>
+              <a:rPr lang="en-US"/>
               <a:t>Click to edit Master text styles</a:t>
             </a:r>
           </a:p>
@@ -4735,7 +4735,7 @@
             <a:fld id="{B61BEF0D-F0BB-DE4B-95CE-6DB70DBA9567}" type="datetimeFigureOut">
               <a:rPr lang="en-US" dirty="0"/>
               <a:pPr/>
-              <a:t>11/7/2016</a:t>
+              <a:t>11/20/2016</a:t>
             </a:fld>
             <a:endParaRPr lang="en-US" dirty="0"/>
           </a:p>
@@ -4850,7 +4850,7 @@
           <a:lstStyle/>
           <a:p>
             <a:r>
-              <a:rPr lang="en-US" smtClean="0"/>
+              <a:rPr lang="en-US"/>
               <a:t>Click to edit Master title style</a:t>
             </a:r>
             <a:endParaRPr lang="en-US" dirty="0"/>
@@ -4884,35 +4884,35 @@
           <a:p>
             <a:pPr lvl="0"/>
             <a:r>
-              <a:rPr lang="en-US" smtClean="0"/>
+              <a:rPr lang="en-US"/>
               <a:t>Click to edit Master text styles</a:t>
             </a:r>
           </a:p>
           <a:p>
             <a:pPr lvl="1"/>
             <a:r>
-              <a:rPr lang="en-US" smtClean="0"/>
+              <a:rPr lang="en-US"/>
               <a:t>Second level</a:t>
             </a:r>
           </a:p>
           <a:p>
             <a:pPr lvl="2"/>
             <a:r>
-              <a:rPr lang="en-US" smtClean="0"/>
+              <a:rPr lang="en-US"/>
               <a:t>Third level</a:t>
             </a:r>
           </a:p>
           <a:p>
             <a:pPr lvl="3"/>
             <a:r>
-              <a:rPr lang="en-US" smtClean="0"/>
+              <a:rPr lang="en-US"/>
               <a:t>Fourth level</a:t>
             </a:r>
           </a:p>
           <a:p>
             <a:pPr lvl="4"/>
             <a:r>
-              <a:rPr lang="en-US" smtClean="0"/>
+              <a:rPr lang="en-US"/>
               <a:t>Fifth level</a:t>
             </a:r>
             <a:endParaRPr lang="en-US" dirty="0"/>
@@ -4963,7 +4963,7 @@
             <a:fld id="{B61BEF0D-F0BB-DE4B-95CE-6DB70DBA9567}" type="datetimeFigureOut">
               <a:rPr lang="en-US" dirty="0"/>
               <a:pPr/>
-              <a:t>11/7/2016</a:t>
+              <a:t>11/20/2016</a:t>
             </a:fld>
             <a:endParaRPr lang="en-US" dirty="0"/>
           </a:p>
@@ -5671,17 +5671,16 @@
           <a:lstStyle/>
           <a:p>
             <a:r>
-              <a:rPr lang="en-US" dirty="0" smtClean="0"/>
+              <a:rPr lang="en-US" dirty="0"/>
               <a:t>by</a:t>
             </a:r>
             <a:br>
-              <a:rPr lang="en-US" dirty="0" smtClean="0"/>
+              <a:rPr lang="en-US" dirty="0"/>
             </a:br>
             <a:r>
-              <a:rPr lang="en-US" dirty="0" smtClean="0"/>
+              <a:rPr lang="en-US" dirty="0"/>
               <a:t>Grayson McKenzie Dubois</a:t>
             </a:r>
-            <a:endParaRPr lang="en-US" dirty="0"/>
           </a:p>
         </p:txBody>
       </p:sp>
@@ -5725,13 +5724,6 @@
   <p:clrMapOvr>
     <a:masterClrMapping/>
   </p:clrMapOvr>
-  <p:timing>
-    <p:tnLst>
-      <p:par>
-        <p:cTn id="1" dur="indefinite" restart="never" nodeType="tmRoot"/>
-      </p:par>
-    </p:tnLst>
-  </p:timing>
 </p:sld>
 </file>
 
@@ -5864,10 +5856,9 @@
           </a:lstStyle>
           <a:p>
             <a:r>
-              <a:rPr lang="en-US" sz="4000" dirty="0" smtClean="0"/>
+              <a:rPr lang="en-US" sz="4000" dirty="0"/>
               <a:t>Computational Models based on Cognitive Systems</a:t>
             </a:r>
-            <a:endParaRPr lang="en-US" sz="4000" dirty="0"/>
           </a:p>
         </p:txBody>
       </p:sp>
@@ -6224,12 +6215,8 @@
               <a:buChar char="•"/>
             </a:pPr>
             <a:r>
-              <a:rPr lang="en-US" sz="2400" dirty="0" smtClean="0"/>
-              <a:t>Computational </a:t>
-            </a:r>
-            <a:r>
               <a:rPr lang="en-US" sz="2400" dirty="0"/>
-              <a:t>Models based on Human Brain</a:t>
+              <a:t>Computer systems based on Human Brain</a:t>
             </a:r>
           </a:p>
           <a:p>
@@ -6249,11 +6236,7 @@
             </a:pPr>
             <a:r>
               <a:rPr lang="en-US" sz="2400" dirty="0"/>
-              <a:t>Helps to solve engineering </a:t>
-            </a:r>
-            <a:r>
-              <a:rPr lang="en-US" sz="2400" dirty="0" smtClean="0"/>
-              <a:t>problems</a:t>
+              <a:t>Helps to solve engineering problems</a:t>
             </a:r>
           </a:p>
         </p:txBody>
@@ -6281,30 +6264,29 @@
           <a:lstStyle/>
           <a:p>
             <a:r>
-              <a:rPr lang="en-US" dirty="0" smtClean="0"/>
+              <a:rPr lang="en-US" dirty="0"/>
               <a:t>*</a:t>
             </a:r>
             <a:r>
-              <a:rPr lang="en-US" sz="1400" dirty="0" smtClean="0"/>
+              <a:rPr lang="en-US" sz="1400" dirty="0"/>
               <a:t> </a:t>
             </a:r>
             <a:r>
-              <a:rPr lang="en-US" sz="1400" i="1" dirty="0" smtClean="0"/>
+              <a:rPr lang="en-US" sz="1400" i="1" dirty="0"/>
               <a:t>Introduction to Artificial Intelligence: A Modern Approach, </a:t>
             </a:r>
             <a:r>
-              <a:rPr lang="en-US" sz="1400" dirty="0" smtClean="0"/>
+              <a:rPr lang="en-US" sz="1400" dirty="0"/>
               <a:t>Russel and </a:t>
             </a:r>
             <a:r>
-              <a:rPr lang="en-US" sz="1400" dirty="0" err="1" smtClean="0"/>
+              <a:rPr lang="en-US" sz="1400" dirty="0" err="1"/>
               <a:t>Norvig</a:t>
             </a:r>
             <a:r>
-              <a:rPr lang="en-US" sz="1400" dirty="0" smtClean="0"/>
+              <a:rPr lang="en-US" sz="1400" dirty="0"/>
               <a:t>, 1995.</a:t>
             </a:r>
-            <a:endParaRPr lang="en-US" sz="1400" dirty="0"/>
           </a:p>
         </p:txBody>
       </p:sp>
@@ -6389,8 +6371,8 @@
         </p:blipFill>
         <p:spPr>
           <a:xfrm>
-            <a:off x="8229978" y="822826"/>
-            <a:ext cx="2817433" cy="1746343"/>
+            <a:off x="7639273" y="995962"/>
+            <a:ext cx="3746805" cy="2322400"/>
           </a:xfrm>
           <a:prstGeom prst="rect">
             <a:avLst/>
@@ -6407,13 +6389,6 @@
   <p:clrMapOvr>
     <a:masterClrMapping/>
   </p:clrMapOvr>
-  <p:timing>
-    <p:tnLst>
-      <p:par>
-        <p:cTn id="1" dur="indefinite" restart="never" nodeType="tmRoot"/>
-      </p:par>
-    </p:tnLst>
-  </p:timing>
 </p:sld>
 </file>
 
@@ -6546,10 +6521,9 @@
           </a:lstStyle>
           <a:p>
             <a:r>
-              <a:rPr lang="en-US" sz="4000" dirty="0" smtClean="0"/>
+              <a:rPr lang="en-US" sz="4000" dirty="0"/>
               <a:t>The Working Memory Toolkit</a:t>
             </a:r>
-            <a:endParaRPr lang="en-US" sz="4000" dirty="0"/>
           </a:p>
         </p:txBody>
       </p:sp>
@@ -6565,8 +6539,8 @@
         </p:nvSpPr>
         <p:spPr>
           <a:xfrm>
-            <a:off x="104662" y="875765"/>
-            <a:ext cx="7055992" cy="3168201"/>
+            <a:off x="734096" y="1218139"/>
+            <a:ext cx="7714583" cy="3168201"/>
           </a:xfrm>
         </p:spPr>
         <p:txBody>
@@ -6576,31 +6550,31 @@
           <a:lstStyle/>
           <a:p>
             <a:r>
-              <a:rPr lang="en-US" sz="2400" dirty="0" smtClean="0"/>
+              <a:rPr lang="en-US" sz="2400" dirty="0"/>
               <a:t>A Neural Network to mimic human working memory</a:t>
             </a:r>
           </a:p>
           <a:p>
             <a:pPr lvl="1"/>
             <a:r>
-              <a:rPr lang="en-US" sz="2200" dirty="0" smtClean="0"/>
-              <a:t>Stores info from percepts that “looks promising”</a:t>
+              <a:rPr lang="en-US" sz="2200" dirty="0"/>
+              <a:t>Stores info from perception that “looks promising”</a:t>
             </a:r>
           </a:p>
           <a:p>
             <a:pPr lvl="1"/>
             <a:r>
-              <a:rPr lang="en-US" sz="2200" dirty="0" smtClean="0"/>
+              <a:rPr lang="en-US" sz="2200" dirty="0"/>
               <a:t>Classifies “useful” information</a:t>
             </a:r>
           </a:p>
           <a:p>
             <a:pPr lvl="1"/>
             <a:r>
-              <a:rPr lang="en-US" sz="2200" dirty="0" smtClean="0"/>
+              <a:rPr lang="en-US" sz="2200" dirty="0"/>
               <a:t>Discards info when no longer in use</a:t>
             </a:r>
-            <a:endParaRPr lang="en-US" sz="2400" dirty="0" smtClean="0"/>
+            <a:endParaRPr lang="en-US" sz="2400" dirty="0"/>
           </a:p>
         </p:txBody>
       </p:sp>
@@ -6626,7 +6600,7 @@
         </p:blipFill>
         <p:spPr>
           <a:xfrm>
-            <a:off x="734096" y="4438245"/>
+            <a:off x="7729055" y="3509454"/>
             <a:ext cx="3178934" cy="1589467"/>
           </a:xfrm>
           <a:prstGeom prst="rect">
@@ -6658,88 +6632,40 @@
           <a:p>
             <a:r>
               <a:rPr lang="en-US" sz="1400" dirty="0"/>
-              <a:t>“Working Memory, Reading, and Dyslexia”, Baddeley, 1986</a:t>
-            </a:r>
-            <a:r>
-              <a:rPr lang="en-US" sz="1400" dirty="0" smtClean="0"/>
-              <a:t>.</a:t>
+              <a:t>“Working Memory, Reading, and Dyslexia”, Baddeley, 1986.</a:t>
             </a:r>
           </a:p>
           <a:p>
             <a:r>
               <a:rPr lang="en-US" sz="1400" dirty="0"/>
-              <a:t>“A Biologically Inspired Working Memory Framework for Robots”, Phillips and Noelle, 2005</a:t>
-            </a:r>
-            <a:r>
-              <a:rPr lang="en-US" sz="1400" dirty="0" smtClean="0"/>
-              <a:t>.</a:t>
-            </a:r>
+              <a:t>“A Biologically Inspired Working Memory Framework for Robots”, Phillips and Noelle, 2005.</a:t>
+            </a:r>
+          </a:p>
+          <a:p>
+            <a:r>
+              <a:rPr lang="en-US" sz="1400" dirty="0"/>
+              <a:t>“Primary Memory”, Norman and Waugh, 1965.</a:t>
+            </a:r>
+          </a:p>
+          <a:p>
+            <a:r>
+              <a:rPr lang="en-US" sz="1400" dirty="0"/>
+              <a:t>“Prefrontal Cortex and Dynamic Categorization of Tasks…”, </a:t>
+            </a:r>
+            <a:r>
+              <a:rPr lang="en-US" sz="1400" dirty="0" err="1"/>
+              <a:t>O’rielly</a:t>
+            </a:r>
+            <a:r>
+              <a:rPr lang="en-US" sz="1400" dirty="0"/>
+              <a:t> et al., 2002.</a:t>
+            </a:r>
+          </a:p>
+          <a:p>
             <a:endParaRPr lang="en-US" sz="1400" dirty="0"/>
           </a:p>
-          <a:p>
-            <a:r>
-              <a:rPr lang="en-US" sz="1400" dirty="0" smtClean="0"/>
-              <a:t>“</a:t>
-            </a:r>
-            <a:r>
-              <a:rPr lang="en-US" sz="1400" dirty="0"/>
-              <a:t>Primary Memory”, Norman and Waugh, 1965</a:t>
-            </a:r>
-            <a:r>
-              <a:rPr lang="en-US" sz="1400" dirty="0" smtClean="0"/>
-              <a:t>.</a:t>
-            </a:r>
-            <a:endParaRPr lang="en-US" sz="1400" dirty="0"/>
-          </a:p>
-          <a:p>
-            <a:r>
-              <a:rPr lang="en-US" sz="1400" dirty="0" smtClean="0"/>
-              <a:t>“Prefrontal Cortex and Dynamic Categorization of Tasks…”, </a:t>
-            </a:r>
-            <a:r>
-              <a:rPr lang="en-US" sz="1400" dirty="0" err="1" smtClean="0"/>
-              <a:t>O’rielly</a:t>
-            </a:r>
-            <a:r>
-              <a:rPr lang="en-US" sz="1400" dirty="0" smtClean="0"/>
-              <a:t> et al., 2002.</a:t>
-            </a:r>
-          </a:p>
-          <a:p>
-            <a:endParaRPr lang="en-US" sz="1400" dirty="0" smtClean="0"/>
-          </a:p>
-        </p:txBody>
-      </p:sp>
-      <p:pic>
-        <p:nvPicPr>
-          <p:cNvPr id="8" name="Picture 7"/>
-          <p:cNvPicPr>
-            <a:picLocks noChangeAspect="1"/>
-          </p:cNvPicPr>
-          <p:nvPr/>
-        </p:nvPicPr>
-        <p:blipFill>
-          <a:blip r:embed="rId3">
-            <a:extLst>
-              <a:ext uri="{28A0092B-C50C-407E-A947-70E740481C1C}">
-                <a14:useLocalDpi xmlns:a14="http://schemas.microsoft.com/office/drawing/2010/main" val="0"/>
-              </a:ext>
-            </a:extLst>
-          </a:blip>
-          <a:stretch>
-            <a:fillRect/>
-          </a:stretch>
-        </p:blipFill>
-        <p:spPr>
-          <a:xfrm>
-            <a:off x="6860341" y="1506069"/>
-            <a:ext cx="4766729" cy="3509357"/>
-          </a:xfrm>
-          <a:prstGeom prst="rect">
-            <a:avLst/>
-          </a:prstGeom>
-        </p:spPr>
-      </p:pic>
+        </p:txBody>
+      </p:sp>
     </p:spTree>
     <p:extLst>
       <p:ext uri="{BB962C8B-B14F-4D97-AF65-F5344CB8AC3E}">
@@ -6750,13 +6676,6 @@
   <p:clrMapOvr>
     <a:masterClrMapping/>
   </p:clrMapOvr>
-  <p:timing>
-    <p:tnLst>
-      <p:par>
-        <p:cTn id="1" dur="indefinite" restart="never" nodeType="tmRoot"/>
-      </p:par>
-    </p:tnLst>
-  </p:timing>
 </p:sld>
 </file>
 
@@ -6889,18 +6808,17 @@
           </a:lstStyle>
           <a:p>
             <a:r>
-              <a:rPr lang="en-US" sz="4000" dirty="0" smtClean="0"/>
+              <a:rPr lang="en-US" sz="4000" dirty="0"/>
               <a:t>Representing </a:t>
             </a:r>
             <a:r>
-              <a:rPr lang="en-US" sz="4000" dirty="0" err="1" smtClean="0"/>
+              <a:rPr lang="en-US" sz="4000" dirty="0" err="1"/>
               <a:t>ConCepts</a:t>
             </a:r>
             <a:r>
-              <a:rPr lang="en-US" sz="4000" dirty="0" smtClean="0"/>
+              <a:rPr lang="en-US" sz="4000" dirty="0"/>
               <a:t> Digitally</a:t>
             </a:r>
-            <a:endParaRPr lang="en-US" sz="4000" dirty="0"/>
           </a:p>
         </p:txBody>
       </p:sp>
@@ -7253,16 +7171,15 @@
           </a:lstStyle>
           <a:p>
             <a:r>
-              <a:rPr lang="en-US" sz="2200" dirty="0" smtClean="0"/>
+              <a:rPr lang="en-US" sz="2200" dirty="0"/>
               <a:t>Humans consciously think of concepts symbolically</a:t>
             </a:r>
           </a:p>
           <a:p>
             <a:r>
-              <a:rPr lang="en-US" sz="2200" dirty="0" smtClean="0"/>
+              <a:rPr lang="en-US" sz="2200" dirty="0"/>
               <a:t>Computers have no concept of… concepts</a:t>
             </a:r>
-            <a:endParaRPr lang="en-US" sz="2200" dirty="0"/>
           </a:p>
         </p:txBody>
       </p:sp>
@@ -7290,7 +7207,7 @@
           <a:p>
             <a:pPr algn="ctr"/>
             <a:r>
-              <a:rPr lang="en-US" sz="4800" b="0" cap="none" spc="0" dirty="0" smtClean="0">
+              <a:rPr lang="en-US" sz="4800" b="0" cap="none" spc="0" dirty="0">
                 <a:ln w="0"/>
                 <a:solidFill>
                   <a:schemeClr val="accent1"/>
@@ -7303,69 +7220,8 @@
                   </a:outerShdw>
                 </a:effectLst>
               </a:rPr>
-              <a:t>[ 0, 0, 1, 0, </a:t>
-            </a:r>
-            <a:r>
-              <a:rPr lang="en-US" sz="4800" b="0" cap="none" spc="0" dirty="0" smtClean="0">
-                <a:ln w="0"/>
-                <a:solidFill>
-                  <a:schemeClr val="accent1"/>
-                </a:solidFill>
-                <a:effectLst>
-                  <a:outerShdw blurRad="38100" dist="25400" dir="5400000" algn="ctr" rotWithShape="0">
-                    <a:srgbClr val="6E747A">
-                      <a:alpha val="43000"/>
-                    </a:srgbClr>
-                  </a:outerShdw>
-                </a:effectLst>
-              </a:rPr>
-              <a:t>1</a:t>
-            </a:r>
-            <a:r>
-              <a:rPr lang="en-US" sz="4800" b="0" cap="none" spc="0" dirty="0" smtClean="0">
-                <a:ln w="0"/>
-                <a:solidFill>
-                  <a:schemeClr val="accent1"/>
-                </a:solidFill>
-                <a:effectLst>
-                  <a:outerShdw blurRad="38100" dist="25400" dir="5400000" algn="ctr" rotWithShape="0">
-                    <a:srgbClr val="6E747A">
-                      <a:alpha val="43000"/>
-                    </a:srgbClr>
-                  </a:outerShdw>
-                </a:effectLst>
-              </a:rPr>
-              <a:t>, 0, 0, </a:t>
-            </a:r>
-            <a:r>
-              <a:rPr lang="en-US" sz="4800" b="0" cap="none" spc="0" dirty="0" smtClean="0">
-                <a:ln w="0"/>
-                <a:solidFill>
-                  <a:schemeClr val="accent1"/>
-                </a:solidFill>
-                <a:effectLst>
-                  <a:outerShdw blurRad="38100" dist="25400" dir="5400000" algn="ctr" rotWithShape="0">
-                    <a:srgbClr val="6E747A">
-                      <a:alpha val="43000"/>
-                    </a:srgbClr>
-                  </a:outerShdw>
-                </a:effectLst>
-              </a:rPr>
-              <a:t>0] = </a:t>
-            </a:r>
-            <a:endParaRPr lang="en-US" sz="4800" b="0" cap="none" spc="0" dirty="0">
-              <a:ln w="0"/>
-              <a:solidFill>
-                <a:schemeClr val="accent1"/>
-              </a:solidFill>
-              <a:effectLst>
-                <a:outerShdw blurRad="38100" dist="25400" dir="5400000" algn="ctr" rotWithShape="0">
-                  <a:srgbClr val="6E747A">
-                    <a:alpha val="43000"/>
-                  </a:srgbClr>
-                </a:outerShdw>
-              </a:effectLst>
-            </a:endParaRPr>
+              <a:t>[ 0, 0, 1, 0, 1, 0, 0, 0] = </a:t>
+            </a:r>
           </a:p>
         </p:txBody>
       </p:sp>
@@ -7718,14 +7574,9 @@
           </a:lstStyle>
           <a:p>
             <a:r>
-              <a:rPr lang="en-US" sz="2800" dirty="0" smtClean="0"/>
-              <a:t>Problem: </a:t>
-            </a:r>
-            <a:r>
-              <a:rPr lang="en-US" sz="2800" dirty="0" smtClean="0"/>
-              <a:t>User has to design code to manually encode every concept</a:t>
-            </a:r>
-            <a:endParaRPr lang="en-US" sz="2800" dirty="0" smtClean="0"/>
+              <a:rPr lang="en-US" sz="2800" dirty="0"/>
+              <a:t>Problem: User has to design code to manually encode every concept</a:t>
+            </a:r>
           </a:p>
         </p:txBody>
       </p:sp>
@@ -7831,13 +7682,6 @@
   <p:clrMapOvr>
     <a:masterClrMapping/>
   </p:clrMapOvr>
-  <p:timing>
-    <p:tnLst>
-      <p:par>
-        <p:cTn id="1" dur="indefinite" restart="never" nodeType="tmRoot"/>
-      </p:par>
-    </p:tnLst>
-  </p:timing>
 </p:sld>
 </file>
 
@@ -7881,10 +7725,9 @@
           <a:lstStyle/>
           <a:p>
             <a:r>
-              <a:rPr lang="en-US" sz="4000" dirty="0" smtClean="0"/>
+              <a:rPr lang="en-US" sz="4000" dirty="0"/>
               <a:t>Holographic Reduced Representations</a:t>
             </a:r>
-            <a:endParaRPr lang="en-US" sz="4000" dirty="0"/>
           </a:p>
         </p:txBody>
       </p:sp>
@@ -7911,29 +7754,28 @@
           <a:lstStyle/>
           <a:p>
             <a:r>
-              <a:rPr lang="en-US" sz="2400" dirty="0" smtClean="0"/>
+              <a:rPr lang="en-US" sz="2400" dirty="0"/>
               <a:t>A vector of Gaussian numbers typically between -1.0 and 1.0</a:t>
             </a:r>
-            <a:endParaRPr lang="en-US" sz="2400" dirty="0"/>
           </a:p>
           <a:p>
             <a:pPr lvl="1"/>
             <a:r>
-              <a:rPr lang="en-US" sz="2200" dirty="0" smtClean="0"/>
+              <a:rPr lang="en-US" sz="2200" dirty="0"/>
               <a:t>Holographic</a:t>
             </a:r>
           </a:p>
           <a:p>
             <a:pPr lvl="1"/>
             <a:r>
-              <a:rPr lang="en-US" sz="2200" dirty="0" smtClean="0"/>
+              <a:rPr lang="en-US" sz="2200" dirty="0"/>
               <a:t>Reduced</a:t>
             </a:r>
           </a:p>
           <a:p>
             <a:pPr lvl="1"/>
             <a:r>
-              <a:rPr lang="en-US" sz="2200" dirty="0" smtClean="0"/>
+              <a:rPr lang="en-US" sz="2200" dirty="0"/>
               <a:t>Representation</a:t>
             </a:r>
           </a:p>
@@ -8318,7 +8160,7 @@
           </a:lstStyle>
           <a:p>
             <a:r>
-              <a:rPr lang="en-US" sz="2800" dirty="0" smtClean="0"/>
+              <a:rPr lang="en-US" sz="2800" dirty="0"/>
               <a:t>Goal: replace manual DE/SE conversion interface in toolkit with HRRs</a:t>
             </a:r>
           </a:p>
@@ -8347,10 +8189,9 @@
           <a:lstStyle/>
           <a:p>
             <a:r>
-              <a:rPr lang="en-US" sz="1400" dirty="0" smtClean="0"/>
+              <a:rPr lang="en-US" sz="1400" dirty="0"/>
               <a:t>“Holographic Reduced Representations”, Plate, 1995.</a:t>
             </a:r>
-            <a:endParaRPr lang="en-US" sz="1400" dirty="0"/>
           </a:p>
         </p:txBody>
       </p:sp>
@@ -8407,10 +8248,9 @@
           <a:lstStyle/>
           <a:p>
             <a:r>
-              <a:rPr lang="en-US" dirty="0" smtClean="0"/>
+              <a:rPr lang="en-US" dirty="0"/>
               <a:t>Combination of two concepts: “red” and “ball”</a:t>
             </a:r>
-            <a:endParaRPr lang="en-US" dirty="0"/>
           </a:p>
         </p:txBody>
       </p:sp>
@@ -8467,10 +8307,9 @@
           <a:lstStyle/>
           <a:p>
             <a:r>
-              <a:rPr lang="en-US" dirty="0" smtClean="0"/>
+              <a:rPr lang="en-US" dirty="0"/>
               <a:t>Extraction of constituent concept “ball” from complex concept “red ball”</a:t>
             </a:r>
-            <a:endParaRPr lang="en-US" dirty="0"/>
           </a:p>
         </p:txBody>
       </p:sp>
@@ -8484,13 +8323,6 @@
   <p:clrMapOvr>
     <a:masterClrMapping/>
   </p:clrMapOvr>
-  <p:timing>
-    <p:tnLst>
-      <p:par>
-        <p:cTn id="1" dur="indefinite" restart="never" nodeType="tmRoot"/>
-      </p:par>
-    </p:tnLst>
-  </p:timing>
 </p:sld>
 </file>
 
@@ -8534,10 +8366,9 @@
           <a:lstStyle/>
           <a:p>
             <a:r>
-              <a:rPr lang="en-US" sz="4000" dirty="0" smtClean="0"/>
+              <a:rPr lang="en-US" sz="4000" dirty="0"/>
               <a:t>Building an HRR Engine and adding it to the toolkit</a:t>
             </a:r>
-            <a:endParaRPr lang="en-US" sz="4000" dirty="0"/>
           </a:p>
         </p:txBody>
       </p:sp>
@@ -8624,10 +8455,9 @@
           <a:lstStyle/>
           <a:p>
             <a:r>
-              <a:rPr lang="en-US" dirty="0" smtClean="0"/>
+              <a:rPr lang="en-US" dirty="0"/>
               <a:t>Architecture of Original Working Memory toolkit*</a:t>
             </a:r>
-            <a:endParaRPr lang="en-US" dirty="0"/>
           </a:p>
         </p:txBody>
       </p:sp>
@@ -8654,10 +8484,9 @@
           <a:lstStyle/>
           <a:p>
             <a:r>
-              <a:rPr lang="en-US" dirty="0" smtClean="0"/>
+              <a:rPr lang="en-US" dirty="0"/>
               <a:t>Architecture of Holographic Working Memory toolkit.</a:t>
             </a:r>
-            <a:endParaRPr lang="en-US" dirty="0"/>
           </a:p>
         </p:txBody>
       </p:sp>
@@ -8684,10 +8513,9 @@
           <a:lstStyle/>
           <a:p>
             <a:r>
-              <a:rPr lang="en-US" sz="1400" dirty="0" smtClean="0"/>
+              <a:rPr lang="en-US" sz="1400" dirty="0"/>
               <a:t>* “A Biologically Inspired Working Memory Framework for Robots”, Phillips and Noelle, 2005.</a:t>
             </a:r>
-            <a:endParaRPr lang="en-US" sz="1400" dirty="0"/>
           </a:p>
         </p:txBody>
       </p:sp>
@@ -8701,13 +8529,6 @@
   <p:clrMapOvr>
     <a:masterClrMapping/>
   </p:clrMapOvr>
-  <p:timing>
-    <p:tnLst>
-      <p:par>
-        <p:cTn id="1" dur="indefinite" restart="never" nodeType="tmRoot"/>
-      </p:par>
-    </p:tnLst>
-  </p:timing>
 </p:sld>
 </file>
 
@@ -8751,10 +8572,9 @@
           <a:lstStyle/>
           <a:p>
             <a:r>
-              <a:rPr lang="en-US" sz="4000" dirty="0" smtClean="0"/>
+              <a:rPr lang="en-US" sz="4000" dirty="0"/>
               <a:t>Testing the Toolkit</a:t>
             </a:r>
-            <a:endParaRPr lang="en-US" sz="4000" dirty="0"/>
           </a:p>
         </p:txBody>
       </p:sp>
@@ -8811,10 +8631,9 @@
           <a:lstStyle/>
           <a:p>
             <a:r>
-              <a:rPr lang="en-US" dirty="0" smtClean="0"/>
+              <a:rPr lang="en-US" dirty="0"/>
               <a:t>What color am I thinking of?</a:t>
             </a:r>
-            <a:endParaRPr lang="en-US" dirty="0"/>
           </a:p>
         </p:txBody>
       </p:sp>
@@ -8841,10 +8660,9 @@
           <a:lstStyle/>
           <a:p>
             <a:r>
-              <a:rPr lang="en-US" dirty="0" smtClean="0"/>
+              <a:rPr lang="en-US" dirty="0"/>
               <a:t>100% success rate within 8000 trials.</a:t>
             </a:r>
-            <a:endParaRPr lang="en-US" dirty="0"/>
           </a:p>
         </p:txBody>
       </p:sp>
@@ -8901,10 +8719,9 @@
           <a:lstStyle/>
           <a:p>
             <a:r>
-              <a:rPr lang="en-US" dirty="0" smtClean="0"/>
+              <a:rPr lang="en-US" dirty="0"/>
               <a:t>Wisconsin Card Sort Task*</a:t>
             </a:r>
-            <a:endParaRPr lang="en-US" dirty="0"/>
           </a:p>
         </p:txBody>
       </p:sp>
@@ -8931,26 +8748,17 @@
           <a:lstStyle/>
           <a:p>
             <a:r>
-              <a:rPr lang="en-US" sz="1400" dirty="0" smtClean="0"/>
-              <a:t>* ”Prefrontal </a:t>
-            </a:r>
-            <a:r>
               <a:rPr lang="en-US" sz="1400" dirty="0"/>
-              <a:t>Cortex and Flexible Cognitive </a:t>
-            </a:r>
-            <a:r>
-              <a:rPr lang="en-US" sz="1400" dirty="0" smtClean="0"/>
-              <a:t>Control…” </a:t>
-            </a:r>
-            <a:r>
-              <a:rPr lang="en-US" sz="1400" dirty="0" err="1" smtClean="0"/>
+              <a:t>* ”Prefrontal Cortex and Flexible Cognitive Control…” </a:t>
+            </a:r>
+            <a:r>
+              <a:rPr lang="en-US" sz="1400" dirty="0" err="1"/>
               <a:t>Rougier</a:t>
             </a:r>
             <a:r>
-              <a:rPr lang="en-US" sz="1400" dirty="0" smtClean="0"/>
+              <a:rPr lang="en-US" sz="1400" dirty="0"/>
               <a:t> et al., 2005.</a:t>
             </a:r>
-            <a:endParaRPr lang="en-US" sz="1400" dirty="0"/>
           </a:p>
         </p:txBody>
       </p:sp>
@@ -8977,10 +8785,9 @@
           <a:lstStyle/>
           <a:p>
             <a:r>
-              <a:rPr lang="en-US" dirty="0" smtClean="0"/>
+              <a:rPr lang="en-US" dirty="0"/>
               <a:t>3.5-4.2 K trials to learn a new rule</a:t>
             </a:r>
-            <a:endParaRPr lang="en-US" dirty="0"/>
           </a:p>
         </p:txBody>
       </p:sp>
@@ -8994,13 +8801,6 @@
   <p:clrMapOvr>
     <a:masterClrMapping/>
   </p:clrMapOvr>
-  <p:timing>
-    <p:tnLst>
-      <p:par>
-        <p:cTn id="1" dur="indefinite" restart="never" nodeType="tmRoot"/>
-      </p:par>
-    </p:tnLst>
-  </p:timing>
 </p:sld>
 </file>
 
@@ -9044,10 +8844,9 @@
           <a:lstStyle/>
           <a:p>
             <a:r>
-              <a:rPr lang="en-US" sz="4000" dirty="0" smtClean="0"/>
+              <a:rPr lang="en-US" sz="4000" dirty="0"/>
               <a:t>Achievements</a:t>
             </a:r>
-            <a:endParaRPr lang="en-US" sz="4000" dirty="0"/>
           </a:p>
         </p:txBody>
       </p:sp>
@@ -9074,40 +8873,23 @@
           <a:lstStyle/>
           <a:p>
             <a:r>
-              <a:rPr lang="en-US" sz="1400" dirty="0" smtClean="0"/>
-              <a:t>* "</a:t>
-            </a:r>
-            <a:r>
               <a:rPr lang="en-US" sz="1400" dirty="0"/>
-              <a:t>Generalization in Reinforcement Learning: Safely Approximating the Value Function</a:t>
-            </a:r>
-            <a:r>
-              <a:rPr lang="en-US" sz="1400" dirty="0" smtClean="0"/>
-              <a:t>.“, </a:t>
-            </a:r>
-            <a:r>
-              <a:rPr lang="en-US" sz="1400" dirty="0" err="1" smtClean="0"/>
+              <a:t>* "Generalization in Reinforcement Learning: Safely Approximating the Value Function.“, </a:t>
+            </a:r>
+            <a:r>
+              <a:rPr lang="en-US" sz="1400" dirty="0" err="1"/>
               <a:t>Boyan</a:t>
             </a:r>
             <a:r>
-              <a:rPr lang="en-US" sz="1400" dirty="0" smtClean="0"/>
+              <a:rPr lang="en-US" sz="1400" dirty="0"/>
               <a:t> and Moore, 1995. </a:t>
             </a:r>
           </a:p>
           <a:p>
             <a:r>
-              <a:rPr lang="en-US" sz="1400" dirty="0" smtClean="0"/>
-              <a:t>   "</a:t>
-            </a:r>
-            <a:r>
               <a:rPr lang="en-US" sz="1400" dirty="0"/>
-              <a:t>Generalization in Reinforcement Learning: Successful Examples Using Sparse Coarse Coding</a:t>
-            </a:r>
-            <a:r>
-              <a:rPr lang="en-US" sz="1400" dirty="0" smtClean="0"/>
-              <a:t>.“, Sutton, 1996. </a:t>
-            </a:r>
-            <a:endParaRPr lang="en-US" sz="1400" dirty="0"/>
+              <a:t>   "Generalization in Reinforcement Learning: Successful Examples Using Sparse Coarse Coding.“, Sutton, 1996. </a:t>
+            </a:r>
           </a:p>
         </p:txBody>
       </p:sp>
@@ -9134,56 +8916,56 @@
           <a:lstStyle/>
           <a:p>
             <a:r>
-              <a:rPr lang="en-US" sz="2400" dirty="0" smtClean="0"/>
+              <a:rPr lang="en-US" sz="2400" dirty="0"/>
               <a:t>Ease of Use</a:t>
             </a:r>
           </a:p>
           <a:p>
             <a:r>
-              <a:rPr lang="en-US" sz="2400" dirty="0" smtClean="0"/>
+              <a:rPr lang="en-US" sz="2400" dirty="0"/>
               <a:t>Hassle-free introduction of new concepts</a:t>
             </a:r>
           </a:p>
           <a:p>
             <a:r>
-              <a:rPr lang="en-US" sz="2400" dirty="0" smtClean="0"/>
+              <a:rPr lang="en-US" sz="2400" dirty="0"/>
               <a:t>More possibilities</a:t>
             </a:r>
           </a:p>
           <a:p>
             <a:pPr lvl="1"/>
             <a:r>
-              <a:rPr lang="en-US" dirty="0" smtClean="0"/>
+              <a:rPr lang="en-US" dirty="0"/>
               <a:t>Chunking</a:t>
             </a:r>
           </a:p>
           <a:p>
             <a:pPr lvl="1"/>
             <a:r>
-              <a:rPr lang="en-US" dirty="0" smtClean="0"/>
+              <a:rPr lang="en-US" dirty="0"/>
               <a:t>Learning external actions</a:t>
             </a:r>
           </a:p>
           <a:p>
             <a:pPr lvl="1"/>
             <a:r>
-              <a:rPr lang="en-US" dirty="0" smtClean="0"/>
+              <a:rPr lang="en-US" dirty="0"/>
               <a:t>Hierarchical tasks</a:t>
             </a:r>
           </a:p>
           <a:p>
-            <a:endParaRPr lang="en-US" sz="2400" dirty="0" smtClean="0"/>
-          </a:p>
-          <a:p>
-            <a:r>
-              <a:rPr lang="en-US" sz="2400" b="1" dirty="0" smtClean="0"/>
+            <a:endParaRPr lang="en-US" sz="2400" dirty="0"/>
+          </a:p>
+          <a:p>
+            <a:r>
+              <a:rPr lang="en-US" sz="2400" b="1" dirty="0"/>
               <a:t>Proof that HRRs can be used with TD learning in Neural Networks</a:t>
             </a:r>
           </a:p>
           <a:p>
             <a:pPr lvl="1"/>
             <a:r>
-              <a:rPr lang="en-US" dirty="0" smtClean="0"/>
+              <a:rPr lang="en-US" dirty="0"/>
               <a:t>Some studies suggest this is impossible*</a:t>
             </a:r>
           </a:p>
@@ -9199,13 +8981,6 @@
   <p:clrMapOvr>
     <a:masterClrMapping/>
   </p:clrMapOvr>
-  <p:timing>
-    <p:tnLst>
-      <p:par>
-        <p:cTn id="1" dur="indefinite" restart="never" nodeType="tmRoot"/>
-      </p:par>
-    </p:tnLst>
-  </p:timing>
 </p:sld>
 </file>
 
